--- a/Dev_uCOS-II/Oufff2013/Conception/Projet2013.pptx
+++ b/Dev_uCOS-II/Oufff2013/Conception/Projet2013.pptx
@@ -6,7 +6,6 @@
   </p:sldMasterIdLst>
   <p:sldIdLst>
     <p:sldId id="256" r:id="rId2"/>
-    <p:sldId id="257" r:id="rId3"/>
   </p:sldIdLst>
   <p:sldSz cx="9144000" cy="6858000" type="screen4x3"/>
   <p:notesSz cx="7099300" cy="10234613"/>
@@ -329,7 +328,7 @@
               <a:pPr>
                 <a:defRPr/>
               </a:pPr>
-              <a:t>10/03/2013</a:t>
+              <a:t>10/06/2013</a:t>
             </a:fld>
             <a:endParaRPr lang="fr-FR"/>
           </a:p>
@@ -521,7 +520,7 @@
               <a:pPr>
                 <a:defRPr/>
               </a:pPr>
-              <a:t>10/03/2013</a:t>
+              <a:t>10/06/2013</a:t>
             </a:fld>
             <a:endParaRPr lang="fr-FR"/>
           </a:p>
@@ -723,7 +722,7 @@
               <a:pPr>
                 <a:defRPr/>
               </a:pPr>
-              <a:t>10/03/2013</a:t>
+              <a:t>10/06/2013</a:t>
             </a:fld>
             <a:endParaRPr lang="fr-FR"/>
           </a:p>
@@ -915,7 +914,7 @@
               <a:pPr>
                 <a:defRPr/>
               </a:pPr>
-              <a:t>10/03/2013</a:t>
+              <a:t>10/06/2013</a:t>
             </a:fld>
             <a:endParaRPr lang="fr-FR"/>
           </a:p>
@@ -1183,7 +1182,7 @@
               <a:pPr>
                 <a:defRPr/>
               </a:pPr>
-              <a:t>10/03/2013</a:t>
+              <a:t>10/06/2013</a:t>
             </a:fld>
             <a:endParaRPr lang="fr-FR"/>
           </a:p>
@@ -1493,7 +1492,7 @@
               <a:pPr>
                 <a:defRPr/>
               </a:pPr>
-              <a:t>10/03/2013</a:t>
+              <a:t>10/06/2013</a:t>
             </a:fld>
             <a:endParaRPr lang="fr-FR"/>
           </a:p>
@@ -1937,7 +1936,7 @@
               <a:pPr>
                 <a:defRPr/>
               </a:pPr>
-              <a:t>10/03/2013</a:t>
+              <a:t>10/06/2013</a:t>
             </a:fld>
             <a:endParaRPr lang="fr-FR"/>
           </a:p>
@@ -2077,7 +2076,7 @@
               <a:pPr>
                 <a:defRPr/>
               </a:pPr>
-              <a:t>10/03/2013</a:t>
+              <a:t>10/06/2013</a:t>
             </a:fld>
             <a:endParaRPr lang="fr-FR"/>
           </a:p>
@@ -2194,7 +2193,7 @@
               <a:pPr>
                 <a:defRPr/>
               </a:pPr>
-              <a:t>10/03/2013</a:t>
+              <a:t>10/06/2013</a:t>
             </a:fld>
             <a:endParaRPr lang="fr-FR"/>
           </a:p>
@@ -2493,7 +2492,7 @@
               <a:pPr>
                 <a:defRPr/>
               </a:pPr>
-              <a:t>10/03/2013</a:t>
+              <a:t>10/06/2013</a:t>
             </a:fld>
             <a:endParaRPr lang="fr-FR"/>
           </a:p>
@@ -2771,7 +2770,7 @@
               <a:pPr>
                 <a:defRPr/>
               </a:pPr>
-              <a:t>10/03/2013</a:t>
+              <a:t>10/06/2013</a:t>
             </a:fld>
             <a:endParaRPr lang="fr-FR"/>
           </a:p>
@@ -3027,7 +3026,7 @@
               <a:pPr>
                 <a:defRPr/>
               </a:pPr>
-              <a:t>10/03/2013</a:t>
+              <a:t>10/06/2013</a:t>
             </a:fld>
             <a:endParaRPr lang="fr-FR"/>
           </a:p>
@@ -3553,6 +3552,446 @@
       </p:grpSpPr>
       <p:sp>
         <p:nvSpPr>
+          <p:cNvPr id="93" name="Titre 1"/>
+          <p:cNvSpPr txBox="1">
+            <a:spLocks/>
+          </p:cNvSpPr>
+          <p:nvPr/>
+        </p:nvSpPr>
+        <p:spPr bwMode="auto">
+          <a:xfrm>
+            <a:off x="490742" y="5919243"/>
+            <a:ext cx="8185714" cy="894134"/>
+          </a:xfrm>
+          <a:prstGeom prst="rect">
+            <a:avLst/>
+          </a:prstGeom>
+          <a:noFill/>
+          <a:ln w="9525">
+            <a:noFill/>
+            <a:miter lim="800000"/>
+            <a:headEnd/>
+            <a:tailEnd/>
+          </a:ln>
+        </p:spPr>
+        <p:txBody>
+          <a:bodyPr vert="horz" wrap="square" lIns="91440" tIns="45720" rIns="91440" bIns="45720" numCol="1" anchor="ctr" anchorCtr="0" compatLnSpc="1">
+            <a:prstTxWarp prst="textNoShape">
+              <a:avLst/>
+            </a:prstTxWarp>
+          </a:bodyPr>
+          <a:lstStyle>
+            <a:lvl1pPr algn="ctr" rtl="0" fontAlgn="base">
+              <a:spcBef>
+                <a:spcPct val="0"/>
+              </a:spcBef>
+              <a:spcAft>
+                <a:spcPct val="0"/>
+              </a:spcAft>
+              <a:defRPr sz="4400" kern="1200">
+                <a:solidFill>
+                  <a:schemeClr val="tx1"/>
+                </a:solidFill>
+                <a:latin typeface="+mj-lt"/>
+                <a:ea typeface="+mj-ea"/>
+                <a:cs typeface="+mj-cs"/>
+              </a:defRPr>
+            </a:lvl1pPr>
+            <a:lvl2pPr algn="ctr" rtl="0" fontAlgn="base">
+              <a:spcBef>
+                <a:spcPct val="0"/>
+              </a:spcBef>
+              <a:spcAft>
+                <a:spcPct val="0"/>
+              </a:spcAft>
+              <a:defRPr sz="4400">
+                <a:solidFill>
+                  <a:schemeClr val="tx1"/>
+                </a:solidFill>
+                <a:latin typeface="Calibri" pitchFamily="34" charset="0"/>
+              </a:defRPr>
+            </a:lvl2pPr>
+            <a:lvl3pPr algn="ctr" rtl="0" fontAlgn="base">
+              <a:spcBef>
+                <a:spcPct val="0"/>
+              </a:spcBef>
+              <a:spcAft>
+                <a:spcPct val="0"/>
+              </a:spcAft>
+              <a:defRPr sz="4400">
+                <a:solidFill>
+                  <a:schemeClr val="tx1"/>
+                </a:solidFill>
+                <a:latin typeface="Calibri" pitchFamily="34" charset="0"/>
+              </a:defRPr>
+            </a:lvl3pPr>
+            <a:lvl4pPr algn="ctr" rtl="0" fontAlgn="base">
+              <a:spcBef>
+                <a:spcPct val="0"/>
+              </a:spcBef>
+              <a:spcAft>
+                <a:spcPct val="0"/>
+              </a:spcAft>
+              <a:defRPr sz="4400">
+                <a:solidFill>
+                  <a:schemeClr val="tx1"/>
+                </a:solidFill>
+                <a:latin typeface="Calibri" pitchFamily="34" charset="0"/>
+              </a:defRPr>
+            </a:lvl4pPr>
+            <a:lvl5pPr algn="ctr" rtl="0" fontAlgn="base">
+              <a:spcBef>
+                <a:spcPct val="0"/>
+              </a:spcBef>
+              <a:spcAft>
+                <a:spcPct val="0"/>
+              </a:spcAft>
+              <a:defRPr sz="4400">
+                <a:solidFill>
+                  <a:schemeClr val="tx1"/>
+                </a:solidFill>
+                <a:latin typeface="Calibri" pitchFamily="34" charset="0"/>
+              </a:defRPr>
+            </a:lvl5pPr>
+            <a:lvl6pPr marL="457200" algn="ctr" rtl="0" fontAlgn="base">
+              <a:spcBef>
+                <a:spcPct val="0"/>
+              </a:spcBef>
+              <a:spcAft>
+                <a:spcPct val="0"/>
+              </a:spcAft>
+              <a:defRPr sz="4400">
+                <a:solidFill>
+                  <a:schemeClr val="tx1"/>
+                </a:solidFill>
+                <a:latin typeface="Calibri" pitchFamily="34" charset="0"/>
+              </a:defRPr>
+            </a:lvl6pPr>
+            <a:lvl7pPr marL="914400" algn="ctr" rtl="0" fontAlgn="base">
+              <a:spcBef>
+                <a:spcPct val="0"/>
+              </a:spcBef>
+              <a:spcAft>
+                <a:spcPct val="0"/>
+              </a:spcAft>
+              <a:defRPr sz="4400">
+                <a:solidFill>
+                  <a:schemeClr val="tx1"/>
+                </a:solidFill>
+                <a:latin typeface="Calibri" pitchFamily="34" charset="0"/>
+              </a:defRPr>
+            </a:lvl7pPr>
+            <a:lvl8pPr marL="1371600" algn="ctr" rtl="0" fontAlgn="base">
+              <a:spcBef>
+                <a:spcPct val="0"/>
+              </a:spcBef>
+              <a:spcAft>
+                <a:spcPct val="0"/>
+              </a:spcAft>
+              <a:defRPr sz="4400">
+                <a:solidFill>
+                  <a:schemeClr val="tx1"/>
+                </a:solidFill>
+                <a:latin typeface="Calibri" pitchFamily="34" charset="0"/>
+              </a:defRPr>
+            </a:lvl8pPr>
+            <a:lvl9pPr marL="1828800" algn="ctr" rtl="0" fontAlgn="base">
+              <a:spcBef>
+                <a:spcPct val="0"/>
+              </a:spcBef>
+              <a:spcAft>
+                <a:spcPct val="0"/>
+              </a:spcAft>
+              <a:defRPr sz="4400">
+                <a:solidFill>
+                  <a:schemeClr val="tx1"/>
+                </a:solidFill>
+                <a:latin typeface="Calibri" pitchFamily="34" charset="0"/>
+              </a:defRPr>
+            </a:lvl9pPr>
+          </a:lstStyle>
+          <a:p>
+            <a:pPr algn="l"/>
+            <a:r>
+              <a:rPr lang="fr-FR" sz="1200" b="1" dirty="0" err="1" smtClean="0"/>
+              <a:t>Legend</a:t>
+            </a:r>
+            <a:r>
+              <a:rPr lang="fr-FR" sz="1200" b="1" dirty="0" smtClean="0"/>
+              <a:t> :</a:t>
+            </a:r>
+          </a:p>
+        </p:txBody>
+      </p:sp>
+      <p:graphicFrame>
+        <p:nvGraphicFramePr>
+          <p:cNvPr id="33" name="Group 96"/>
+          <p:cNvGraphicFramePr>
+            <a:graphicFrameLocks noGrp="1"/>
+          </p:cNvGraphicFramePr>
+          <p:nvPr>
+            <p:extLst>
+              <p:ext uri="{D42A27DB-BD31-4B8C-83A1-F6EECF244321}">
+                <p14:modId xmlns:p14="http://schemas.microsoft.com/office/powerpoint/2010/main" val="3276578637"/>
+              </p:ext>
+            </p:extLst>
+          </p:nvPr>
+        </p:nvGraphicFramePr>
+        <p:xfrm>
+          <a:off x="4753434" y="684000"/>
+          <a:ext cx="2088232" cy="614598"/>
+        </p:xfrm>
+        <a:graphic>
+          <a:graphicData uri="http://schemas.openxmlformats.org/drawingml/2006/table">
+            <a:tbl>
+              <a:tblPr/>
+              <a:tblGrid>
+                <a:gridCol w="2088232"/>
+              </a:tblGrid>
+              <a:tr h="119256">
+                <a:tc>
+                  <a:txBody>
+                    <a:bodyPr/>
+                    <a:lstStyle/>
+                    <a:p>
+                      <a:pPr marL="0" marR="0" lvl="0" indent="0" algn="ctr" defTabSz="914400" rtl="0" eaLnBrk="1" fontAlgn="base" latinLnBrk="0" hangingPunct="1">
+                        <a:lnSpc>
+                          <a:spcPct val="100000"/>
+                        </a:lnSpc>
+                        <a:spcBef>
+                          <a:spcPct val="0"/>
+                        </a:spcBef>
+                        <a:spcAft>
+                          <a:spcPct val="0"/>
+                        </a:spcAft>
+                        <a:buClrTx/>
+                        <a:buSzTx/>
+                        <a:buFontTx/>
+                        <a:buNone/>
+                        <a:tabLst/>
+                      </a:pPr>
+                      <a:r>
+                        <a:rPr kumimoji="0" lang="fr-FR" sz="1400" b="1" i="0" u="none" strike="noStrike" cap="none" normalizeH="0" baseline="0" dirty="0" err="1" smtClean="0">
+                          <a:ln>
+                            <a:noFill/>
+                          </a:ln>
+                          <a:solidFill>
+                            <a:schemeClr val="tx1"/>
+                          </a:solidFill>
+                          <a:effectLst/>
+                          <a:latin typeface="Calibri" pitchFamily="34" charset="0"/>
+                          <a:cs typeface="Arial" charset="0"/>
+                        </a:rPr>
+                        <a:t>Strategy</a:t>
+                      </a:r>
+                      <a:r>
+                        <a:rPr kumimoji="0" lang="fr-FR" sz="1400" b="1" i="0" u="none" strike="noStrike" cap="none" normalizeH="0" baseline="0" dirty="0" smtClean="0">
+                          <a:ln>
+                            <a:noFill/>
+                          </a:ln>
+                          <a:solidFill>
+                            <a:schemeClr val="tx1"/>
+                          </a:solidFill>
+                          <a:effectLst/>
+                          <a:latin typeface="Calibri" pitchFamily="34" charset="0"/>
+                          <a:cs typeface="Arial" charset="0"/>
+                        </a:rPr>
+                        <a:t> Flags (32 bits)</a:t>
+                      </a:r>
+                    </a:p>
+                  </a:txBody>
+                  <a:tcPr horzOverflow="overflow">
+                    <a:lnL w="12700" cap="flat" cmpd="sng" algn="ctr">
+                      <a:solidFill>
+                        <a:schemeClr val="tx1"/>
+                      </a:solidFill>
+                      <a:prstDash val="solid"/>
+                      <a:round/>
+                      <a:headEnd type="none" w="med" len="med"/>
+                      <a:tailEnd type="none" w="med" len="med"/>
+                    </a:lnL>
+                    <a:lnR w="12700" cap="flat" cmpd="sng" algn="ctr">
+                      <a:solidFill>
+                        <a:schemeClr val="tx1"/>
+                      </a:solidFill>
+                      <a:prstDash val="solid"/>
+                      <a:round/>
+                      <a:headEnd type="none" w="med" len="med"/>
+                      <a:tailEnd type="none" w="med" len="med"/>
+                    </a:lnR>
+                    <a:lnT w="12700" cap="flat" cmpd="sng" algn="ctr">
+                      <a:solidFill>
+                        <a:schemeClr val="tx1"/>
+                      </a:solidFill>
+                      <a:prstDash val="solid"/>
+                      <a:round/>
+                      <a:headEnd type="none" w="med" len="med"/>
+                      <a:tailEnd type="none" w="med" len="med"/>
+                    </a:lnT>
+                    <a:lnB w="12700" cap="flat" cmpd="sng" algn="ctr">
+                      <a:solidFill>
+                        <a:schemeClr val="tx1"/>
+                      </a:solidFill>
+                      <a:prstDash val="solid"/>
+                      <a:round/>
+                      <a:headEnd type="none" w="med" len="med"/>
+                      <a:tailEnd type="none" w="med" len="med"/>
+                    </a:lnB>
+                    <a:lnTlToBr>
+                      <a:noFill/>
+                    </a:lnTlToBr>
+                    <a:lnBlToTr>
+                      <a:noFill/>
+                    </a:lnBlToTr>
+                    <a:gradFill rotWithShape="1">
+                      <a:gsLst>
+                        <a:gs pos="0">
+                          <a:srgbClr val="FF8080"/>
+                        </a:gs>
+                        <a:gs pos="50000">
+                          <a:srgbClr val="FFB3B3"/>
+                        </a:gs>
+                        <a:gs pos="100000">
+                          <a:srgbClr val="FFDADA"/>
+                        </a:gs>
+                      </a:gsLst>
+                      <a:path path="rect">
+                        <a:fillToRect l="50000" t="50000" r="50000" b="50000"/>
+                      </a:path>
+                    </a:gradFill>
+                  </a:tcPr>
+                </a:tc>
+              </a:tr>
+              <a:tr h="309798">
+                <a:tc>
+                  <a:txBody>
+                    <a:bodyPr/>
+                    <a:lstStyle/>
+                    <a:p>
+                      <a:pPr marL="0" marR="0" lvl="0" indent="0" algn="ctr" defTabSz="914400" rtl="0" eaLnBrk="1" fontAlgn="base" latinLnBrk="0" hangingPunct="1">
+                        <a:lnSpc>
+                          <a:spcPct val="100000"/>
+                        </a:lnSpc>
+                        <a:spcBef>
+                          <a:spcPct val="0"/>
+                        </a:spcBef>
+                        <a:spcAft>
+                          <a:spcPct val="0"/>
+                        </a:spcAft>
+                        <a:buClrTx/>
+                        <a:buSzTx/>
+                        <a:buFontTx/>
+                        <a:buNone/>
+                        <a:tabLst/>
+                      </a:pPr>
+                      <a:r>
+                        <a:rPr kumimoji="0" lang="fr-FR" sz="1200" b="0" i="0" u="none" strike="noStrike" cap="none" normalizeH="0" baseline="0" dirty="0" err="1" smtClean="0">
+                          <a:ln>
+                            <a:noFill/>
+                          </a:ln>
+                          <a:solidFill>
+                            <a:schemeClr val="tx1"/>
+                          </a:solidFill>
+                          <a:effectLst/>
+                          <a:latin typeface="Calibri" pitchFamily="34" charset="0"/>
+                          <a:cs typeface="Arial" charset="0"/>
+                        </a:rPr>
+                        <a:t>See</a:t>
+                      </a:r>
+                      <a:r>
+                        <a:rPr kumimoji="0" lang="fr-FR" sz="1200" b="0" i="0" u="none" strike="noStrike" cap="none" normalizeH="0" baseline="0" dirty="0" smtClean="0">
+                          <a:ln>
+                            <a:noFill/>
+                          </a:ln>
+                          <a:solidFill>
+                            <a:schemeClr val="tx1"/>
+                          </a:solidFill>
+                          <a:effectLst/>
+                          <a:latin typeface="Calibri" pitchFamily="34" charset="0"/>
+                          <a:cs typeface="Arial" charset="0"/>
+                        </a:rPr>
+                        <a:t> </a:t>
+                      </a:r>
+                      <a:r>
+                        <a:rPr kumimoji="0" lang="fr-FR" sz="1200" b="0" i="0" u="none" strike="noStrike" cap="none" normalizeH="0" baseline="0" dirty="0" err="1" smtClean="0">
+                          <a:ln>
+                            <a:noFill/>
+                          </a:ln>
+                          <a:solidFill>
+                            <a:schemeClr val="tx1"/>
+                          </a:solidFill>
+                          <a:effectLst/>
+                          <a:latin typeface="Calibri" pitchFamily="34" charset="0"/>
+                          <a:cs typeface="Arial" charset="0"/>
+                        </a:rPr>
+                        <a:t>Below</a:t>
+                      </a:r>
+                      <a:endParaRPr kumimoji="0" lang="fr-FR" sz="1200" b="0" i="0" u="none" strike="noStrike" cap="none" normalizeH="0" baseline="0" dirty="0" smtClean="0">
+                        <a:ln>
+                          <a:noFill/>
+                        </a:ln>
+                        <a:solidFill>
+                          <a:schemeClr val="tx1"/>
+                        </a:solidFill>
+                        <a:effectLst/>
+                        <a:latin typeface="Calibri" pitchFamily="34" charset="0"/>
+                        <a:cs typeface="Arial" charset="0"/>
+                      </a:endParaRPr>
+                    </a:p>
+                  </a:txBody>
+                  <a:tcPr horzOverflow="overflow">
+                    <a:lnL w="12700" cap="flat" cmpd="sng" algn="ctr">
+                      <a:solidFill>
+                        <a:schemeClr val="tx1"/>
+                      </a:solidFill>
+                      <a:prstDash val="solid"/>
+                      <a:round/>
+                      <a:headEnd type="none" w="med" len="med"/>
+                      <a:tailEnd type="none" w="med" len="med"/>
+                    </a:lnL>
+                    <a:lnR w="12700" cap="flat" cmpd="sng" algn="ctr">
+                      <a:solidFill>
+                        <a:schemeClr val="tx1"/>
+                      </a:solidFill>
+                      <a:prstDash val="solid"/>
+                      <a:round/>
+                      <a:headEnd type="none" w="med" len="med"/>
+                      <a:tailEnd type="none" w="med" len="med"/>
+                    </a:lnR>
+                    <a:lnT w="12700" cap="flat" cmpd="sng" algn="ctr">
+                      <a:solidFill>
+                        <a:schemeClr val="tx1"/>
+                      </a:solidFill>
+                      <a:prstDash val="solid"/>
+                      <a:round/>
+                      <a:headEnd type="none" w="med" len="med"/>
+                      <a:tailEnd type="none" w="med" len="med"/>
+                    </a:lnT>
+                    <a:lnB w="12700" cap="flat" cmpd="sng" algn="ctr">
+                      <a:solidFill>
+                        <a:schemeClr val="tx1"/>
+                      </a:solidFill>
+                      <a:prstDash val="solid"/>
+                      <a:round/>
+                      <a:headEnd type="none" w="med" len="med"/>
+                      <a:tailEnd type="none" w="med" len="med"/>
+                    </a:lnB>
+                    <a:lnTlToBr>
+                      <a:noFill/>
+                    </a:lnTlToBr>
+                    <a:lnBlToTr>
+                      <a:noFill/>
+                    </a:lnBlToTr>
+                    <a:noFill/>
+                  </a:tcPr>
+                </a:tc>
+              </a:tr>
+            </a:tbl>
+          </a:graphicData>
+        </a:graphic>
+      </p:graphicFrame>
+      <p:sp>
+        <p:nvSpPr>
           <p:cNvPr id="13313" name="Titre 1"/>
           <p:cNvSpPr>
             <a:spLocks noGrp="1"/>
@@ -3573,7 +4012,7 @@
           <a:p>
             <a:r>
               <a:rPr lang="fr-FR" sz="2800" dirty="0" smtClean="0"/>
-              <a:t>Projet 2013</a:t>
+              <a:t>Oufff2013</a:t>
             </a:r>
           </a:p>
         </p:txBody>
@@ -3587,14 +4026,14 @@
           <p:nvPr>
             <p:extLst>
               <p:ext uri="{D42A27DB-BD31-4B8C-83A1-F6EECF244321}">
-                <p14:modId xmlns:p14="http://schemas.microsoft.com/office/powerpoint/2010/main" val="1773811710"/>
+                <p14:modId xmlns:p14="http://schemas.microsoft.com/office/powerpoint/2010/main" val="3032463684"/>
               </p:ext>
             </p:extLst>
           </p:nvPr>
         </p:nvGraphicFramePr>
         <p:xfrm>
-          <a:off x="4788024" y="2101417"/>
-          <a:ext cx="2016224" cy="926974"/>
+          <a:off x="4788024" y="1628800"/>
+          <a:ext cx="2016224" cy="896494"/>
         </p:xfrm>
         <a:graphic>
           <a:graphicData uri="http://schemas.openxmlformats.org/drawingml/2006/table">
@@ -3626,7 +4065,7 @@
                         <a:tabLst/>
                       </a:pPr>
                       <a:r>
-                        <a:rPr kumimoji="0" lang="fr-FR" sz="1600" b="1" i="0" u="none" strike="noStrike" cap="none" normalizeH="0" baseline="0" dirty="0" err="1" smtClean="0">
+                        <a:rPr kumimoji="0" lang="fr-FR" sz="1400" b="1" i="0" u="none" strike="noStrike" cap="none" normalizeH="0" baseline="0" dirty="0" err="1" smtClean="0">
                           <a:ln>
                             <a:noFill/>
                           </a:ln>
@@ -3639,7 +4078,7 @@
                         </a:rPr>
                         <a:t>TaskMain</a:t>
                       </a:r>
-                      <a:endParaRPr kumimoji="0" lang="fr-FR" sz="1600" b="1" i="0" u="none" strike="noStrike" cap="none" normalizeH="0" baseline="0" dirty="0" smtClean="0">
+                      <a:endParaRPr kumimoji="0" lang="fr-FR" sz="1400" b="1" i="0" u="none" strike="noStrike" cap="none" normalizeH="0" baseline="0" dirty="0" smtClean="0">
                         <a:ln>
                           <a:noFill/>
                         </a:ln>
@@ -3865,14 +4304,14 @@
           <p:nvPr>
             <p:extLst>
               <p:ext uri="{D42A27DB-BD31-4B8C-83A1-F6EECF244321}">
-                <p14:modId xmlns:p14="http://schemas.microsoft.com/office/powerpoint/2010/main" val="4237497926"/>
+                <p14:modId xmlns:p14="http://schemas.microsoft.com/office/powerpoint/2010/main" val="2330423460"/>
               </p:ext>
             </p:extLst>
           </p:nvPr>
         </p:nvGraphicFramePr>
         <p:xfrm>
-          <a:off x="7019925" y="1960815"/>
-          <a:ext cx="1660525" cy="1540193"/>
+          <a:off x="7019925" y="1816799"/>
+          <a:ext cx="1660525" cy="1509713"/>
         </p:xfrm>
         <a:graphic>
           <a:graphicData uri="http://schemas.openxmlformats.org/drawingml/2006/table">
@@ -3904,7 +4343,7 @@
                         <a:tabLst/>
                       </a:pPr>
                       <a:r>
-                        <a:rPr kumimoji="0" lang="fr-FR" sz="1600" b="1" i="0" u="none" strike="noStrike" cap="none" normalizeH="0" baseline="0" dirty="0" err="1" smtClean="0">
+                        <a:rPr kumimoji="0" lang="fr-FR" sz="1400" b="1" i="0" u="none" strike="noStrike" cap="none" normalizeH="0" baseline="0" dirty="0" err="1" smtClean="0">
                           <a:ln>
                             <a:noFill/>
                           </a:ln>
@@ -3917,7 +4356,7 @@
                         </a:rPr>
                         <a:t>TaskSensors</a:t>
                       </a:r>
-                      <a:endParaRPr kumimoji="0" lang="fr-FR" sz="1600" b="1" i="0" u="none" strike="noStrike" cap="none" normalizeH="0" baseline="0" dirty="0" smtClean="0">
+                      <a:endParaRPr kumimoji="0" lang="fr-FR" sz="1400" b="1" i="0" u="none" strike="noStrike" cap="none" normalizeH="0" baseline="0" dirty="0" smtClean="0">
                         <a:ln>
                           <a:noFill/>
                         </a:ln>
@@ -4312,11 +4751,17 @@
           <p:cNvGraphicFramePr>
             <a:graphicFrameLocks noGrp="1"/>
           </p:cNvGraphicFramePr>
-          <p:nvPr/>
+          <p:nvPr>
+            <p:extLst>
+              <p:ext uri="{D42A27DB-BD31-4B8C-83A1-F6EECF244321}">
+                <p14:modId xmlns:p14="http://schemas.microsoft.com/office/powerpoint/2010/main" val="2848193193"/>
+              </p:ext>
+            </p:extLst>
+          </p:nvPr>
         </p:nvGraphicFramePr>
         <p:xfrm>
-          <a:off x="611188" y="981075"/>
-          <a:ext cx="1660525" cy="1540193"/>
+          <a:off x="611188" y="684000"/>
+          <a:ext cx="1660525" cy="1346368"/>
         </p:xfrm>
         <a:graphic>
           <a:graphicData uri="http://schemas.openxmlformats.org/drawingml/2006/table">
@@ -4348,7 +4793,7 @@
                         <a:tabLst/>
                       </a:pPr>
                       <a:r>
-                        <a:rPr kumimoji="0" lang="fr-FR" sz="1600" b="1" i="0" u="none" strike="noStrike" cap="none" normalizeH="0" baseline="0" smtClean="0">
+                        <a:rPr kumimoji="0" lang="fr-FR" sz="1400" b="1" i="0" u="none" strike="noStrike" cap="none" normalizeH="0" baseline="0" dirty="0" err="1" smtClean="0">
                           <a:ln>
                             <a:noFill/>
                           </a:ln>
@@ -4361,6 +4806,17 @@
                         </a:rPr>
                         <a:t>TaskAsser</a:t>
                       </a:r>
+                      <a:endParaRPr kumimoji="0" lang="fr-FR" sz="1400" b="1" i="0" u="none" strike="noStrike" cap="none" normalizeH="0" baseline="0" dirty="0" smtClean="0">
+                        <a:ln>
+                          <a:noFill/>
+                        </a:ln>
+                        <a:solidFill>
+                          <a:schemeClr val="tx1"/>
+                        </a:solidFill>
+                        <a:effectLst/>
+                        <a:latin typeface="Calibri" pitchFamily="34" charset="0"/>
+                        <a:cs typeface="Arial" charset="0"/>
+                      </a:endParaRPr>
                     </a:p>
                   </a:txBody>
                   <a:tcPr horzOverflow="overflow">
@@ -4425,7 +4881,7 @@
                   </a:tcPr>
                 </a:tc>
               </a:tr>
-              <a:tr h="1204913">
+              <a:tr h="1041568">
                 <a:tc>
                   <a:txBody>
                     <a:bodyPr/>
@@ -4448,18 +4904,270 @@
                         <a:tabLst/>
                       </a:pPr>
                       <a:r>
-                        <a:rPr kumimoji="0" lang="fr-FR" sz="1200" b="0" i="0" u="none" strike="noStrike" cap="none" normalizeH="0" baseline="0" smtClean="0">
-                          <a:ln>
-                            <a:noFill/>
-                          </a:ln>
-                          <a:solidFill>
-                            <a:schemeClr val="tx1"/>
-                          </a:solidFill>
-                          <a:effectLst/>
-                          <a:latin typeface="Calibri" pitchFamily="34" charset="0"/>
-                          <a:cs typeface="Arial" charset="0"/>
-                        </a:rPr>
-                        <a:t>- Compute new orders to send to motors from current postion to reach expected position</a:t>
+                        <a:rPr kumimoji="0" lang="fr-FR" sz="1200" b="0" i="0" u="none" strike="noStrike" cap="none" normalizeH="0" baseline="0" dirty="0" smtClean="0">
+                          <a:ln>
+                            <a:noFill/>
+                          </a:ln>
+                          <a:solidFill>
+                            <a:schemeClr val="tx1"/>
+                          </a:solidFill>
+                          <a:effectLst/>
+                          <a:latin typeface="Calibri" pitchFamily="34" charset="0"/>
+                          <a:cs typeface="Arial" charset="0"/>
+                        </a:rPr>
+                        <a:t>- </a:t>
+                      </a:r>
+                      <a:r>
+                        <a:rPr kumimoji="0" lang="fr-FR" sz="1200" b="0" i="0" u="none" strike="noStrike" cap="none" normalizeH="0" baseline="0" dirty="0" err="1" smtClean="0">
+                          <a:ln>
+                            <a:noFill/>
+                          </a:ln>
+                          <a:solidFill>
+                            <a:schemeClr val="tx1"/>
+                          </a:solidFill>
+                          <a:effectLst/>
+                          <a:latin typeface="Calibri" pitchFamily="34" charset="0"/>
+                          <a:cs typeface="Arial" charset="0"/>
+                        </a:rPr>
+                        <a:t>Compute</a:t>
+                      </a:r>
+                      <a:r>
+                        <a:rPr kumimoji="0" lang="fr-FR" sz="1200" b="0" i="0" u="none" strike="noStrike" cap="none" normalizeH="0" baseline="0" dirty="0" smtClean="0">
+                          <a:ln>
+                            <a:noFill/>
+                          </a:ln>
+                          <a:solidFill>
+                            <a:schemeClr val="tx1"/>
+                          </a:solidFill>
+                          <a:effectLst/>
+                          <a:latin typeface="Calibri" pitchFamily="34" charset="0"/>
+                          <a:cs typeface="Arial" charset="0"/>
+                        </a:rPr>
+                        <a:t> new </a:t>
+                      </a:r>
+                      <a:r>
+                        <a:rPr kumimoji="0" lang="fr-FR" sz="1200" b="0" i="0" u="none" strike="noStrike" cap="none" normalizeH="0" baseline="0" dirty="0" err="1" smtClean="0">
+                          <a:ln>
+                            <a:noFill/>
+                          </a:ln>
+                          <a:solidFill>
+                            <a:schemeClr val="tx1"/>
+                          </a:solidFill>
+                          <a:effectLst/>
+                          <a:latin typeface="Calibri" pitchFamily="34" charset="0"/>
+                          <a:cs typeface="Arial" charset="0"/>
+                        </a:rPr>
+                        <a:t>orders</a:t>
+                      </a:r>
+                      <a:r>
+                        <a:rPr kumimoji="0" lang="fr-FR" sz="1200" b="0" i="0" u="none" strike="noStrike" cap="none" normalizeH="0" baseline="0" dirty="0" smtClean="0">
+                          <a:ln>
+                            <a:noFill/>
+                          </a:ln>
+                          <a:solidFill>
+                            <a:schemeClr val="tx1"/>
+                          </a:solidFill>
+                          <a:effectLst/>
+                          <a:latin typeface="Calibri" pitchFamily="34" charset="0"/>
+                          <a:cs typeface="Arial" charset="0"/>
+                        </a:rPr>
+                        <a:t> to </a:t>
+                      </a:r>
+                      <a:r>
+                        <a:rPr kumimoji="0" lang="fr-FR" sz="1200" b="0" i="0" u="none" strike="noStrike" cap="none" normalizeH="0" baseline="0" dirty="0" err="1" smtClean="0">
+                          <a:ln>
+                            <a:noFill/>
+                          </a:ln>
+                          <a:solidFill>
+                            <a:schemeClr val="tx1"/>
+                          </a:solidFill>
+                          <a:effectLst/>
+                          <a:latin typeface="Calibri" pitchFamily="34" charset="0"/>
+                          <a:cs typeface="Arial" charset="0"/>
+                        </a:rPr>
+                        <a:t>send</a:t>
+                      </a:r>
+                      <a:r>
+                        <a:rPr kumimoji="0" lang="fr-FR" sz="1200" b="0" i="0" u="none" strike="noStrike" cap="none" normalizeH="0" baseline="0" dirty="0" smtClean="0">
+                          <a:ln>
+                            <a:noFill/>
+                          </a:ln>
+                          <a:solidFill>
+                            <a:schemeClr val="tx1"/>
+                          </a:solidFill>
+                          <a:effectLst/>
+                          <a:latin typeface="Calibri" pitchFamily="34" charset="0"/>
+                          <a:cs typeface="Arial" charset="0"/>
+                        </a:rPr>
+                        <a:t> to </a:t>
+                      </a:r>
+                      <a:r>
+                        <a:rPr kumimoji="0" lang="fr-FR" sz="1200" b="0" i="0" u="none" strike="noStrike" cap="none" normalizeH="0" baseline="0" dirty="0" err="1" smtClean="0">
+                          <a:ln>
+                            <a:noFill/>
+                          </a:ln>
+                          <a:solidFill>
+                            <a:schemeClr val="tx1"/>
+                          </a:solidFill>
+                          <a:effectLst/>
+                          <a:latin typeface="Calibri" pitchFamily="34" charset="0"/>
+                          <a:cs typeface="Arial" charset="0"/>
+                        </a:rPr>
+                        <a:t>motors</a:t>
+                      </a:r>
+                      <a:r>
+                        <a:rPr kumimoji="0" lang="fr-FR" sz="1200" b="0" i="0" u="none" strike="noStrike" cap="none" normalizeH="0" baseline="0" dirty="0" smtClean="0">
+                          <a:ln>
+                            <a:noFill/>
+                          </a:ln>
+                          <a:solidFill>
+                            <a:schemeClr val="tx1"/>
+                          </a:solidFill>
+                          <a:effectLst/>
+                          <a:latin typeface="Calibri" pitchFamily="34" charset="0"/>
+                          <a:cs typeface="Arial" charset="0"/>
+                        </a:rPr>
+                        <a:t> </a:t>
+                      </a:r>
+                      <a:r>
+                        <a:rPr kumimoji="0" lang="fr-FR" sz="1200" b="0" i="0" u="none" strike="noStrike" cap="none" normalizeH="0" baseline="0" dirty="0" err="1" smtClean="0">
+                          <a:ln>
+                            <a:noFill/>
+                          </a:ln>
+                          <a:solidFill>
+                            <a:schemeClr val="tx1"/>
+                          </a:solidFill>
+                          <a:effectLst/>
+                          <a:latin typeface="Calibri" pitchFamily="34" charset="0"/>
+                          <a:cs typeface="Arial" charset="0"/>
+                        </a:rPr>
+                        <a:t>from</a:t>
+                      </a:r>
+                      <a:r>
+                        <a:rPr kumimoji="0" lang="fr-FR" sz="1200" b="0" i="0" u="none" strike="noStrike" cap="none" normalizeH="0" baseline="0" dirty="0" smtClean="0">
+                          <a:ln>
+                            <a:noFill/>
+                          </a:ln>
+                          <a:solidFill>
+                            <a:schemeClr val="tx1"/>
+                          </a:solidFill>
+                          <a:effectLst/>
+                          <a:latin typeface="Calibri" pitchFamily="34" charset="0"/>
+                          <a:cs typeface="Arial" charset="0"/>
+                        </a:rPr>
+                        <a:t> </a:t>
+                      </a:r>
+                      <a:r>
+                        <a:rPr kumimoji="0" lang="fr-FR" sz="1200" b="0" i="0" u="none" strike="noStrike" cap="none" normalizeH="0" baseline="0" dirty="0" err="1" smtClean="0">
+                          <a:ln>
+                            <a:noFill/>
+                          </a:ln>
+                          <a:solidFill>
+                            <a:schemeClr val="tx1"/>
+                          </a:solidFill>
+                          <a:effectLst/>
+                          <a:latin typeface="Calibri" pitchFamily="34" charset="0"/>
+                          <a:cs typeface="Arial" charset="0"/>
+                        </a:rPr>
+                        <a:t>current</a:t>
+                      </a:r>
+                      <a:r>
+                        <a:rPr kumimoji="0" lang="fr-FR" sz="1200" b="0" i="0" u="none" strike="noStrike" cap="none" normalizeH="0" baseline="0" dirty="0" smtClean="0">
+                          <a:ln>
+                            <a:noFill/>
+                          </a:ln>
+                          <a:solidFill>
+                            <a:schemeClr val="tx1"/>
+                          </a:solidFill>
+                          <a:effectLst/>
+                          <a:latin typeface="Calibri" pitchFamily="34" charset="0"/>
+                          <a:cs typeface="Arial" charset="0"/>
+                        </a:rPr>
+                        <a:t> </a:t>
+                      </a:r>
+                      <a:r>
+                        <a:rPr kumimoji="0" lang="fr-FR" sz="1200" b="0" i="0" u="none" strike="noStrike" cap="none" normalizeH="0" baseline="0" dirty="0" err="1" smtClean="0">
+                          <a:ln>
+                            <a:noFill/>
+                          </a:ln>
+                          <a:solidFill>
+                            <a:schemeClr val="tx1"/>
+                          </a:solidFill>
+                          <a:effectLst/>
+                          <a:latin typeface="Calibri" pitchFamily="34" charset="0"/>
+                          <a:cs typeface="Arial" charset="0"/>
+                        </a:rPr>
+                        <a:t>postion</a:t>
+                      </a:r>
+                      <a:r>
+                        <a:rPr kumimoji="0" lang="fr-FR" sz="1200" b="0" i="0" u="none" strike="noStrike" cap="none" normalizeH="0" baseline="0" dirty="0" smtClean="0">
+                          <a:ln>
+                            <a:noFill/>
+                          </a:ln>
+                          <a:solidFill>
+                            <a:schemeClr val="tx1"/>
+                          </a:solidFill>
+                          <a:effectLst/>
+                          <a:latin typeface="Calibri" pitchFamily="34" charset="0"/>
+                          <a:cs typeface="Arial" charset="0"/>
+                        </a:rPr>
+                        <a:t> to </a:t>
+                      </a:r>
+                      <a:r>
+                        <a:rPr kumimoji="0" lang="fr-FR" sz="1200" b="0" i="0" u="none" strike="noStrike" cap="none" normalizeH="0" baseline="0" dirty="0" err="1" smtClean="0">
+                          <a:ln>
+                            <a:noFill/>
+                          </a:ln>
+                          <a:solidFill>
+                            <a:schemeClr val="tx1"/>
+                          </a:solidFill>
+                          <a:effectLst/>
+                          <a:latin typeface="Calibri" pitchFamily="34" charset="0"/>
+                          <a:cs typeface="Arial" charset="0"/>
+                        </a:rPr>
+                        <a:t>reach</a:t>
+                      </a:r>
+                      <a:r>
+                        <a:rPr kumimoji="0" lang="fr-FR" sz="1200" b="0" i="0" u="none" strike="noStrike" cap="none" normalizeH="0" baseline="0" dirty="0" smtClean="0">
+                          <a:ln>
+                            <a:noFill/>
+                          </a:ln>
+                          <a:solidFill>
+                            <a:schemeClr val="tx1"/>
+                          </a:solidFill>
+                          <a:effectLst/>
+                          <a:latin typeface="Calibri" pitchFamily="34" charset="0"/>
+                          <a:cs typeface="Arial" charset="0"/>
+                        </a:rPr>
+                        <a:t> </a:t>
+                      </a:r>
+                      <a:r>
+                        <a:rPr kumimoji="0" lang="fr-FR" sz="1200" b="0" i="0" u="none" strike="noStrike" cap="none" normalizeH="0" baseline="0" dirty="0" err="1" smtClean="0">
+                          <a:ln>
+                            <a:noFill/>
+                          </a:ln>
+                          <a:solidFill>
+                            <a:schemeClr val="tx1"/>
+                          </a:solidFill>
+                          <a:effectLst/>
+                          <a:latin typeface="Calibri" pitchFamily="34" charset="0"/>
+                          <a:cs typeface="Arial" charset="0"/>
+                        </a:rPr>
+                        <a:t>expected</a:t>
+                      </a:r>
+                      <a:r>
+                        <a:rPr kumimoji="0" lang="fr-FR" sz="1200" b="0" i="0" u="none" strike="noStrike" cap="none" normalizeH="0" baseline="0" dirty="0" smtClean="0">
+                          <a:ln>
+                            <a:noFill/>
+                          </a:ln>
+                          <a:solidFill>
+                            <a:schemeClr val="tx1"/>
+                          </a:solidFill>
+                          <a:effectLst/>
+                          <a:latin typeface="Calibri" pitchFamily="34" charset="0"/>
+                          <a:cs typeface="Arial" charset="0"/>
+                        </a:rPr>
+                        <a:t> position</a:t>
                       </a:r>
                     </a:p>
                   </a:txBody>
@@ -4520,11 +5228,17 @@
           <p:cNvGraphicFramePr>
             <a:graphicFrameLocks noGrp="1"/>
           </p:cNvGraphicFramePr>
-          <p:nvPr/>
+          <p:nvPr>
+            <p:extLst>
+              <p:ext uri="{D42A27DB-BD31-4B8C-83A1-F6EECF244321}">
+                <p14:modId xmlns:p14="http://schemas.microsoft.com/office/powerpoint/2010/main" val="3963040378"/>
+              </p:ext>
+            </p:extLst>
+          </p:nvPr>
         </p:nvGraphicFramePr>
         <p:xfrm>
-          <a:off x="539750" y="3617913"/>
-          <a:ext cx="2016125" cy="1649730"/>
+          <a:off x="539750" y="3210366"/>
+          <a:ext cx="2016125" cy="1630363"/>
         </p:xfrm>
         <a:graphic>
           <a:graphicData uri="http://schemas.openxmlformats.org/drawingml/2006/table">
@@ -4556,7 +5270,7 @@
                         <a:tabLst/>
                       </a:pPr>
                       <a:r>
-                        <a:rPr kumimoji="0" lang="fr-FR" sz="1600" b="1" i="0" u="none" strike="noStrike" cap="none" normalizeH="0" baseline="0" smtClean="0">
+                        <a:rPr kumimoji="0" lang="fr-FR" sz="1400" b="1" i="0" u="none" strike="noStrike" cap="none" normalizeH="0" baseline="0" dirty="0" err="1" smtClean="0">
                           <a:ln>
                             <a:noFill/>
                           </a:ln>
@@ -4569,6 +5283,17 @@
                         </a:rPr>
                         <a:t>TaskMvt</a:t>
                       </a:r>
+                      <a:endParaRPr kumimoji="0" lang="fr-FR" sz="1400" b="1" i="0" u="none" strike="noStrike" cap="none" normalizeH="0" baseline="0" dirty="0" smtClean="0">
+                        <a:ln>
+                          <a:noFill/>
+                        </a:ln>
+                        <a:solidFill>
+                          <a:schemeClr val="tx1"/>
+                        </a:solidFill>
+                        <a:effectLst/>
+                        <a:latin typeface="Calibri" pitchFamily="34" charset="0"/>
+                        <a:cs typeface="Arial" charset="0"/>
+                      </a:endParaRPr>
                     </a:p>
                   </a:txBody>
                   <a:tcPr horzOverflow="overflow">
@@ -4656,18 +5381,130 @@
                         <a:tabLst/>
                       </a:pPr>
                       <a:r>
-                        <a:rPr kumimoji="0" lang="fr-FR" sz="1200" b="0" i="0" u="none" strike="noStrike" cap="none" normalizeH="0" baseline="0" smtClean="0">
-                          <a:ln>
-                            <a:noFill/>
-                          </a:ln>
-                          <a:solidFill>
-                            <a:schemeClr val="tx1"/>
-                          </a:solidFill>
-                          <a:effectLst/>
-                          <a:latin typeface="Calibri" pitchFamily="34" charset="0"/>
-                          <a:cs typeface="Arial" charset="0"/>
-                        </a:rPr>
-                        <a:t> Compute path necessary to go to expected point.</a:t>
+                        <a:rPr kumimoji="0" lang="fr-FR" sz="1200" b="0" i="0" u="none" strike="noStrike" cap="none" normalizeH="0" baseline="0" dirty="0" smtClean="0">
+                          <a:ln>
+                            <a:noFill/>
+                          </a:ln>
+                          <a:solidFill>
+                            <a:schemeClr val="tx1"/>
+                          </a:solidFill>
+                          <a:effectLst/>
+                          <a:latin typeface="Calibri" pitchFamily="34" charset="0"/>
+                          <a:cs typeface="Arial" charset="0"/>
+                        </a:rPr>
+                        <a:t> </a:t>
+                      </a:r>
+                      <a:r>
+                        <a:rPr kumimoji="0" lang="fr-FR" sz="1200" b="0" i="0" u="none" strike="noStrike" cap="none" normalizeH="0" baseline="0" dirty="0" err="1" smtClean="0">
+                          <a:ln>
+                            <a:noFill/>
+                          </a:ln>
+                          <a:solidFill>
+                            <a:schemeClr val="tx1"/>
+                          </a:solidFill>
+                          <a:effectLst/>
+                          <a:latin typeface="Calibri" pitchFamily="34" charset="0"/>
+                          <a:cs typeface="Arial" charset="0"/>
+                        </a:rPr>
+                        <a:t>Compute</a:t>
+                      </a:r>
+                      <a:r>
+                        <a:rPr kumimoji="0" lang="fr-FR" sz="1200" b="0" i="0" u="none" strike="noStrike" cap="none" normalizeH="0" baseline="0" dirty="0" smtClean="0">
+                          <a:ln>
+                            <a:noFill/>
+                          </a:ln>
+                          <a:solidFill>
+                            <a:schemeClr val="tx1"/>
+                          </a:solidFill>
+                          <a:effectLst/>
+                          <a:latin typeface="Calibri" pitchFamily="34" charset="0"/>
+                          <a:cs typeface="Arial" charset="0"/>
+                        </a:rPr>
+                        <a:t> </a:t>
+                      </a:r>
+                      <a:r>
+                        <a:rPr kumimoji="0" lang="fr-FR" sz="1200" b="0" i="0" u="none" strike="noStrike" cap="none" normalizeH="0" baseline="0" dirty="0" err="1" smtClean="0">
+                          <a:ln>
+                            <a:noFill/>
+                          </a:ln>
+                          <a:solidFill>
+                            <a:schemeClr val="tx1"/>
+                          </a:solidFill>
+                          <a:effectLst/>
+                          <a:latin typeface="Calibri" pitchFamily="34" charset="0"/>
+                          <a:cs typeface="Arial" charset="0"/>
+                        </a:rPr>
+                        <a:t>path</a:t>
+                      </a:r>
+                      <a:r>
+                        <a:rPr kumimoji="0" lang="fr-FR" sz="1200" b="0" i="0" u="none" strike="noStrike" cap="none" normalizeH="0" baseline="0" dirty="0" smtClean="0">
+                          <a:ln>
+                            <a:noFill/>
+                          </a:ln>
+                          <a:solidFill>
+                            <a:schemeClr val="tx1"/>
+                          </a:solidFill>
+                          <a:effectLst/>
+                          <a:latin typeface="Calibri" pitchFamily="34" charset="0"/>
+                          <a:cs typeface="Arial" charset="0"/>
+                        </a:rPr>
+                        <a:t> </a:t>
+                      </a:r>
+                      <a:r>
+                        <a:rPr kumimoji="0" lang="fr-FR" sz="1200" b="0" i="0" u="none" strike="noStrike" cap="none" normalizeH="0" baseline="0" dirty="0" err="1" smtClean="0">
+                          <a:ln>
+                            <a:noFill/>
+                          </a:ln>
+                          <a:solidFill>
+                            <a:schemeClr val="tx1"/>
+                          </a:solidFill>
+                          <a:effectLst/>
+                          <a:latin typeface="Calibri" pitchFamily="34" charset="0"/>
+                          <a:cs typeface="Arial" charset="0"/>
+                        </a:rPr>
+                        <a:t>necessary</a:t>
+                      </a:r>
+                      <a:r>
+                        <a:rPr kumimoji="0" lang="fr-FR" sz="1200" b="0" i="0" u="none" strike="noStrike" cap="none" normalizeH="0" baseline="0" dirty="0" smtClean="0">
+                          <a:ln>
+                            <a:noFill/>
+                          </a:ln>
+                          <a:solidFill>
+                            <a:schemeClr val="tx1"/>
+                          </a:solidFill>
+                          <a:effectLst/>
+                          <a:latin typeface="Calibri" pitchFamily="34" charset="0"/>
+                          <a:cs typeface="Arial" charset="0"/>
+                        </a:rPr>
+                        <a:t> to go to </a:t>
+                      </a:r>
+                      <a:r>
+                        <a:rPr kumimoji="0" lang="fr-FR" sz="1200" b="0" i="0" u="none" strike="noStrike" cap="none" normalizeH="0" baseline="0" dirty="0" err="1" smtClean="0">
+                          <a:ln>
+                            <a:noFill/>
+                          </a:ln>
+                          <a:solidFill>
+                            <a:schemeClr val="tx1"/>
+                          </a:solidFill>
+                          <a:effectLst/>
+                          <a:latin typeface="Calibri" pitchFamily="34" charset="0"/>
+                          <a:cs typeface="Arial" charset="0"/>
+                        </a:rPr>
+                        <a:t>expected</a:t>
+                      </a:r>
+                      <a:r>
+                        <a:rPr kumimoji="0" lang="fr-FR" sz="1200" b="0" i="0" u="none" strike="noStrike" cap="none" normalizeH="0" baseline="0" dirty="0" smtClean="0">
+                          <a:ln>
+                            <a:noFill/>
+                          </a:ln>
+                          <a:solidFill>
+                            <a:schemeClr val="tx1"/>
+                          </a:solidFill>
+                          <a:effectLst/>
+                          <a:latin typeface="Calibri" pitchFamily="34" charset="0"/>
+                          <a:cs typeface="Arial" charset="0"/>
+                        </a:rPr>
+                        <a:t> point.</a:t>
                       </a:r>
                     </a:p>
                     <a:p>
@@ -4688,18 +5525,158 @@
                         <a:tabLst/>
                       </a:pPr>
                       <a:r>
-                        <a:rPr kumimoji="0" lang="fr-FR" sz="1200" b="0" i="0" u="none" strike="noStrike" cap="none" normalizeH="0" baseline="0" smtClean="0">
-                          <a:ln>
-                            <a:noFill/>
-                          </a:ln>
-                          <a:solidFill>
-                            <a:schemeClr val="tx1"/>
-                          </a:solidFill>
-                          <a:effectLst/>
-                          <a:latin typeface="Calibri" pitchFamily="34" charset="0"/>
-                          <a:cs typeface="Arial" charset="0"/>
-                        </a:rPr>
-                        <a:t> Pre-defined paths are read from « Strategy files »</a:t>
+                        <a:rPr kumimoji="0" lang="fr-FR" sz="1200" b="0" i="0" u="none" strike="noStrike" cap="none" normalizeH="0" baseline="0" dirty="0" smtClean="0">
+                          <a:ln>
+                            <a:noFill/>
+                          </a:ln>
+                          <a:solidFill>
+                            <a:schemeClr val="tx1"/>
+                          </a:solidFill>
+                          <a:effectLst/>
+                          <a:latin typeface="Calibri" pitchFamily="34" charset="0"/>
+                          <a:cs typeface="Arial" charset="0"/>
+                        </a:rPr>
+                        <a:t> </a:t>
+                      </a:r>
+                      <a:r>
+                        <a:rPr kumimoji="0" lang="fr-FR" sz="1200" b="0" i="0" u="none" strike="noStrike" cap="none" normalizeH="0" baseline="0" dirty="0" err="1" smtClean="0">
+                          <a:ln>
+                            <a:noFill/>
+                          </a:ln>
+                          <a:solidFill>
+                            <a:schemeClr val="tx1"/>
+                          </a:solidFill>
+                          <a:effectLst/>
+                          <a:latin typeface="Calibri" pitchFamily="34" charset="0"/>
+                          <a:cs typeface="Arial" charset="0"/>
+                        </a:rPr>
+                        <a:t>Pre-defined</a:t>
+                      </a:r>
+                      <a:r>
+                        <a:rPr kumimoji="0" lang="fr-FR" sz="1200" b="0" i="0" u="none" strike="noStrike" cap="none" normalizeH="0" baseline="0" dirty="0" smtClean="0">
+                          <a:ln>
+                            <a:noFill/>
+                          </a:ln>
+                          <a:solidFill>
+                            <a:schemeClr val="tx1"/>
+                          </a:solidFill>
+                          <a:effectLst/>
+                          <a:latin typeface="Calibri" pitchFamily="34" charset="0"/>
+                          <a:cs typeface="Arial" charset="0"/>
+                        </a:rPr>
+                        <a:t> </a:t>
+                      </a:r>
+                      <a:r>
+                        <a:rPr kumimoji="0" lang="fr-FR" sz="1200" b="0" i="0" u="none" strike="noStrike" cap="none" normalizeH="0" baseline="0" dirty="0" err="1" smtClean="0">
+                          <a:ln>
+                            <a:noFill/>
+                          </a:ln>
+                          <a:solidFill>
+                            <a:schemeClr val="tx1"/>
+                          </a:solidFill>
+                          <a:effectLst/>
+                          <a:latin typeface="Calibri" pitchFamily="34" charset="0"/>
+                          <a:cs typeface="Arial" charset="0"/>
+                        </a:rPr>
+                        <a:t>paths</a:t>
+                      </a:r>
+                      <a:r>
+                        <a:rPr kumimoji="0" lang="fr-FR" sz="1200" b="0" i="0" u="none" strike="noStrike" cap="none" normalizeH="0" baseline="0" dirty="0" smtClean="0">
+                          <a:ln>
+                            <a:noFill/>
+                          </a:ln>
+                          <a:solidFill>
+                            <a:schemeClr val="tx1"/>
+                          </a:solidFill>
+                          <a:effectLst/>
+                          <a:latin typeface="Calibri" pitchFamily="34" charset="0"/>
+                          <a:cs typeface="Arial" charset="0"/>
+                        </a:rPr>
+                        <a:t> are </a:t>
+                      </a:r>
+                      <a:r>
+                        <a:rPr kumimoji="0" lang="fr-FR" sz="1200" b="0" i="0" u="none" strike="noStrike" cap="none" normalizeH="0" baseline="0" dirty="0" err="1" smtClean="0">
+                          <a:ln>
+                            <a:noFill/>
+                          </a:ln>
+                          <a:solidFill>
+                            <a:schemeClr val="tx1"/>
+                          </a:solidFill>
+                          <a:effectLst/>
+                          <a:latin typeface="Calibri" pitchFamily="34" charset="0"/>
+                          <a:cs typeface="Arial" charset="0"/>
+                        </a:rPr>
+                        <a:t>read</a:t>
+                      </a:r>
+                      <a:r>
+                        <a:rPr kumimoji="0" lang="fr-FR" sz="1200" b="0" i="0" u="none" strike="noStrike" cap="none" normalizeH="0" baseline="0" dirty="0" smtClean="0">
+                          <a:ln>
+                            <a:noFill/>
+                          </a:ln>
+                          <a:solidFill>
+                            <a:schemeClr val="tx1"/>
+                          </a:solidFill>
+                          <a:effectLst/>
+                          <a:latin typeface="Calibri" pitchFamily="34" charset="0"/>
+                          <a:cs typeface="Arial" charset="0"/>
+                        </a:rPr>
+                        <a:t> </a:t>
+                      </a:r>
+                      <a:r>
+                        <a:rPr kumimoji="0" lang="fr-FR" sz="1200" b="0" i="0" u="none" strike="noStrike" cap="none" normalizeH="0" baseline="0" dirty="0" err="1" smtClean="0">
+                          <a:ln>
+                            <a:noFill/>
+                          </a:ln>
+                          <a:solidFill>
+                            <a:schemeClr val="tx1"/>
+                          </a:solidFill>
+                          <a:effectLst/>
+                          <a:latin typeface="Calibri" pitchFamily="34" charset="0"/>
+                          <a:cs typeface="Arial" charset="0"/>
+                        </a:rPr>
+                        <a:t>from</a:t>
+                      </a:r>
+                      <a:r>
+                        <a:rPr kumimoji="0" lang="fr-FR" sz="1200" b="0" i="0" u="none" strike="noStrike" cap="none" normalizeH="0" baseline="0" dirty="0" smtClean="0">
+                          <a:ln>
+                            <a:noFill/>
+                          </a:ln>
+                          <a:solidFill>
+                            <a:schemeClr val="tx1"/>
+                          </a:solidFill>
+                          <a:effectLst/>
+                          <a:latin typeface="Calibri" pitchFamily="34" charset="0"/>
+                          <a:cs typeface="Arial" charset="0"/>
+                        </a:rPr>
+                        <a:t> « </a:t>
+                      </a:r>
+                      <a:r>
+                        <a:rPr kumimoji="0" lang="fr-FR" sz="1200" b="0" i="0" u="none" strike="noStrike" cap="none" normalizeH="0" baseline="0" dirty="0" err="1" smtClean="0">
+                          <a:ln>
+                            <a:noFill/>
+                          </a:ln>
+                          <a:solidFill>
+                            <a:schemeClr val="tx1"/>
+                          </a:solidFill>
+                          <a:effectLst/>
+                          <a:latin typeface="Calibri" pitchFamily="34" charset="0"/>
+                          <a:cs typeface="Arial" charset="0"/>
+                        </a:rPr>
+                        <a:t>Strategy</a:t>
+                      </a:r>
+                      <a:r>
+                        <a:rPr kumimoji="0" lang="fr-FR" sz="1200" b="0" i="0" u="none" strike="noStrike" cap="none" normalizeH="0" baseline="0" dirty="0" smtClean="0">
+                          <a:ln>
+                            <a:noFill/>
+                          </a:ln>
+                          <a:solidFill>
+                            <a:schemeClr val="tx1"/>
+                          </a:solidFill>
+                          <a:effectLst/>
+                          <a:latin typeface="Calibri" pitchFamily="34" charset="0"/>
+                          <a:cs typeface="Arial" charset="0"/>
+                        </a:rPr>
+                        <a:t> files »</a:t>
                       </a:r>
                     </a:p>
                     <a:p>
@@ -4720,18 +5697,158 @@
                         <a:tabLst/>
                       </a:pPr>
                       <a:r>
-                        <a:rPr kumimoji="0" lang="fr-FR" sz="1200" b="0" i="0" u="none" strike="noStrike" cap="none" normalizeH="0" baseline="0" smtClean="0">
-                          <a:ln>
-                            <a:noFill/>
-                          </a:ln>
-                          <a:solidFill>
-                            <a:schemeClr val="tx1"/>
-                          </a:solidFill>
-                          <a:effectLst/>
-                          <a:latin typeface="Calibri" pitchFamily="34" charset="0"/>
-                          <a:cs typeface="Arial" charset="0"/>
-                        </a:rPr>
-                        <a:t> Pre-defined paths are choosen into AppConfig.h file </a:t>
+                        <a:rPr kumimoji="0" lang="fr-FR" sz="1200" b="0" i="0" u="none" strike="noStrike" cap="none" normalizeH="0" baseline="0" dirty="0" smtClean="0">
+                          <a:ln>
+                            <a:noFill/>
+                          </a:ln>
+                          <a:solidFill>
+                            <a:schemeClr val="tx1"/>
+                          </a:solidFill>
+                          <a:effectLst/>
+                          <a:latin typeface="Calibri" pitchFamily="34" charset="0"/>
+                          <a:cs typeface="Arial" charset="0"/>
+                        </a:rPr>
+                        <a:t> </a:t>
+                      </a:r>
+                      <a:r>
+                        <a:rPr kumimoji="0" lang="fr-FR" sz="1200" b="0" i="0" u="none" strike="noStrike" cap="none" normalizeH="0" baseline="0" dirty="0" err="1" smtClean="0">
+                          <a:ln>
+                            <a:noFill/>
+                          </a:ln>
+                          <a:solidFill>
+                            <a:schemeClr val="tx1"/>
+                          </a:solidFill>
+                          <a:effectLst/>
+                          <a:latin typeface="Calibri" pitchFamily="34" charset="0"/>
+                          <a:cs typeface="Arial" charset="0"/>
+                        </a:rPr>
+                        <a:t>Pre-defined</a:t>
+                      </a:r>
+                      <a:r>
+                        <a:rPr kumimoji="0" lang="fr-FR" sz="1200" b="0" i="0" u="none" strike="noStrike" cap="none" normalizeH="0" baseline="0" dirty="0" smtClean="0">
+                          <a:ln>
+                            <a:noFill/>
+                          </a:ln>
+                          <a:solidFill>
+                            <a:schemeClr val="tx1"/>
+                          </a:solidFill>
+                          <a:effectLst/>
+                          <a:latin typeface="Calibri" pitchFamily="34" charset="0"/>
+                          <a:cs typeface="Arial" charset="0"/>
+                        </a:rPr>
+                        <a:t> </a:t>
+                      </a:r>
+                      <a:r>
+                        <a:rPr kumimoji="0" lang="fr-FR" sz="1200" b="0" i="0" u="none" strike="noStrike" cap="none" normalizeH="0" baseline="0" dirty="0" err="1" smtClean="0">
+                          <a:ln>
+                            <a:noFill/>
+                          </a:ln>
+                          <a:solidFill>
+                            <a:schemeClr val="tx1"/>
+                          </a:solidFill>
+                          <a:effectLst/>
+                          <a:latin typeface="Calibri" pitchFamily="34" charset="0"/>
+                          <a:cs typeface="Arial" charset="0"/>
+                        </a:rPr>
+                        <a:t>paths</a:t>
+                      </a:r>
+                      <a:r>
+                        <a:rPr kumimoji="0" lang="fr-FR" sz="1200" b="0" i="0" u="none" strike="noStrike" cap="none" normalizeH="0" baseline="0" dirty="0" smtClean="0">
+                          <a:ln>
+                            <a:noFill/>
+                          </a:ln>
+                          <a:solidFill>
+                            <a:schemeClr val="tx1"/>
+                          </a:solidFill>
+                          <a:effectLst/>
+                          <a:latin typeface="Calibri" pitchFamily="34" charset="0"/>
+                          <a:cs typeface="Arial" charset="0"/>
+                        </a:rPr>
+                        <a:t> are </a:t>
+                      </a:r>
+                      <a:r>
+                        <a:rPr kumimoji="0" lang="fr-FR" sz="1200" b="0" i="0" u="none" strike="noStrike" cap="none" normalizeH="0" baseline="0" dirty="0" err="1" smtClean="0">
+                          <a:ln>
+                            <a:noFill/>
+                          </a:ln>
+                          <a:solidFill>
+                            <a:schemeClr val="tx1"/>
+                          </a:solidFill>
+                          <a:effectLst/>
+                          <a:latin typeface="Calibri" pitchFamily="34" charset="0"/>
+                          <a:cs typeface="Arial" charset="0"/>
+                        </a:rPr>
+                        <a:t>choosen</a:t>
+                      </a:r>
+                      <a:r>
+                        <a:rPr kumimoji="0" lang="fr-FR" sz="1200" b="0" i="0" u="none" strike="noStrike" cap="none" normalizeH="0" baseline="0" dirty="0" smtClean="0">
+                          <a:ln>
+                            <a:noFill/>
+                          </a:ln>
+                          <a:solidFill>
+                            <a:schemeClr val="tx1"/>
+                          </a:solidFill>
+                          <a:effectLst/>
+                          <a:latin typeface="Calibri" pitchFamily="34" charset="0"/>
+                          <a:cs typeface="Arial" charset="0"/>
+                        </a:rPr>
+                        <a:t> </a:t>
+                      </a:r>
+                      <a:r>
+                        <a:rPr kumimoji="0" lang="fr-FR" sz="1200" b="0" i="0" u="none" strike="noStrike" cap="none" normalizeH="0" baseline="0" dirty="0" err="1" smtClean="0">
+                          <a:ln>
+                            <a:noFill/>
+                          </a:ln>
+                          <a:solidFill>
+                            <a:schemeClr val="tx1"/>
+                          </a:solidFill>
+                          <a:effectLst/>
+                          <a:latin typeface="Calibri" pitchFamily="34" charset="0"/>
+                          <a:cs typeface="Arial" charset="0"/>
+                        </a:rPr>
+                        <a:t>into</a:t>
+                      </a:r>
+                      <a:r>
+                        <a:rPr kumimoji="0" lang="fr-FR" sz="1200" b="0" i="0" u="none" strike="noStrike" cap="none" normalizeH="0" baseline="0" dirty="0" smtClean="0">
+                          <a:ln>
+                            <a:noFill/>
+                          </a:ln>
+                          <a:solidFill>
+                            <a:schemeClr val="tx1"/>
+                          </a:solidFill>
+                          <a:effectLst/>
+                          <a:latin typeface="Calibri" pitchFamily="34" charset="0"/>
+                          <a:cs typeface="Arial" charset="0"/>
+                        </a:rPr>
+                        <a:t> </a:t>
+                      </a:r>
+                      <a:r>
+                        <a:rPr kumimoji="0" lang="fr-FR" sz="1200" b="0" i="0" u="none" strike="noStrike" cap="none" normalizeH="0" baseline="0" dirty="0" err="1" smtClean="0">
+                          <a:ln>
+                            <a:noFill/>
+                          </a:ln>
+                          <a:solidFill>
+                            <a:schemeClr val="tx1"/>
+                          </a:solidFill>
+                          <a:effectLst/>
+                          <a:latin typeface="Calibri" pitchFamily="34" charset="0"/>
+                          <a:cs typeface="Arial" charset="0"/>
+                        </a:rPr>
+                        <a:t>AppConfig.h</a:t>
+                      </a:r>
+                      <a:r>
+                        <a:rPr kumimoji="0" lang="fr-FR" sz="1200" b="0" i="0" u="none" strike="noStrike" cap="none" normalizeH="0" baseline="0" dirty="0" smtClean="0">
+                          <a:ln>
+                            <a:noFill/>
+                          </a:ln>
+                          <a:solidFill>
+                            <a:schemeClr val="tx1"/>
+                          </a:solidFill>
+                          <a:effectLst/>
+                          <a:latin typeface="Calibri" pitchFamily="34" charset="0"/>
+                          <a:cs typeface="Arial" charset="0"/>
+                        </a:rPr>
+                        <a:t> file </a:t>
                       </a:r>
                     </a:p>
                   </a:txBody>
@@ -4792,20 +5909,26 @@
           <p:cNvGraphicFramePr>
             <a:graphicFrameLocks noGrp="1"/>
           </p:cNvGraphicFramePr>
-          <p:nvPr/>
+          <p:nvPr>
+            <p:extLst>
+              <p:ext uri="{D42A27DB-BD31-4B8C-83A1-F6EECF244321}">
+                <p14:modId xmlns:p14="http://schemas.microsoft.com/office/powerpoint/2010/main" val="2747391821"/>
+              </p:ext>
+            </p:extLst>
+          </p:nvPr>
         </p:nvGraphicFramePr>
         <p:xfrm>
-          <a:off x="539750" y="5516563"/>
-          <a:ext cx="1660525" cy="841693"/>
+          <a:off x="534988" y="4947225"/>
+          <a:ext cx="2596852" cy="691075"/>
         </p:xfrm>
         <a:graphic>
           <a:graphicData uri="http://schemas.openxmlformats.org/drawingml/2006/table">
             <a:tbl>
               <a:tblPr/>
               <a:tblGrid>
-                <a:gridCol w="1660525"/>
+                <a:gridCol w="2596852"/>
               </a:tblGrid>
-              <a:tr h="300038">
+              <a:tr h="255740">
                 <a:tc>
                   <a:txBody>
                     <a:bodyPr/>
@@ -4828,7 +5951,7 @@
                         <a:tabLst/>
                       </a:pPr>
                       <a:r>
-                        <a:rPr kumimoji="0" lang="fr-FR" sz="1600" b="1" i="0" u="none" strike="noStrike" cap="none" normalizeH="0" baseline="0" smtClean="0">
+                        <a:rPr kumimoji="0" lang="fr-FR" sz="1400" b="1" i="0" u="none" strike="noStrike" cap="none" normalizeH="0" baseline="0" dirty="0" err="1" smtClean="0">
                           <a:ln>
                             <a:noFill/>
                           </a:ln>
@@ -4841,6 +5964,17 @@
                         </a:rPr>
                         <a:t>TaskTime</a:t>
                       </a:r>
+                      <a:endParaRPr kumimoji="0" lang="fr-FR" sz="1400" b="1" i="0" u="none" strike="noStrike" cap="none" normalizeH="0" baseline="0" dirty="0" smtClean="0">
+                        <a:ln>
+                          <a:noFill/>
+                        </a:ln>
+                        <a:solidFill>
+                          <a:schemeClr val="tx1"/>
+                        </a:solidFill>
+                        <a:effectLst/>
+                        <a:latin typeface="Calibri" pitchFamily="34" charset="0"/>
+                        <a:cs typeface="Arial" charset="0"/>
+                      </a:endParaRPr>
                     </a:p>
                   </a:txBody>
                   <a:tcPr horzOverflow="overflow">
@@ -4905,7 +6039,7 @@
                   </a:tcPr>
                 </a:tc>
               </a:tr>
-              <a:tr h="506413">
+              <a:tr h="386275">
                 <a:tc>
                   <a:txBody>
                     <a:bodyPr/>
@@ -4928,18 +6062,46 @@
                         <a:tabLst/>
                       </a:pPr>
                       <a:r>
-                        <a:rPr kumimoji="0" lang="fr-FR" sz="1200" b="0" i="0" u="none" strike="noStrike" cap="none" normalizeH="0" baseline="0" smtClean="0">
-                          <a:ln>
-                            <a:noFill/>
-                          </a:ln>
-                          <a:solidFill>
-                            <a:schemeClr val="tx1"/>
-                          </a:solidFill>
-                          <a:effectLst/>
-                          <a:latin typeface="Calibri" pitchFamily="34" charset="0"/>
-                          <a:cs typeface="Arial" charset="0"/>
-                        </a:rPr>
-                        <a:t>- Wait 90s and set TIMER_STATUS</a:t>
+                        <a:rPr kumimoji="0" lang="fr-FR" sz="1200" b="0" i="0" u="none" strike="noStrike" cap="none" normalizeH="0" baseline="0" dirty="0" smtClean="0">
+                          <a:ln>
+                            <a:noFill/>
+                          </a:ln>
+                          <a:solidFill>
+                            <a:schemeClr val="tx1"/>
+                          </a:solidFill>
+                          <a:effectLst/>
+                          <a:latin typeface="Calibri" pitchFamily="34" charset="0"/>
+                          <a:cs typeface="Arial" charset="0"/>
+                        </a:rPr>
+                        <a:t>- </a:t>
+                      </a:r>
+                      <a:r>
+                        <a:rPr kumimoji="0" lang="fr-FR" sz="1200" b="0" i="0" u="none" strike="noStrike" cap="none" normalizeH="0" baseline="0" dirty="0" err="1" smtClean="0">
+                          <a:ln>
+                            <a:noFill/>
+                          </a:ln>
+                          <a:solidFill>
+                            <a:schemeClr val="tx1"/>
+                          </a:solidFill>
+                          <a:effectLst/>
+                          <a:latin typeface="Calibri" pitchFamily="34" charset="0"/>
+                          <a:cs typeface="Arial" charset="0"/>
+                        </a:rPr>
+                        <a:t>Wait</a:t>
+                      </a:r>
+                      <a:r>
+                        <a:rPr kumimoji="0" lang="fr-FR" sz="1200" b="0" i="0" u="none" strike="noStrike" cap="none" normalizeH="0" baseline="0" dirty="0" smtClean="0">
+                          <a:ln>
+                            <a:noFill/>
+                          </a:ln>
+                          <a:solidFill>
+                            <a:schemeClr val="tx1"/>
+                          </a:solidFill>
+                          <a:effectLst/>
+                          <a:latin typeface="Calibri" pitchFamily="34" charset="0"/>
+                          <a:cs typeface="Arial" charset="0"/>
+                        </a:rPr>
+                        <a:t> 90s and set TIMER_STATUS</a:t>
                       </a:r>
                     </a:p>
                   </a:txBody>
@@ -5002,8 +6164,8 @@
         </p:nvSpPr>
         <p:spPr>
           <a:xfrm>
-            <a:off x="323850" y="2781300"/>
-            <a:ext cx="2087910" cy="503238"/>
+            <a:off x="490742" y="2374673"/>
+            <a:ext cx="1999034" cy="503238"/>
           </a:xfrm>
           <a:prstGeom prst="ellipse">
             <a:avLst/>
@@ -5038,7 +6200,7 @@
               <a:t>StructCmd</a:t>
             </a:r>
             <a:r>
-              <a:rPr lang="fr-FR" sz="1000" b="1">
+              <a:rPr lang="fr-FR" sz="1000" b="1" dirty="0">
                 <a:solidFill>
                   <a:srgbClr val="31859C"/>
                 </a:solidFill>
@@ -5055,7 +6217,7 @@
               </a:rPr>
               <a:t>App_CmdToTaskAsser</a:t>
             </a:r>
-            <a:endParaRPr lang="fr-FR" sz="1000" b="1">
+            <a:endParaRPr lang="fr-FR" sz="1000" b="1" dirty="0">
               <a:solidFill>
                 <a:srgbClr val="31859C"/>
               </a:solidFill>
@@ -5072,8 +6234,8 @@
         </p:nvCxnSpPr>
         <p:spPr>
           <a:xfrm>
-            <a:off x="2195513" y="6092825"/>
-            <a:ext cx="720725" cy="1588"/>
+            <a:off x="3131840" y="5445224"/>
+            <a:ext cx="504056" cy="1588"/>
           </a:xfrm>
           <a:prstGeom prst="straightConnector1">
             <a:avLst/>
@@ -5105,8 +6267,8 @@
         </p:nvCxnSpPr>
         <p:spPr>
           <a:xfrm>
-            <a:off x="2555875" y="5267325"/>
-            <a:ext cx="389731" cy="465931"/>
+            <a:off x="2555874" y="4437112"/>
+            <a:ext cx="1152030" cy="576064"/>
           </a:xfrm>
           <a:prstGeom prst="straightConnector1">
             <a:avLst/>
@@ -5140,8 +6302,8 @@
         </p:nvCxnSpPr>
         <p:spPr bwMode="auto">
           <a:xfrm flipV="1">
-            <a:off x="6084168" y="3032919"/>
-            <a:ext cx="0" cy="2744291"/>
+            <a:off x="5508104" y="2556918"/>
+            <a:ext cx="0" cy="2456258"/>
           </a:xfrm>
           <a:prstGeom prst="straightConnector1">
             <a:avLst/>
@@ -5174,8 +6336,8 @@
         </p:nvCxnSpPr>
         <p:spPr bwMode="auto">
           <a:xfrm>
-            <a:off x="6588224" y="3032919"/>
-            <a:ext cx="0" cy="949404"/>
+            <a:off x="6084168" y="2556918"/>
+            <a:ext cx="0" cy="1088106"/>
           </a:xfrm>
           <a:prstGeom prst="straightConnector1">
             <a:avLst/>
@@ -5203,13 +6365,14 @@
           <p:cNvPr id="28" name="Connecteur droit avec flèche 27"/>
           <p:cNvCxnSpPr>
             <a:cxnSpLocks noChangeShapeType="1"/>
+            <a:endCxn id="6" idx="2"/>
           </p:cNvCxnSpPr>
           <p:nvPr/>
         </p:nvCxnSpPr>
         <p:spPr bwMode="auto">
           <a:xfrm flipV="1">
-            <a:off x="7812360" y="3493095"/>
-            <a:ext cx="0" cy="511969"/>
+            <a:off x="7850187" y="3326512"/>
+            <a:ext cx="0" cy="318512"/>
           </a:xfrm>
           <a:prstGeom prst="straightConnector1">
             <a:avLst/>
@@ -5242,8 +6405,8 @@
         </p:nvCxnSpPr>
         <p:spPr bwMode="auto">
           <a:xfrm>
-            <a:off x="8532440" y="3505357"/>
-            <a:ext cx="0" cy="2151542"/>
+            <a:off x="8532440" y="3356992"/>
+            <a:ext cx="0" cy="1656184"/>
           </a:xfrm>
           <a:prstGeom prst="straightConnector1">
             <a:avLst/>
@@ -5272,13 +6435,14 @@
           <p:cNvCxnSpPr>
             <a:cxnSpLocks noChangeShapeType="1"/>
             <a:stCxn id="13" idx="0"/>
+            <a:endCxn id="7" idx="2"/>
           </p:cNvCxnSpPr>
           <p:nvPr/>
         </p:nvCxnSpPr>
         <p:spPr bwMode="auto">
-          <a:xfrm flipV="1">
-            <a:off x="1367805" y="2520950"/>
-            <a:ext cx="73645" cy="260350"/>
+          <a:xfrm flipH="1" flipV="1">
+            <a:off x="1441450" y="2030368"/>
+            <a:ext cx="48809" cy="344305"/>
           </a:xfrm>
           <a:prstGeom prst="straightConnector1">
             <a:avLst/>
@@ -5306,14 +6470,15 @@
           <p:cNvPr id="51" name="Connecteur droit avec flèche 50"/>
           <p:cNvCxnSpPr>
             <a:cxnSpLocks noChangeShapeType="1"/>
+            <a:stCxn id="13422" idx="0"/>
             <a:endCxn id="13" idx="4"/>
           </p:cNvCxnSpPr>
           <p:nvPr/>
         </p:nvCxnSpPr>
         <p:spPr bwMode="auto">
           <a:xfrm flipH="1" flipV="1">
-            <a:off x="1367805" y="3284538"/>
-            <a:ext cx="180008" cy="333376"/>
+            <a:off x="1490259" y="2877911"/>
+            <a:ext cx="57553" cy="332455"/>
           </a:xfrm>
           <a:prstGeom prst="straightConnector1">
             <a:avLst/>
@@ -5344,8 +6509,8 @@
         </p:nvSpPr>
         <p:spPr>
           <a:xfrm>
-            <a:off x="3923928" y="4629497"/>
-            <a:ext cx="1943100" cy="503237"/>
+            <a:off x="2771800" y="2626292"/>
+            <a:ext cx="1872208" cy="417846"/>
           </a:xfrm>
           <a:prstGeom prst="ellipse">
             <a:avLst/>
@@ -5412,13 +6577,14 @@
           <p:cNvCxnSpPr>
             <a:cxnSpLocks noChangeShapeType="1"/>
             <a:stCxn id="61" idx="2"/>
+            <a:endCxn id="13422" idx="3"/>
           </p:cNvCxnSpPr>
           <p:nvPr/>
         </p:nvCxnSpPr>
         <p:spPr bwMode="auto">
-          <a:xfrm flipH="1" flipV="1">
-            <a:off x="2267844" y="4586461"/>
-            <a:ext cx="1656084" cy="294655"/>
+          <a:xfrm flipH="1">
+            <a:off x="2555875" y="2835215"/>
+            <a:ext cx="215925" cy="1190332"/>
           </a:xfrm>
           <a:prstGeom prst="straightConnector1">
             <a:avLst/>
@@ -5446,15 +6612,14 @@
           <p:cNvPr id="65" name="Connecteur droit avec flèche 64"/>
           <p:cNvCxnSpPr>
             <a:cxnSpLocks noChangeShapeType="1"/>
-            <a:stCxn id="5" idx="2"/>
-            <a:endCxn id="61" idx="0"/>
+            <a:endCxn id="61" idx="7"/>
           </p:cNvCxnSpPr>
           <p:nvPr/>
         </p:nvCxnSpPr>
         <p:spPr bwMode="auto">
           <a:xfrm flipH="1">
-            <a:off x="4895478" y="3028391"/>
-            <a:ext cx="900658" cy="1601106"/>
+            <a:off x="4369829" y="2374673"/>
+            <a:ext cx="418195" cy="312811"/>
           </a:xfrm>
           <a:prstGeom prst="straightConnector1">
             <a:avLst/>
@@ -5483,11 +6648,17 @@
           <p:cNvGraphicFramePr>
             <a:graphicFrameLocks noGrp="1"/>
           </p:cNvGraphicFramePr>
-          <p:nvPr/>
+          <p:nvPr>
+            <p:extLst>
+              <p:ext uri="{D42A27DB-BD31-4B8C-83A1-F6EECF244321}">
+                <p14:modId xmlns:p14="http://schemas.microsoft.com/office/powerpoint/2010/main" val="936685643"/>
+              </p:ext>
+            </p:extLst>
+          </p:nvPr>
         </p:nvGraphicFramePr>
         <p:xfrm>
-          <a:off x="2555875" y="952500"/>
-          <a:ext cx="2087563" cy="1540193"/>
+          <a:off x="2484437" y="684000"/>
+          <a:ext cx="2087563" cy="1509713"/>
         </p:xfrm>
         <a:graphic>
           <a:graphicData uri="http://schemas.openxmlformats.org/drawingml/2006/table">
@@ -5519,7 +6690,7 @@
                         <a:tabLst/>
                       </a:pPr>
                       <a:r>
-                        <a:rPr kumimoji="0" lang="fr-FR" sz="1600" b="1" i="0" u="none" strike="noStrike" cap="none" normalizeH="0" baseline="0" smtClean="0">
+                        <a:rPr kumimoji="0" lang="fr-FR" sz="1400" b="1" i="0" u="none" strike="noStrike" cap="none" normalizeH="0" baseline="0" dirty="0" err="1" smtClean="0">
                           <a:ln>
                             <a:noFill/>
                           </a:ln>
@@ -5532,6 +6703,17 @@
                         </a:rPr>
                         <a:t>TaskOdo</a:t>
                       </a:r>
+                      <a:endParaRPr kumimoji="0" lang="fr-FR" sz="1400" b="1" i="0" u="none" strike="noStrike" cap="none" normalizeH="0" baseline="0" dirty="0" smtClean="0">
+                        <a:ln>
+                          <a:noFill/>
+                        </a:ln>
+                        <a:solidFill>
+                          <a:schemeClr val="tx1"/>
+                        </a:solidFill>
+                        <a:effectLst/>
+                        <a:latin typeface="Calibri" pitchFamily="34" charset="0"/>
+                        <a:cs typeface="Arial" charset="0"/>
+                      </a:endParaRPr>
                     </a:p>
                   </a:txBody>
                   <a:tcPr horzOverflow="overflow">
@@ -5619,19 +6801,72 @@
                         <a:tabLst/>
                       </a:pPr>
                       <a:r>
-                        <a:rPr kumimoji="0" lang="fr-FR" sz="1200" b="0" i="0" u="none" strike="noStrike" cap="none" normalizeH="0" baseline="0" smtClean="0">
-                          <a:ln>
-                            <a:noFill/>
-                          </a:ln>
-                          <a:solidFill>
-                            <a:schemeClr val="tx1"/>
-                          </a:solidFill>
-                          <a:effectLst/>
-                          <a:latin typeface="Calibri" pitchFamily="34" charset="0"/>
-                          <a:cs typeface="Arial" charset="0"/>
-                        </a:rPr>
-                        <a:t> Stand-alone task</a:t>
-                      </a:r>
+                        <a:rPr kumimoji="0" lang="fr-FR" sz="1200" b="0" i="0" u="none" strike="noStrike" cap="none" normalizeH="0" baseline="0" dirty="0" smtClean="0">
+                          <a:ln>
+                            <a:noFill/>
+                          </a:ln>
+                          <a:solidFill>
+                            <a:schemeClr val="tx1"/>
+                          </a:solidFill>
+                          <a:effectLst/>
+                          <a:latin typeface="Calibri" pitchFamily="34" charset="0"/>
+                          <a:cs typeface="Arial" charset="0"/>
+                        </a:rPr>
+                        <a:t> Stand-</a:t>
+                      </a:r>
+                      <a:r>
+                        <a:rPr kumimoji="0" lang="fr-FR" sz="1200" b="0" i="0" u="none" strike="noStrike" cap="none" normalizeH="0" baseline="0" dirty="0" err="1" smtClean="0">
+                          <a:ln>
+                            <a:noFill/>
+                          </a:ln>
+                          <a:solidFill>
+                            <a:schemeClr val="tx1"/>
+                          </a:solidFill>
+                          <a:effectLst/>
+                          <a:latin typeface="Calibri" pitchFamily="34" charset="0"/>
+                          <a:cs typeface="Arial" charset="0"/>
+                        </a:rPr>
+                        <a:t>alone</a:t>
+                      </a:r>
+                      <a:r>
+                        <a:rPr kumimoji="0" lang="fr-FR" sz="1200" b="0" i="0" u="none" strike="noStrike" cap="none" normalizeH="0" baseline="0" dirty="0" smtClean="0">
+                          <a:ln>
+                            <a:noFill/>
+                          </a:ln>
+                          <a:solidFill>
+                            <a:schemeClr val="tx1"/>
+                          </a:solidFill>
+                          <a:effectLst/>
+                          <a:latin typeface="Calibri" pitchFamily="34" charset="0"/>
+                          <a:cs typeface="Arial" charset="0"/>
+                        </a:rPr>
+                        <a:t> </a:t>
+                      </a:r>
+                      <a:r>
+                        <a:rPr kumimoji="0" lang="fr-FR" sz="1200" b="0" i="0" u="none" strike="noStrike" cap="none" normalizeH="0" baseline="0" dirty="0" err="1" smtClean="0">
+                          <a:ln>
+                            <a:noFill/>
+                          </a:ln>
+                          <a:solidFill>
+                            <a:schemeClr val="tx1"/>
+                          </a:solidFill>
+                          <a:effectLst/>
+                          <a:latin typeface="Calibri" pitchFamily="34" charset="0"/>
+                          <a:cs typeface="Arial" charset="0"/>
+                        </a:rPr>
+                        <a:t>task</a:t>
+                      </a:r>
+                      <a:endParaRPr kumimoji="0" lang="fr-FR" sz="1200" b="0" i="0" u="none" strike="noStrike" cap="none" normalizeH="0" baseline="0" dirty="0" smtClean="0">
+                        <a:ln>
+                          <a:noFill/>
+                        </a:ln>
+                        <a:solidFill>
+                          <a:schemeClr val="tx1"/>
+                        </a:solidFill>
+                        <a:effectLst/>
+                        <a:latin typeface="Calibri" pitchFamily="34" charset="0"/>
+                        <a:cs typeface="Arial" charset="0"/>
+                      </a:endParaRPr>
                     </a:p>
                     <a:p>
                       <a:pPr marL="0" marR="0" lvl="0" indent="0" algn="ctr" defTabSz="914400" rtl="0" eaLnBrk="1" fontAlgn="base" latinLnBrk="0" hangingPunct="1">
@@ -5651,19 +6886,156 @@
                         <a:tabLst/>
                       </a:pPr>
                       <a:r>
-                        <a:rPr kumimoji="0" lang="fr-FR" sz="1200" b="0" i="0" u="none" strike="noStrike" cap="none" normalizeH="0" baseline="0" smtClean="0">
-                          <a:ln>
-                            <a:noFill/>
-                          </a:ln>
-                          <a:solidFill>
-                            <a:schemeClr val="tx1"/>
-                          </a:solidFill>
-                          <a:effectLst/>
-                          <a:latin typeface="Calibri" pitchFamily="34" charset="0"/>
-                          <a:cs typeface="Arial" charset="0"/>
-                        </a:rPr>
-                        <a:t> Compute current position from encoding wheels</a:t>
-                      </a:r>
+                        <a:rPr kumimoji="0" lang="fr-FR" sz="1200" b="0" i="0" u="none" strike="noStrike" cap="none" normalizeH="0" baseline="0" dirty="0" smtClean="0">
+                          <a:ln>
+                            <a:noFill/>
+                          </a:ln>
+                          <a:solidFill>
+                            <a:schemeClr val="tx1"/>
+                          </a:solidFill>
+                          <a:effectLst/>
+                          <a:latin typeface="Calibri" pitchFamily="34" charset="0"/>
+                          <a:cs typeface="Arial" charset="0"/>
+                        </a:rPr>
+                        <a:t> </a:t>
+                      </a:r>
+                      <a:r>
+                        <a:rPr kumimoji="0" lang="fr-FR" sz="1200" b="0" i="0" u="none" strike="noStrike" cap="none" normalizeH="0" baseline="0" dirty="0" err="1" smtClean="0">
+                          <a:ln>
+                            <a:noFill/>
+                          </a:ln>
+                          <a:solidFill>
+                            <a:schemeClr val="tx1"/>
+                          </a:solidFill>
+                          <a:effectLst/>
+                          <a:latin typeface="Calibri" pitchFamily="34" charset="0"/>
+                          <a:cs typeface="Arial" charset="0"/>
+                        </a:rPr>
+                        <a:t>Compute</a:t>
+                      </a:r>
+                      <a:r>
+                        <a:rPr kumimoji="0" lang="fr-FR" sz="1200" b="0" i="0" u="none" strike="noStrike" cap="none" normalizeH="0" baseline="0" dirty="0" smtClean="0">
+                          <a:ln>
+                            <a:noFill/>
+                          </a:ln>
+                          <a:solidFill>
+                            <a:schemeClr val="tx1"/>
+                          </a:solidFill>
+                          <a:effectLst/>
+                          <a:latin typeface="Calibri" pitchFamily="34" charset="0"/>
+                          <a:cs typeface="Arial" charset="0"/>
+                        </a:rPr>
+                        <a:t> </a:t>
+                      </a:r>
+                      <a:r>
+                        <a:rPr kumimoji="0" lang="fr-FR" sz="1200" b="0" i="0" u="none" strike="noStrike" cap="none" normalizeH="0" baseline="0" dirty="0" err="1" smtClean="0">
+                          <a:ln>
+                            <a:noFill/>
+                          </a:ln>
+                          <a:solidFill>
+                            <a:schemeClr val="tx1"/>
+                          </a:solidFill>
+                          <a:effectLst/>
+                          <a:latin typeface="Calibri" pitchFamily="34" charset="0"/>
+                          <a:cs typeface="Arial" charset="0"/>
+                        </a:rPr>
+                        <a:t>current</a:t>
+                      </a:r>
+                      <a:r>
+                        <a:rPr kumimoji="0" lang="fr-FR" sz="1200" b="0" i="0" u="none" strike="noStrike" cap="none" normalizeH="0" baseline="0" dirty="0" smtClean="0">
+                          <a:ln>
+                            <a:noFill/>
+                          </a:ln>
+                          <a:solidFill>
+                            <a:schemeClr val="tx1"/>
+                          </a:solidFill>
+                          <a:effectLst/>
+                          <a:latin typeface="Calibri" pitchFamily="34" charset="0"/>
+                          <a:cs typeface="Arial" charset="0"/>
+                        </a:rPr>
+                        <a:t> position </a:t>
+                      </a:r>
+                      <a:r>
+                        <a:rPr kumimoji="0" lang="fr-FR" sz="1200" b="0" i="0" u="none" strike="noStrike" cap="none" normalizeH="0" baseline="0" dirty="0" err="1" smtClean="0">
+                          <a:ln>
+                            <a:noFill/>
+                          </a:ln>
+                          <a:solidFill>
+                            <a:schemeClr val="tx1"/>
+                          </a:solidFill>
+                          <a:effectLst/>
+                          <a:latin typeface="Calibri" pitchFamily="34" charset="0"/>
+                          <a:cs typeface="Arial" charset="0"/>
+                        </a:rPr>
+                        <a:t>from</a:t>
+                      </a:r>
+                      <a:r>
+                        <a:rPr kumimoji="0" lang="fr-FR" sz="1200" b="0" i="0" u="none" strike="noStrike" cap="none" normalizeH="0" baseline="0" dirty="0" smtClean="0">
+                          <a:ln>
+                            <a:noFill/>
+                          </a:ln>
+                          <a:solidFill>
+                            <a:schemeClr val="tx1"/>
+                          </a:solidFill>
+                          <a:effectLst/>
+                          <a:latin typeface="Calibri" pitchFamily="34" charset="0"/>
+                          <a:cs typeface="Arial" charset="0"/>
+                        </a:rPr>
+                        <a:t> </a:t>
+                      </a:r>
+                      <a:r>
+                        <a:rPr kumimoji="0" lang="fr-FR" sz="1200" b="0" i="0" u="none" strike="noStrike" cap="none" normalizeH="0" baseline="0" dirty="0" err="1" smtClean="0">
+                          <a:ln>
+                            <a:noFill/>
+                          </a:ln>
+                          <a:solidFill>
+                            <a:schemeClr val="tx1"/>
+                          </a:solidFill>
+                          <a:effectLst/>
+                          <a:latin typeface="Calibri" pitchFamily="34" charset="0"/>
+                          <a:cs typeface="Arial" charset="0"/>
+                        </a:rPr>
+                        <a:t>encoding</a:t>
+                      </a:r>
+                      <a:r>
+                        <a:rPr kumimoji="0" lang="fr-FR" sz="1200" b="0" i="0" u="none" strike="noStrike" cap="none" normalizeH="0" baseline="0" dirty="0" smtClean="0">
+                          <a:ln>
+                            <a:noFill/>
+                          </a:ln>
+                          <a:solidFill>
+                            <a:schemeClr val="tx1"/>
+                          </a:solidFill>
+                          <a:effectLst/>
+                          <a:latin typeface="Calibri" pitchFamily="34" charset="0"/>
+                          <a:cs typeface="Arial" charset="0"/>
+                        </a:rPr>
+                        <a:t> </a:t>
+                      </a:r>
+                      <a:r>
+                        <a:rPr kumimoji="0" lang="fr-FR" sz="1200" b="0" i="0" u="none" strike="noStrike" cap="none" normalizeH="0" baseline="0" dirty="0" err="1" smtClean="0">
+                          <a:ln>
+                            <a:noFill/>
+                          </a:ln>
+                          <a:solidFill>
+                            <a:schemeClr val="tx1"/>
+                          </a:solidFill>
+                          <a:effectLst/>
+                          <a:latin typeface="Calibri" pitchFamily="34" charset="0"/>
+                          <a:cs typeface="Arial" charset="0"/>
+                        </a:rPr>
+                        <a:t>wheels</a:t>
+                      </a:r>
+                      <a:endParaRPr kumimoji="0" lang="fr-FR" sz="1200" b="0" i="0" u="none" strike="noStrike" cap="none" normalizeH="0" baseline="0" dirty="0" smtClean="0">
+                        <a:ln>
+                          <a:noFill/>
+                        </a:ln>
+                        <a:solidFill>
+                          <a:schemeClr val="tx1"/>
+                        </a:solidFill>
+                        <a:effectLst/>
+                        <a:latin typeface="Calibri" pitchFamily="34" charset="0"/>
+                        <a:cs typeface="Arial" charset="0"/>
+                      </a:endParaRPr>
                     </a:p>
                     <a:p>
                       <a:pPr marL="0" marR="0" lvl="0" indent="0" algn="ctr" defTabSz="914400" rtl="0" eaLnBrk="1" fontAlgn="base" latinLnBrk="0" hangingPunct="1">
@@ -5683,18 +7055,102 @@
                         <a:tabLst/>
                       </a:pPr>
                       <a:r>
-                        <a:rPr kumimoji="0" lang="fr-FR" sz="1200" b="0" i="0" u="none" strike="noStrike" cap="none" normalizeH="0" baseline="0" smtClean="0">
-                          <a:ln>
-                            <a:noFill/>
-                          </a:ln>
-                          <a:solidFill>
-                            <a:schemeClr val="tx1"/>
-                          </a:solidFill>
-                          <a:effectLst/>
-                          <a:latin typeface="Calibri" pitchFamily="34" charset="0"/>
-                          <a:cs typeface="Arial" charset="0"/>
-                        </a:rPr>
-                        <a:t> Postion is exposed by </a:t>
+                        <a:rPr kumimoji="0" lang="fr-FR" sz="1200" b="0" i="0" u="none" strike="noStrike" cap="none" normalizeH="0" baseline="0" dirty="0" smtClean="0">
+                          <a:ln>
+                            <a:noFill/>
+                          </a:ln>
+                          <a:solidFill>
+                            <a:schemeClr val="tx1"/>
+                          </a:solidFill>
+                          <a:effectLst/>
+                          <a:latin typeface="Calibri" pitchFamily="34" charset="0"/>
+                          <a:cs typeface="Arial" charset="0"/>
+                        </a:rPr>
+                        <a:t> </a:t>
+                      </a:r>
+                      <a:r>
+                        <a:rPr kumimoji="0" lang="fr-FR" sz="1200" b="0" i="0" u="none" strike="noStrike" cap="none" normalizeH="0" baseline="0" dirty="0" err="1" smtClean="0">
+                          <a:ln>
+                            <a:noFill/>
+                          </a:ln>
+                          <a:solidFill>
+                            <a:schemeClr val="tx1"/>
+                          </a:solidFill>
+                          <a:effectLst/>
+                          <a:latin typeface="Calibri" pitchFamily="34" charset="0"/>
+                          <a:cs typeface="Arial" charset="0"/>
+                        </a:rPr>
+                        <a:t>Postion</a:t>
+                      </a:r>
+                      <a:r>
+                        <a:rPr kumimoji="0" lang="fr-FR" sz="1200" b="0" i="0" u="none" strike="noStrike" cap="none" normalizeH="0" baseline="0" dirty="0" smtClean="0">
+                          <a:ln>
+                            <a:noFill/>
+                          </a:ln>
+                          <a:solidFill>
+                            <a:schemeClr val="tx1"/>
+                          </a:solidFill>
+                          <a:effectLst/>
+                          <a:latin typeface="Calibri" pitchFamily="34" charset="0"/>
+                          <a:cs typeface="Arial" charset="0"/>
+                        </a:rPr>
+                        <a:t> </a:t>
+                      </a:r>
+                      <a:r>
+                        <a:rPr kumimoji="0" lang="fr-FR" sz="1200" b="0" i="0" u="none" strike="noStrike" cap="none" normalizeH="0" baseline="0" dirty="0" err="1" smtClean="0">
+                          <a:ln>
+                            <a:noFill/>
+                          </a:ln>
+                          <a:solidFill>
+                            <a:schemeClr val="tx1"/>
+                          </a:solidFill>
+                          <a:effectLst/>
+                          <a:latin typeface="Calibri" pitchFamily="34" charset="0"/>
+                          <a:cs typeface="Arial" charset="0"/>
+                        </a:rPr>
+                        <a:t>is</a:t>
+                      </a:r>
+                      <a:r>
+                        <a:rPr kumimoji="0" lang="fr-FR" sz="1200" b="0" i="0" u="none" strike="noStrike" cap="none" normalizeH="0" baseline="0" dirty="0" smtClean="0">
+                          <a:ln>
+                            <a:noFill/>
+                          </a:ln>
+                          <a:solidFill>
+                            <a:schemeClr val="tx1"/>
+                          </a:solidFill>
+                          <a:effectLst/>
+                          <a:latin typeface="Calibri" pitchFamily="34" charset="0"/>
+                          <a:cs typeface="Arial" charset="0"/>
+                        </a:rPr>
+                        <a:t> </a:t>
+                      </a:r>
+                      <a:r>
+                        <a:rPr kumimoji="0" lang="fr-FR" sz="1200" b="0" i="0" u="none" strike="noStrike" cap="none" normalizeH="0" baseline="0" dirty="0" err="1" smtClean="0">
+                          <a:ln>
+                            <a:noFill/>
+                          </a:ln>
+                          <a:solidFill>
+                            <a:schemeClr val="tx1"/>
+                          </a:solidFill>
+                          <a:effectLst/>
+                          <a:latin typeface="Calibri" pitchFamily="34" charset="0"/>
+                          <a:cs typeface="Arial" charset="0"/>
+                        </a:rPr>
+                        <a:t>exposed</a:t>
+                      </a:r>
+                      <a:r>
+                        <a:rPr kumimoji="0" lang="fr-FR" sz="1200" b="0" i="0" u="none" strike="noStrike" cap="none" normalizeH="0" baseline="0" dirty="0" smtClean="0">
+                          <a:ln>
+                            <a:noFill/>
+                          </a:ln>
+                          <a:solidFill>
+                            <a:schemeClr val="tx1"/>
+                          </a:solidFill>
+                          <a:effectLst/>
+                          <a:latin typeface="Calibri" pitchFamily="34" charset="0"/>
+                          <a:cs typeface="Arial" charset="0"/>
+                        </a:rPr>
+                        <a:t> by </a:t>
                       </a:r>
                       <a:r>
                         <a:rPr kumimoji="0" lang="fr-FR" sz="1200" b="0" i="0" u="none" strike="noStrike" cap="none" normalizeH="0" baseline="0" noProof="1" smtClean="0">
@@ -5711,7 +7167,7 @@
                         <a:t>TaskOdo_GetCurrentPos</a:t>
                       </a:r>
                       <a:r>
-                        <a:rPr kumimoji="0" lang="fr-FR" sz="1200" b="0" i="0" u="none" strike="noStrike" cap="none" normalizeH="0" baseline="0" smtClean="0">
+                        <a:rPr kumimoji="0" lang="fr-FR" sz="1200" b="0" i="0" u="none" strike="noStrike" cap="none" normalizeH="0" baseline="0" dirty="0" smtClean="0">
                           <a:ln>
                             <a:noFill/>
                           </a:ln>
@@ -5739,7 +7195,7 @@
                         <a:t>TaskOdo_</a:t>
                       </a:r>
                       <a:r>
-                        <a:rPr kumimoji="0" lang="fr-FR" sz="1200" b="0" i="0" u="none" strike="noStrike" cap="none" normalizeH="0" baseline="0" smtClean="0">
+                        <a:rPr kumimoji="0" lang="fr-FR" sz="1200" b="0" i="0" u="none" strike="noStrike" cap="none" normalizeH="0" baseline="0" dirty="0" smtClean="0">
                           <a:ln>
                             <a:noFill/>
                           </a:ln>
@@ -5767,7 +7223,7 @@
                         <a:t>CurrentPos</a:t>
                       </a:r>
                       <a:r>
-                        <a:rPr kumimoji="0" lang="fr-FR" sz="1200" b="0" i="0" u="none" strike="noStrike" cap="none" normalizeH="0" baseline="0" smtClean="0">
+                        <a:rPr kumimoji="0" lang="fr-FR" sz="1200" b="0" i="0" u="none" strike="noStrike" cap="none" normalizeH="0" baseline="0" dirty="0" smtClean="0">
                           <a:ln>
                             <a:noFill/>
                           </a:ln>
@@ -5845,8 +7301,8 @@
         </p:nvCxnSpPr>
         <p:spPr bwMode="auto">
           <a:xfrm flipH="1">
-            <a:off x="5796136" y="1581045"/>
-            <a:ext cx="1414" cy="520372"/>
+            <a:off x="5796136" y="1298598"/>
+            <a:ext cx="1414" cy="330202"/>
           </a:xfrm>
           <a:prstGeom prst="straightConnector1">
             <a:avLst/>
@@ -5871,248 +7327,6 @@
       </p:cxnSp>
       <p:graphicFrame>
         <p:nvGraphicFramePr>
-          <p:cNvPr id="33" name="Group 96"/>
-          <p:cNvGraphicFramePr>
-            <a:graphicFrameLocks noGrp="1"/>
-          </p:cNvGraphicFramePr>
-          <p:nvPr>
-            <p:extLst>
-              <p:ext uri="{D42A27DB-BD31-4B8C-83A1-F6EECF244321}">
-                <p14:modId xmlns:p14="http://schemas.microsoft.com/office/powerpoint/2010/main" val="1719089058"/>
-              </p:ext>
-            </p:extLst>
-          </p:nvPr>
-        </p:nvGraphicFramePr>
-        <p:xfrm>
-          <a:off x="4753434" y="935967"/>
-          <a:ext cx="2088232" cy="645078"/>
-        </p:xfrm>
-        <a:graphic>
-          <a:graphicData uri="http://schemas.openxmlformats.org/drawingml/2006/table">
-            <a:tbl>
-              <a:tblPr/>
-              <a:tblGrid>
-                <a:gridCol w="2088232"/>
-              </a:tblGrid>
-              <a:tr h="119256">
-                <a:tc>
-                  <a:txBody>
-                    <a:bodyPr/>
-                    <a:lstStyle/>
-                    <a:p>
-                      <a:pPr marL="0" marR="0" lvl="0" indent="0" algn="ctr" defTabSz="914400" rtl="0" eaLnBrk="1" fontAlgn="base" latinLnBrk="0" hangingPunct="1">
-                        <a:lnSpc>
-                          <a:spcPct val="100000"/>
-                        </a:lnSpc>
-                        <a:spcBef>
-                          <a:spcPct val="0"/>
-                        </a:spcBef>
-                        <a:spcAft>
-                          <a:spcPct val="0"/>
-                        </a:spcAft>
-                        <a:buClrTx/>
-                        <a:buSzTx/>
-                        <a:buFontTx/>
-                        <a:buNone/>
-                        <a:tabLst/>
-                      </a:pPr>
-                      <a:r>
-                        <a:rPr kumimoji="0" lang="fr-FR" sz="1600" b="1" i="0" u="none" strike="noStrike" cap="none" normalizeH="0" baseline="0" dirty="0" err="1" smtClean="0">
-                          <a:ln>
-                            <a:noFill/>
-                          </a:ln>
-                          <a:solidFill>
-                            <a:schemeClr val="tx1"/>
-                          </a:solidFill>
-                          <a:effectLst/>
-                          <a:latin typeface="Calibri" pitchFamily="34" charset="0"/>
-                          <a:cs typeface="Arial" charset="0"/>
-                        </a:rPr>
-                        <a:t>Strategy</a:t>
-                      </a:r>
-                      <a:r>
-                        <a:rPr kumimoji="0" lang="fr-FR" sz="1600" b="1" i="0" u="none" strike="noStrike" cap="none" normalizeH="0" baseline="0" dirty="0" smtClean="0">
-                          <a:ln>
-                            <a:noFill/>
-                          </a:ln>
-                          <a:solidFill>
-                            <a:schemeClr val="tx1"/>
-                          </a:solidFill>
-                          <a:effectLst/>
-                          <a:latin typeface="Calibri" pitchFamily="34" charset="0"/>
-                          <a:cs typeface="Arial" charset="0"/>
-                        </a:rPr>
-                        <a:t> Flags (32 bits)</a:t>
-                      </a:r>
-                    </a:p>
-                  </a:txBody>
-                  <a:tcPr horzOverflow="overflow">
-                    <a:lnL w="12700" cap="flat" cmpd="sng" algn="ctr">
-                      <a:solidFill>
-                        <a:schemeClr val="tx1"/>
-                      </a:solidFill>
-                      <a:prstDash val="solid"/>
-                      <a:round/>
-                      <a:headEnd type="none" w="med" len="med"/>
-                      <a:tailEnd type="none" w="med" len="med"/>
-                    </a:lnL>
-                    <a:lnR w="12700" cap="flat" cmpd="sng" algn="ctr">
-                      <a:solidFill>
-                        <a:schemeClr val="tx1"/>
-                      </a:solidFill>
-                      <a:prstDash val="solid"/>
-                      <a:round/>
-                      <a:headEnd type="none" w="med" len="med"/>
-                      <a:tailEnd type="none" w="med" len="med"/>
-                    </a:lnR>
-                    <a:lnT w="12700" cap="flat" cmpd="sng" algn="ctr">
-                      <a:solidFill>
-                        <a:schemeClr val="tx1"/>
-                      </a:solidFill>
-                      <a:prstDash val="solid"/>
-                      <a:round/>
-                      <a:headEnd type="none" w="med" len="med"/>
-                      <a:tailEnd type="none" w="med" len="med"/>
-                    </a:lnT>
-                    <a:lnB w="12700" cap="flat" cmpd="sng" algn="ctr">
-                      <a:solidFill>
-                        <a:schemeClr val="tx1"/>
-                      </a:solidFill>
-                      <a:prstDash val="solid"/>
-                      <a:round/>
-                      <a:headEnd type="none" w="med" len="med"/>
-                      <a:tailEnd type="none" w="med" len="med"/>
-                    </a:lnB>
-                    <a:lnTlToBr>
-                      <a:noFill/>
-                    </a:lnTlToBr>
-                    <a:lnBlToTr>
-                      <a:noFill/>
-                    </a:lnBlToTr>
-                    <a:gradFill rotWithShape="1">
-                      <a:gsLst>
-                        <a:gs pos="0">
-                          <a:srgbClr val="FF8080"/>
-                        </a:gs>
-                        <a:gs pos="50000">
-                          <a:srgbClr val="FFB3B3"/>
-                        </a:gs>
-                        <a:gs pos="100000">
-                          <a:srgbClr val="FFDADA"/>
-                        </a:gs>
-                      </a:gsLst>
-                      <a:path path="rect">
-                        <a:fillToRect l="50000" t="50000" r="50000" b="50000"/>
-                      </a:path>
-                    </a:gradFill>
-                  </a:tcPr>
-                </a:tc>
-              </a:tr>
-              <a:tr h="309798">
-                <a:tc>
-                  <a:txBody>
-                    <a:bodyPr/>
-                    <a:lstStyle/>
-                    <a:p>
-                      <a:pPr marL="0" marR="0" lvl="0" indent="0" algn="ctr" defTabSz="914400" rtl="0" eaLnBrk="1" fontAlgn="base" latinLnBrk="0" hangingPunct="1">
-                        <a:lnSpc>
-                          <a:spcPct val="100000"/>
-                        </a:lnSpc>
-                        <a:spcBef>
-                          <a:spcPct val="0"/>
-                        </a:spcBef>
-                        <a:spcAft>
-                          <a:spcPct val="0"/>
-                        </a:spcAft>
-                        <a:buClrTx/>
-                        <a:buSzTx/>
-                        <a:buFontTx/>
-                        <a:buNone/>
-                        <a:tabLst/>
-                      </a:pPr>
-                      <a:r>
-                        <a:rPr kumimoji="0" lang="fr-FR" sz="1200" b="0" i="0" u="none" strike="noStrike" cap="none" normalizeH="0" baseline="0" dirty="0" err="1" smtClean="0">
-                          <a:ln>
-                            <a:noFill/>
-                          </a:ln>
-                          <a:solidFill>
-                            <a:schemeClr val="tx1"/>
-                          </a:solidFill>
-                          <a:effectLst/>
-                          <a:latin typeface="Calibri" pitchFamily="34" charset="0"/>
-                          <a:cs typeface="Arial" charset="0"/>
-                        </a:rPr>
-                        <a:t>See</a:t>
-                      </a:r>
-                      <a:r>
-                        <a:rPr kumimoji="0" lang="fr-FR" sz="1200" b="0" i="0" u="none" strike="noStrike" cap="none" normalizeH="0" baseline="0" dirty="0" smtClean="0">
-                          <a:ln>
-                            <a:noFill/>
-                          </a:ln>
-                          <a:solidFill>
-                            <a:schemeClr val="tx1"/>
-                          </a:solidFill>
-                          <a:effectLst/>
-                          <a:latin typeface="Calibri" pitchFamily="34" charset="0"/>
-                          <a:cs typeface="Arial" charset="0"/>
-                        </a:rPr>
-                        <a:t> Page 2</a:t>
-                      </a:r>
-                    </a:p>
-                  </a:txBody>
-                  <a:tcPr horzOverflow="overflow">
-                    <a:lnL w="12700" cap="flat" cmpd="sng" algn="ctr">
-                      <a:solidFill>
-                        <a:schemeClr val="tx1"/>
-                      </a:solidFill>
-                      <a:prstDash val="solid"/>
-                      <a:round/>
-                      <a:headEnd type="none" w="med" len="med"/>
-                      <a:tailEnd type="none" w="med" len="med"/>
-                    </a:lnL>
-                    <a:lnR w="12700" cap="flat" cmpd="sng" algn="ctr">
-                      <a:solidFill>
-                        <a:schemeClr val="tx1"/>
-                      </a:solidFill>
-                      <a:prstDash val="solid"/>
-                      <a:round/>
-                      <a:headEnd type="none" w="med" len="med"/>
-                      <a:tailEnd type="none" w="med" len="med"/>
-                    </a:lnR>
-                    <a:lnT w="12700" cap="flat" cmpd="sng" algn="ctr">
-                      <a:solidFill>
-                        <a:schemeClr val="tx1"/>
-                      </a:solidFill>
-                      <a:prstDash val="solid"/>
-                      <a:round/>
-                      <a:headEnd type="none" w="med" len="med"/>
-                      <a:tailEnd type="none" w="med" len="med"/>
-                    </a:lnT>
-                    <a:lnB w="12700" cap="flat" cmpd="sng" algn="ctr">
-                      <a:solidFill>
-                        <a:schemeClr val="tx1"/>
-                      </a:solidFill>
-                      <a:prstDash val="solid"/>
-                      <a:round/>
-                      <a:headEnd type="none" w="med" len="med"/>
-                      <a:tailEnd type="none" w="med" len="med"/>
-                    </a:lnB>
-                    <a:lnTlToBr>
-                      <a:noFill/>
-                    </a:lnTlToBr>
-                    <a:lnBlToTr>
-                      <a:noFill/>
-                    </a:lnBlToTr>
-                    <a:noFill/>
-                  </a:tcPr>
-                </a:tc>
-              </a:tr>
-            </a:tbl>
-          </a:graphicData>
-        </a:graphic>
-      </p:graphicFrame>
-      <p:graphicFrame>
-        <p:nvGraphicFramePr>
           <p:cNvPr id="25" name="Group 96"/>
           <p:cNvGraphicFramePr>
             <a:graphicFrameLocks noGrp="1"/>
@@ -6120,21 +7334,21 @@
           <p:nvPr>
             <p:extLst>
               <p:ext uri="{D42A27DB-BD31-4B8C-83A1-F6EECF244321}">
-                <p14:modId xmlns:p14="http://schemas.microsoft.com/office/powerpoint/2010/main" val="2012638760"/>
+                <p14:modId xmlns:p14="http://schemas.microsoft.com/office/powerpoint/2010/main" val="2057715397"/>
               </p:ext>
             </p:extLst>
           </p:nvPr>
         </p:nvGraphicFramePr>
         <p:xfrm>
-          <a:off x="2945606" y="5699010"/>
-          <a:ext cx="5759450" cy="648534"/>
+          <a:off x="3635896" y="5013176"/>
+          <a:ext cx="5069160" cy="618054"/>
         </p:xfrm>
         <a:graphic>
           <a:graphicData uri="http://schemas.openxmlformats.org/drawingml/2006/table">
             <a:tbl>
               <a:tblPr/>
               <a:tblGrid>
-                <a:gridCol w="5759450"/>
+                <a:gridCol w="5069160"/>
               </a:tblGrid>
               <a:tr h="255244">
                 <a:tc>
@@ -6159,7 +7373,7 @@
                         <a:tabLst/>
                       </a:pPr>
                       <a:r>
-                        <a:rPr kumimoji="0" lang="fr-FR" sz="1600" b="1" i="0" u="none" strike="noStrike" cap="none" normalizeH="0" baseline="0" dirty="0" smtClean="0">
+                        <a:rPr kumimoji="0" lang="fr-FR" sz="1400" b="1" i="0" u="none" strike="noStrike" cap="none" normalizeH="0" baseline="0" dirty="0" smtClean="0">
                           <a:ln>
                             <a:noFill/>
                           </a:ln>
@@ -6172,6 +7386,17 @@
                         </a:rPr>
                         <a:t>App Flags (32 bits)</a:t>
                       </a:r>
+                      <a:endParaRPr kumimoji="0" lang="fr-FR" sz="1400" b="1" i="0" u="none" strike="noStrike" cap="none" normalizeH="0" baseline="0" dirty="0" smtClean="0">
+                        <a:ln>
+                          <a:noFill/>
+                        </a:ln>
+                        <a:solidFill>
+                          <a:schemeClr val="tx1"/>
+                        </a:solidFill>
+                        <a:effectLst/>
+                        <a:latin typeface="Calibri" pitchFamily="34" charset="0"/>
+                        <a:cs typeface="Arial" charset="0"/>
+                      </a:endParaRPr>
                     </a:p>
                   </a:txBody>
                   <a:tcPr horzOverflow="overflow">
@@ -6291,8 +7516,39 @@
                           <a:ea typeface="+mn-ea"/>
                           <a:cs typeface="Arial" charset="0"/>
                         </a:rPr>
-                        <a:t> Page 2</a:t>
-                      </a:r>
+                        <a:t> </a:t>
+                      </a:r>
+                      <a:r>
+                        <a:rPr kumimoji="0" lang="fr-FR" sz="1200" b="0" i="0" u="none" strike="noStrike" kern="1200" cap="none" spc="0" normalizeH="0" baseline="0" noProof="0" dirty="0" err="1" smtClean="0">
+                          <a:ln>
+                            <a:noFill/>
+                          </a:ln>
+                          <a:solidFill>
+                            <a:prstClr val="black"/>
+                          </a:solidFill>
+                          <a:effectLst/>
+                          <a:uLnTx/>
+                          <a:uFillTx/>
+                          <a:latin typeface="Calibri" pitchFamily="34" charset="0"/>
+                          <a:ea typeface="+mn-ea"/>
+                          <a:cs typeface="Arial" charset="0"/>
+                        </a:rPr>
+                        <a:t>Below</a:t>
+                      </a:r>
+                      <a:endParaRPr kumimoji="0" lang="fr-FR" sz="1200" b="0" i="0" u="none" strike="noStrike" kern="1200" cap="none" spc="0" normalizeH="0" baseline="0" noProof="0" dirty="0" smtClean="0">
+                        <a:ln>
+                          <a:noFill/>
+                        </a:ln>
+                        <a:solidFill>
+                          <a:prstClr val="black"/>
+                        </a:solidFill>
+                        <a:effectLst/>
+                        <a:uLnTx/>
+                        <a:uFillTx/>
+                        <a:latin typeface="Calibri" pitchFamily="34" charset="0"/>
+                        <a:ea typeface="+mn-ea"/>
+                        <a:cs typeface="Arial" charset="0"/>
+                      </a:endParaRPr>
                     </a:p>
                   </a:txBody>
                   <a:tcPr horzOverflow="overflow">
@@ -6355,23 +7611,23 @@
           <p:nvPr>
             <p:extLst>
               <p:ext uri="{D42A27DB-BD31-4B8C-83A1-F6EECF244321}">
-                <p14:modId xmlns:p14="http://schemas.microsoft.com/office/powerpoint/2010/main" val="2160783547"/>
+                <p14:modId xmlns:p14="http://schemas.microsoft.com/office/powerpoint/2010/main" val="2818825525"/>
               </p:ext>
             </p:extLst>
           </p:nvPr>
         </p:nvGraphicFramePr>
         <p:xfrm>
-          <a:off x="6366916" y="3982323"/>
-          <a:ext cx="1947863" cy="1540193"/>
+          <a:off x="5724128" y="3645024"/>
+          <a:ext cx="2590651" cy="1254395"/>
         </p:xfrm>
         <a:graphic>
           <a:graphicData uri="http://schemas.openxmlformats.org/drawingml/2006/table">
             <a:tbl>
               <a:tblPr/>
               <a:tblGrid>
-                <a:gridCol w="1947863"/>
+                <a:gridCol w="2590651"/>
               </a:tblGrid>
-              <a:tr h="250825">
+              <a:tr h="335280">
                 <a:tc>
                   <a:txBody>
                     <a:bodyPr/>
@@ -6394,7 +7650,7 @@
                         <a:tabLst/>
                       </a:pPr>
                       <a:r>
-                        <a:rPr kumimoji="0" lang="fr-FR" sz="1600" b="1" i="0" u="none" strike="noStrike" cap="none" normalizeH="0" baseline="0" dirty="0" err="1" smtClean="0">
+                        <a:rPr kumimoji="0" lang="fr-FR" sz="1400" b="1" i="0" u="none" strike="noStrike" cap="none" normalizeH="0" baseline="0" dirty="0" err="1" smtClean="0">
                           <a:ln>
                             <a:noFill/>
                           </a:ln>
@@ -6407,7 +7663,7 @@
                         </a:rPr>
                         <a:t>QSensors</a:t>
                       </a:r>
-                      <a:endParaRPr kumimoji="0" lang="fr-FR" sz="1600" b="1" i="0" u="none" strike="noStrike" cap="none" normalizeH="0" baseline="0" dirty="0" smtClean="0">
+                      <a:endParaRPr kumimoji="0" lang="fr-FR" sz="1400" b="1" i="0" u="none" strike="noStrike" cap="none" normalizeH="0" baseline="0" dirty="0" smtClean="0">
                         <a:ln>
                           <a:noFill/>
                         </a:ln>
@@ -6482,7 +7738,7 @@
                   </a:tcPr>
                 </a:tc>
               </a:tr>
-              <a:tr h="1204913">
+              <a:tr h="919115">
                 <a:tc>
                   <a:txBody>
                     <a:bodyPr/>
@@ -6805,14 +8061,14 @@
           <p:nvPr>
             <p:extLst>
               <p:ext uri="{D42A27DB-BD31-4B8C-83A1-F6EECF244321}">
-                <p14:modId xmlns:p14="http://schemas.microsoft.com/office/powerpoint/2010/main" val="3594587673"/>
+                <p14:modId xmlns:p14="http://schemas.microsoft.com/office/powerpoint/2010/main" val="4152700530"/>
               </p:ext>
             </p:extLst>
           </p:nvPr>
         </p:nvGraphicFramePr>
         <p:xfrm>
-          <a:off x="7015931" y="908720"/>
-          <a:ext cx="1660525" cy="975360"/>
+          <a:off x="7015931" y="684000"/>
+          <a:ext cx="1660525" cy="944880"/>
         </p:xfrm>
         <a:graphic>
           <a:graphicData uri="http://schemas.openxmlformats.org/drawingml/2006/table">
@@ -6844,7 +8100,7 @@
                         <a:tabLst/>
                       </a:pPr>
                       <a:r>
-                        <a:rPr kumimoji="0" lang="fr-FR" sz="1600" b="1" i="0" u="none" strike="noStrike" cap="none" normalizeH="0" baseline="0" dirty="0" err="1" smtClean="0">
+                        <a:rPr kumimoji="0" lang="fr-FR" sz="1400" b="1" i="0" u="none" strike="noStrike" cap="none" normalizeH="0" baseline="0" dirty="0" err="1" smtClean="0">
                           <a:ln>
                             <a:noFill/>
                           </a:ln>
@@ -6857,7 +8113,7 @@
                         </a:rPr>
                         <a:t>TaskTest</a:t>
                       </a:r>
-                      <a:endParaRPr kumimoji="0" lang="fr-FR" sz="1600" b="1" i="0" u="none" strike="noStrike" cap="none" normalizeH="0" baseline="0" dirty="0" smtClean="0">
+                      <a:endParaRPr kumimoji="0" lang="fr-FR" sz="1400" b="1" i="0" u="none" strike="noStrike" cap="none" normalizeH="0" baseline="0" dirty="0" smtClean="0">
                         <a:ln>
                           <a:noFill/>
                         </a:ln>
@@ -7028,17 +8284,6 @@
                         </a:rPr>
                         <a:t> Do not use in production mode</a:t>
                       </a:r>
-                      <a:endParaRPr kumimoji="0" lang="fr-FR" sz="1200" b="0" i="0" u="none" strike="noStrike" cap="none" normalizeH="0" baseline="0" dirty="0" smtClean="0">
-                        <a:ln>
-                          <a:noFill/>
-                        </a:ln>
-                        <a:solidFill>
-                          <a:schemeClr val="tx1"/>
-                        </a:solidFill>
-                        <a:effectLst/>
-                        <a:latin typeface="Calibri" pitchFamily="34" charset="0"/>
-                        <a:cs typeface="Arial" charset="0"/>
-                      </a:endParaRPr>
                     </a:p>
                   </a:txBody>
                   <a:tcPr horzOverflow="overflow">
@@ -7101,14 +8346,14 @@
           <p:nvPr>
             <p:extLst>
               <p:ext uri="{D42A27DB-BD31-4B8C-83A1-F6EECF244321}">
-                <p14:modId xmlns:p14="http://schemas.microsoft.com/office/powerpoint/2010/main" val="1235338568"/>
+                <p14:modId xmlns:p14="http://schemas.microsoft.com/office/powerpoint/2010/main" val="576787752"/>
               </p:ext>
             </p:extLst>
           </p:nvPr>
         </p:nvGraphicFramePr>
         <p:xfrm>
-          <a:off x="2916238" y="3017677"/>
-          <a:ext cx="1660525" cy="975360"/>
+          <a:off x="3633167" y="3317736"/>
+          <a:ext cx="1660525" cy="944880"/>
         </p:xfrm>
         <a:graphic>
           <a:graphicData uri="http://schemas.openxmlformats.org/drawingml/2006/table">
@@ -7140,7 +8385,7 @@
                         <a:tabLst/>
                       </a:pPr>
                       <a:r>
-                        <a:rPr kumimoji="0" lang="fr-FR" sz="1600" b="1" i="0" u="none" strike="noStrike" cap="none" normalizeH="0" baseline="0" dirty="0" err="1" smtClean="0">
+                        <a:rPr kumimoji="0" lang="fr-FR" sz="1400" b="1" i="0" u="none" strike="noStrike" cap="none" normalizeH="0" baseline="0" dirty="0" err="1" smtClean="0">
                           <a:ln>
                             <a:noFill/>
                           </a:ln>
@@ -7153,7 +8398,7 @@
                         </a:rPr>
                         <a:t>TaskDebug</a:t>
                       </a:r>
-                      <a:endParaRPr kumimoji="0" lang="fr-FR" sz="1600" b="1" i="0" u="none" strike="noStrike" cap="none" normalizeH="0" baseline="0" dirty="0" smtClean="0">
+                      <a:endParaRPr kumimoji="0" lang="fr-FR" sz="1400" b="1" i="0" u="none" strike="noStrike" cap="none" normalizeH="0" baseline="0" dirty="0" smtClean="0">
                         <a:ln>
                           <a:noFill/>
                         </a:ln>
@@ -7262,21 +8507,7 @@
                           <a:latin typeface="Calibri" pitchFamily="34" charset="0"/>
                           <a:cs typeface="Arial" charset="0"/>
                         </a:rPr>
-                        <a:t> </a:t>
-                      </a:r>
-                      <a:r>
-                        <a:rPr kumimoji="0" lang="fr-FR" sz="1200" b="0" i="0" u="none" strike="noStrike" cap="none" normalizeH="0" baseline="0" dirty="0" smtClean="0">
-                          <a:ln>
-                            <a:noFill/>
-                          </a:ln>
-                          <a:solidFill>
-                            <a:schemeClr val="tx1"/>
-                          </a:solidFill>
-                          <a:effectLst/>
-                          <a:latin typeface="Calibri" pitchFamily="34" charset="0"/>
-                          <a:cs typeface="Arial" charset="0"/>
-                        </a:rPr>
-                        <a:t>Display data (to </a:t>
+                        <a:t> Display data (to </a:t>
                       </a:r>
                       <a:r>
                         <a:rPr kumimoji="0" lang="fr-FR" sz="1200" b="0" i="0" u="none" strike="noStrike" cap="none" normalizeH="0" baseline="0" dirty="0" err="1" smtClean="0">
@@ -7440,68 +8671,33 @@
           </a:graphicData>
         </a:graphic>
       </p:graphicFrame>
-    </p:spTree>
-  </p:cSld>
-  <p:clrMapOvr>
-    <a:masterClrMapping/>
-  </p:clrMapOvr>
-  <p:timing>
-    <p:tnLst>
-      <p:par>
-        <p:cTn id="1" dur="indefinite" restart="never" nodeType="tmRoot"/>
-      </p:par>
-    </p:tnLst>
-  </p:timing>
-</p:sld>
-</file>
-
-<file path=ppt/slides/slide2.xml><?xml version="1.0" encoding="utf-8"?>
-<p:sld xmlns:a="http://schemas.openxmlformats.org/drawingml/2006/main" xmlns:r="http://schemas.openxmlformats.org/officeDocument/2006/relationships" xmlns:p="http://schemas.openxmlformats.org/presentationml/2006/main">
-  <p:cSld>
-    <p:spTree>
-      <p:nvGrpSpPr>
-        <p:cNvPr id="1" name=""/>
-        <p:cNvGrpSpPr/>
-        <p:nvPr/>
-      </p:nvGrpSpPr>
-      <p:grpSpPr>
-        <a:xfrm>
-          <a:off x="0" y="0"/>
-          <a:ext cx="0" cy="0"/>
-          <a:chOff x="0" y="0"/>
-          <a:chExt cx="0" cy="0"/>
-        </a:xfrm>
-      </p:grpSpPr>
       <p:graphicFrame>
         <p:nvGraphicFramePr>
-          <p:cNvPr id="4" name="Group 96"/>
+          <p:cNvPr id="87" name="Tableau 86"/>
           <p:cNvGraphicFramePr>
             <a:graphicFrameLocks noGrp="1"/>
           </p:cNvGraphicFramePr>
           <p:nvPr>
             <p:extLst>
               <p:ext uri="{D42A27DB-BD31-4B8C-83A1-F6EECF244321}">
-                <p14:modId xmlns:p14="http://schemas.microsoft.com/office/powerpoint/2010/main" val="3645191909"/>
+                <p14:modId xmlns:p14="http://schemas.microsoft.com/office/powerpoint/2010/main" val="1005731109"/>
               </p:ext>
             </p:extLst>
           </p:nvPr>
         </p:nvGraphicFramePr>
         <p:xfrm>
-          <a:off x="1763688" y="692696"/>
-          <a:ext cx="5759450" cy="1706880"/>
+          <a:off x="1465854" y="6073421"/>
+          <a:ext cx="1391724" cy="548640"/>
         </p:xfrm>
         <a:graphic>
           <a:graphicData uri="http://schemas.openxmlformats.org/drawingml/2006/table">
             <a:tbl>
               <a:tblPr/>
               <a:tblGrid>
-                <a:gridCol w="1439862"/>
-                <a:gridCol w="1439863"/>
-                <a:gridCol w="1439862"/>
-                <a:gridCol w="1439863"/>
+                <a:gridCol w="1391724"/>
               </a:tblGrid>
-              <a:tr h="250825">
-                <a:tc gridSpan="4">
+              <a:tr h="262710">
+                <a:tc>
                   <a:txBody>
                     <a:bodyPr/>
                     <a:lstStyle/>
@@ -7523,32 +8719,246 @@
                         <a:tabLst/>
                       </a:pPr>
                       <a:r>
-                        <a:rPr kumimoji="0" lang="fr-FR" sz="1600" b="1" i="0" u="none" strike="noStrike" cap="none" normalizeH="0" baseline="0" dirty="0" err="1" smtClean="0">
-                          <a:ln>
-                            <a:noFill/>
-                          </a:ln>
-                          <a:solidFill>
-                            <a:schemeClr val="tx1"/>
-                          </a:solidFill>
-                          <a:effectLst/>
-                          <a:latin typeface="Calibri" pitchFamily="34" charset="0"/>
-                          <a:cs typeface="Arial" charset="0"/>
-                        </a:rPr>
-                        <a:t>Strategy</a:t>
-                      </a:r>
-                      <a:r>
-                        <a:rPr kumimoji="0" lang="fr-FR" sz="1600" b="1" i="0" u="none" strike="noStrike" cap="none" normalizeH="0" baseline="0" dirty="0" smtClean="0">
-                          <a:ln>
-                            <a:noFill/>
-                          </a:ln>
-                          <a:solidFill>
-                            <a:schemeClr val="tx1"/>
-                          </a:solidFill>
-                          <a:effectLst/>
-                          <a:latin typeface="Calibri" pitchFamily="34" charset="0"/>
-                          <a:cs typeface="Arial" charset="0"/>
-                        </a:rPr>
-                        <a:t> Flags (32 bits)</a:t>
+                        <a:rPr kumimoji="0" lang="fr-FR" sz="1200" b="1" i="0" u="none" strike="noStrike" cap="none" normalizeH="0" baseline="0" dirty="0" err="1" smtClean="0">
+                          <a:ln>
+                            <a:noFill/>
+                          </a:ln>
+                          <a:solidFill>
+                            <a:schemeClr val="tx1"/>
+                          </a:solidFill>
+                          <a:effectLst/>
+                          <a:latin typeface="Calibri" pitchFamily="34" charset="0"/>
+                          <a:cs typeface="Arial" charset="0"/>
+                        </a:rPr>
+                        <a:t>Task</a:t>
+                      </a:r>
+                      <a:r>
+                        <a:rPr kumimoji="0" lang="fr-FR" sz="1200" b="1" i="0" u="none" strike="noStrike" cap="none" normalizeH="0" baseline="0" dirty="0" smtClean="0">
+                          <a:ln>
+                            <a:noFill/>
+                          </a:ln>
+                          <a:solidFill>
+                            <a:schemeClr val="tx1"/>
+                          </a:solidFill>
+                          <a:effectLst/>
+                          <a:latin typeface="Calibri" pitchFamily="34" charset="0"/>
+                          <a:cs typeface="Arial" charset="0"/>
+                        </a:rPr>
+                        <a:t> Name</a:t>
+                      </a:r>
+                    </a:p>
+                  </a:txBody>
+                  <a:tcPr horzOverflow="overflow">
+                    <a:lnL w="12700" cap="flat" cmpd="sng" algn="ctr">
+                      <a:solidFill>
+                        <a:schemeClr val="tx1"/>
+                      </a:solidFill>
+                      <a:prstDash val="solid"/>
+                      <a:round/>
+                      <a:headEnd type="none" w="med" len="med"/>
+                      <a:tailEnd type="none" w="med" len="med"/>
+                    </a:lnL>
+                    <a:lnR w="12700" cap="flat" cmpd="sng" algn="ctr">
+                      <a:solidFill>
+                        <a:schemeClr val="tx1"/>
+                      </a:solidFill>
+                      <a:prstDash val="solid"/>
+                      <a:round/>
+                      <a:headEnd type="none" w="med" len="med"/>
+                      <a:tailEnd type="none" w="med" len="med"/>
+                    </a:lnR>
+                    <a:lnT w="12700" cap="flat" cmpd="sng" algn="ctr">
+                      <a:solidFill>
+                        <a:schemeClr val="tx1"/>
+                      </a:solidFill>
+                      <a:prstDash val="solid"/>
+                      <a:round/>
+                      <a:headEnd type="none" w="med" len="med"/>
+                      <a:tailEnd type="none" w="med" len="med"/>
+                    </a:lnT>
+                    <a:lnB w="12700" cap="flat" cmpd="sng" algn="ctr">
+                      <a:solidFill>
+                        <a:schemeClr val="tx1"/>
+                      </a:solidFill>
+                      <a:prstDash val="solid"/>
+                      <a:round/>
+                      <a:headEnd type="none" w="med" len="med"/>
+                      <a:tailEnd type="none" w="med" len="med"/>
+                    </a:lnB>
+                    <a:lnTlToBr>
+                      <a:noFill/>
+                    </a:lnTlToBr>
+                    <a:lnBlToTr>
+                      <a:noFill/>
+                    </a:lnBlToTr>
+                    <a:gradFill rotWithShape="1">
+                      <a:gsLst>
+                        <a:gs pos="0">
+                          <a:srgbClr val="83D3FF"/>
+                        </a:gs>
+                        <a:gs pos="50000">
+                          <a:srgbClr val="B5E2FF"/>
+                        </a:gs>
+                        <a:gs pos="100000">
+                          <a:srgbClr val="DBF0FF"/>
+                        </a:gs>
+                      </a:gsLst>
+                      <a:path path="rect">
+                        <a:fillToRect l="50000" t="50000" r="50000" b="50000"/>
+                      </a:path>
+                    </a:gradFill>
+                  </a:tcPr>
+                </a:tc>
+              </a:tr>
+              <a:tr h="249479">
+                <a:tc>
+                  <a:txBody>
+                    <a:bodyPr/>
+                    <a:lstStyle/>
+                    <a:p>
+                      <a:pPr marL="0" marR="0" lvl="0" indent="0" algn="ctr" defTabSz="914400" rtl="0" eaLnBrk="1" fontAlgn="base" latinLnBrk="0" hangingPunct="1">
+                        <a:lnSpc>
+                          <a:spcPct val="100000"/>
+                        </a:lnSpc>
+                        <a:spcBef>
+                          <a:spcPct val="0"/>
+                        </a:spcBef>
+                        <a:spcAft>
+                          <a:spcPct val="0"/>
+                        </a:spcAft>
+                        <a:buClrTx/>
+                        <a:buSzTx/>
+                        <a:buFontTx/>
+                        <a:buNone/>
+                        <a:tabLst/>
+                      </a:pPr>
+                      <a:r>
+                        <a:rPr kumimoji="0" lang="fr-FR" sz="1200" b="0" i="0" u="none" strike="noStrike" cap="none" normalizeH="0" baseline="0" dirty="0" smtClean="0">
+                          <a:ln>
+                            <a:noFill/>
+                          </a:ln>
+                          <a:solidFill>
+                            <a:schemeClr val="tx1"/>
+                          </a:solidFill>
+                          <a:effectLst/>
+                          <a:latin typeface="Calibri" pitchFamily="34" charset="0"/>
+                          <a:cs typeface="Arial" charset="0"/>
+                        </a:rPr>
+                        <a:t>Quick description</a:t>
+                      </a:r>
+                    </a:p>
+                  </a:txBody>
+                  <a:tcPr horzOverflow="overflow">
+                    <a:lnL w="12700" cap="flat" cmpd="sng" algn="ctr">
+                      <a:solidFill>
+                        <a:schemeClr val="tx1"/>
+                      </a:solidFill>
+                      <a:prstDash val="solid"/>
+                      <a:round/>
+                      <a:headEnd type="none" w="med" len="med"/>
+                      <a:tailEnd type="none" w="med" len="med"/>
+                    </a:lnL>
+                    <a:lnR w="12700" cap="flat" cmpd="sng" algn="ctr">
+                      <a:solidFill>
+                        <a:schemeClr val="tx1"/>
+                      </a:solidFill>
+                      <a:prstDash val="solid"/>
+                      <a:round/>
+                      <a:headEnd type="none" w="med" len="med"/>
+                      <a:tailEnd type="none" w="med" len="med"/>
+                    </a:lnR>
+                    <a:lnT w="12700" cap="flat" cmpd="sng" algn="ctr">
+                      <a:solidFill>
+                        <a:schemeClr val="tx1"/>
+                      </a:solidFill>
+                      <a:prstDash val="solid"/>
+                      <a:round/>
+                      <a:headEnd type="none" w="med" len="med"/>
+                      <a:tailEnd type="none" w="med" len="med"/>
+                    </a:lnT>
+                    <a:lnB w="12700" cap="flat" cmpd="sng" algn="ctr">
+                      <a:solidFill>
+                        <a:schemeClr val="tx1"/>
+                      </a:solidFill>
+                      <a:prstDash val="solid"/>
+                      <a:round/>
+                      <a:headEnd type="none" w="med" len="med"/>
+                      <a:tailEnd type="none" w="med" len="med"/>
+                    </a:lnB>
+                    <a:lnTlToBr>
+                      <a:noFill/>
+                    </a:lnTlToBr>
+                    <a:lnBlToTr>
+                      <a:noFill/>
+                    </a:lnBlToTr>
+                    <a:noFill/>
+                  </a:tcPr>
+                </a:tc>
+              </a:tr>
+            </a:tbl>
+          </a:graphicData>
+        </a:graphic>
+      </p:graphicFrame>
+      <p:graphicFrame>
+        <p:nvGraphicFramePr>
+          <p:cNvPr id="88" name="Group 96"/>
+          <p:cNvGraphicFramePr>
+            <a:graphicFrameLocks noGrp="1"/>
+          </p:cNvGraphicFramePr>
+          <p:nvPr>
+            <p:extLst>
+              <p:ext uri="{D42A27DB-BD31-4B8C-83A1-F6EECF244321}">
+                <p14:modId xmlns:p14="http://schemas.microsoft.com/office/powerpoint/2010/main" val="2612346967"/>
+              </p:ext>
+            </p:extLst>
+          </p:nvPr>
+        </p:nvGraphicFramePr>
+        <p:xfrm>
+          <a:off x="2956169" y="6073421"/>
+          <a:ext cx="1483866" cy="584118"/>
+        </p:xfrm>
+        <a:graphic>
+          <a:graphicData uri="http://schemas.openxmlformats.org/drawingml/2006/table">
+            <a:tbl>
+              <a:tblPr/>
+              <a:tblGrid>
+                <a:gridCol w="1483866"/>
+              </a:tblGrid>
+              <a:tr h="119256">
+                <a:tc>
+                  <a:txBody>
+                    <a:bodyPr/>
+                    <a:lstStyle/>
+                    <a:p>
+                      <a:pPr marL="0" marR="0" lvl="0" indent="0" algn="ctr" defTabSz="914400" rtl="0" eaLnBrk="1" fontAlgn="base" latinLnBrk="0" hangingPunct="1">
+                        <a:lnSpc>
+                          <a:spcPct val="100000"/>
+                        </a:lnSpc>
+                        <a:spcBef>
+                          <a:spcPct val="0"/>
+                        </a:spcBef>
+                        <a:spcAft>
+                          <a:spcPct val="0"/>
+                        </a:spcAft>
+                        <a:buClrTx/>
+                        <a:buSzTx/>
+                        <a:buFontTx/>
+                        <a:buNone/>
+                        <a:tabLst/>
+                      </a:pPr>
+                      <a:r>
+                        <a:rPr kumimoji="0" lang="fr-FR" sz="1200" b="1" i="0" u="none" strike="noStrike" cap="none" normalizeH="0" baseline="0" dirty="0" smtClean="0">
+                          <a:ln>
+                            <a:noFill/>
+                          </a:ln>
+                          <a:solidFill>
+                            <a:schemeClr val="tx1"/>
+                          </a:solidFill>
+                          <a:effectLst/>
+                          <a:latin typeface="Calibri" pitchFamily="34" charset="0"/>
+                          <a:cs typeface="Arial" charset="0"/>
+                        </a:rPr>
+                        <a:t>Variable Name</a:t>
                       </a:r>
                     </a:p>
                   </a:txBody>
@@ -7613,38 +9023,8 @@
                     </a:gradFill>
                   </a:tcPr>
                 </a:tc>
-                <a:tc hMerge="1">
-                  <a:txBody>
-                    <a:bodyPr/>
-                    <a:lstStyle/>
-                    <a:p>
-                      <a:endParaRPr lang="fr-FR"/>
-                    </a:p>
-                  </a:txBody>
-                  <a:tcPr/>
-                </a:tc>
-                <a:tc hMerge="1">
-                  <a:txBody>
-                    <a:bodyPr/>
-                    <a:lstStyle/>
-                    <a:p>
-                      <a:endParaRPr lang="fr-FR"/>
-                    </a:p>
-                  </a:txBody>
-                  <a:tcPr/>
-                </a:tc>
-                <a:tc hMerge="1">
-                  <a:txBody>
-                    <a:bodyPr/>
-                    <a:lstStyle/>
-                    <a:p>
-                      <a:endParaRPr lang="fr-FR"/>
-                    </a:p>
-                  </a:txBody>
-                  <a:tcPr/>
-                </a:tc>
               </a:tr>
-              <a:tr h="1204913">
+              <a:tr h="309798">
                 <a:tc>
                   <a:txBody>
                     <a:bodyPr/>
@@ -7667,34 +9047,299 @@
                         <a:tabLst/>
                       </a:pPr>
                       <a:r>
-                        <a:rPr kumimoji="0" lang="fr-FR" sz="1200" b="1" i="0" u="sng" strike="noStrike" cap="none" normalizeH="0" baseline="0" dirty="0" smtClean="0">
-                          <a:ln>
-                            <a:noFill/>
-                          </a:ln>
-                          <a:solidFill>
-                            <a:schemeClr val="tx1"/>
-                          </a:solidFill>
-                          <a:effectLst/>
-                          <a:latin typeface="Calibri" pitchFamily="34" charset="0"/>
-                          <a:cs typeface="Arial" charset="0"/>
-                        </a:rPr>
-                        <a:t>Actions </a:t>
-                      </a:r>
-                      <a:r>
-                        <a:rPr kumimoji="0" lang="fr-FR" sz="1200" b="1" i="0" u="sng" strike="noStrike" cap="none" normalizeH="0" baseline="0" dirty="0" err="1" smtClean="0">
-                          <a:ln>
-                            <a:noFill/>
-                          </a:ln>
-                          <a:solidFill>
-                            <a:schemeClr val="tx1"/>
-                          </a:solidFill>
-                          <a:effectLst/>
-                          <a:latin typeface="Calibri" pitchFamily="34" charset="0"/>
-                          <a:cs typeface="Arial" charset="0"/>
-                        </a:rPr>
-                        <a:t>Done</a:t>
-                      </a:r>
-                      <a:endParaRPr kumimoji="0" lang="fr-FR" sz="1200" b="1" i="0" u="sng" strike="noStrike" cap="none" normalizeH="0" baseline="0" dirty="0" smtClean="0">
+                        <a:rPr kumimoji="0" lang="fr-FR" sz="1200" b="0" i="0" u="none" strike="noStrike" cap="none" normalizeH="0" baseline="0" dirty="0" smtClean="0">
+                          <a:ln>
+                            <a:noFill/>
+                          </a:ln>
+                          <a:solidFill>
+                            <a:schemeClr val="tx1"/>
+                          </a:solidFill>
+                          <a:effectLst/>
+                          <a:latin typeface="Calibri" pitchFamily="34" charset="0"/>
+                          <a:cs typeface="Arial" charset="0"/>
+                        </a:rPr>
+                        <a:t>Quick description</a:t>
+                      </a:r>
+                    </a:p>
+                  </a:txBody>
+                  <a:tcPr horzOverflow="overflow">
+                    <a:lnL w="12700" cap="flat" cmpd="sng" algn="ctr">
+                      <a:solidFill>
+                        <a:schemeClr val="tx1"/>
+                      </a:solidFill>
+                      <a:prstDash val="solid"/>
+                      <a:round/>
+                      <a:headEnd type="none" w="med" len="med"/>
+                      <a:tailEnd type="none" w="med" len="med"/>
+                    </a:lnL>
+                    <a:lnR w="12700" cap="flat" cmpd="sng" algn="ctr">
+                      <a:solidFill>
+                        <a:schemeClr val="tx1"/>
+                      </a:solidFill>
+                      <a:prstDash val="solid"/>
+                      <a:round/>
+                      <a:headEnd type="none" w="med" len="med"/>
+                      <a:tailEnd type="none" w="med" len="med"/>
+                    </a:lnR>
+                    <a:lnT w="12700" cap="flat" cmpd="sng" algn="ctr">
+                      <a:solidFill>
+                        <a:schemeClr val="tx1"/>
+                      </a:solidFill>
+                      <a:prstDash val="solid"/>
+                      <a:round/>
+                      <a:headEnd type="none" w="med" len="med"/>
+                      <a:tailEnd type="none" w="med" len="med"/>
+                    </a:lnT>
+                    <a:lnB w="12700" cap="flat" cmpd="sng" algn="ctr">
+                      <a:solidFill>
+                        <a:schemeClr val="tx1"/>
+                      </a:solidFill>
+                      <a:prstDash val="solid"/>
+                      <a:round/>
+                      <a:headEnd type="none" w="med" len="med"/>
+                      <a:tailEnd type="none" w="med" len="med"/>
+                    </a:lnB>
+                    <a:lnTlToBr>
+                      <a:noFill/>
+                    </a:lnTlToBr>
+                    <a:lnBlToTr>
+                      <a:noFill/>
+                    </a:lnBlToTr>
+                    <a:noFill/>
+                  </a:tcPr>
+                </a:tc>
+              </a:tr>
+            </a:tbl>
+          </a:graphicData>
+        </a:graphic>
+      </p:graphicFrame>
+      <p:sp>
+        <p:nvSpPr>
+          <p:cNvPr id="89" name="Ellipse 88"/>
+          <p:cNvSpPr/>
+          <p:nvPr/>
+        </p:nvSpPr>
+        <p:spPr>
+          <a:xfrm>
+            <a:off x="4644008" y="6114691"/>
+            <a:ext cx="999517" cy="503238"/>
+          </a:xfrm>
+          <a:prstGeom prst="ellipse">
+            <a:avLst/>
+          </a:prstGeom>
+        </p:spPr>
+        <p:style>
+          <a:lnRef idx="2">
+            <a:schemeClr val="accent5"/>
+          </a:lnRef>
+          <a:fillRef idx="1">
+            <a:schemeClr val="lt1"/>
+          </a:fillRef>
+          <a:effectRef idx="0">
+            <a:schemeClr val="accent5"/>
+          </a:effectRef>
+          <a:fontRef idx="minor">
+            <a:schemeClr val="dk1"/>
+          </a:fontRef>
+        </p:style>
+        <p:txBody>
+          <a:bodyPr anchor="ctr"/>
+          <a:lstStyle/>
+          <a:p>
+            <a:pPr algn="ctr"/>
+            <a:r>
+              <a:rPr lang="fr-FR" sz="1000" b="1" noProof="1" smtClean="0">
+                <a:solidFill>
+                  <a:srgbClr val="31859C"/>
+                </a:solidFill>
+                <a:cs typeface="Arial" charset="0"/>
+              </a:rPr>
+              <a:t>Shared Memory</a:t>
+            </a:r>
+            <a:endParaRPr lang="fr-FR" sz="1000" b="1" dirty="0">
+              <a:solidFill>
+                <a:srgbClr val="31859C"/>
+              </a:solidFill>
+              <a:cs typeface="Arial" charset="0"/>
+            </a:endParaRPr>
+          </a:p>
+        </p:txBody>
+      </p:sp>
+      <p:cxnSp>
+        <p:nvCxnSpPr>
+          <p:cNvPr id="90" name="Connecteur droit avec flèche 89"/>
+          <p:cNvCxnSpPr/>
+          <p:nvPr/>
+        </p:nvCxnSpPr>
+        <p:spPr>
+          <a:xfrm>
+            <a:off x="5931784" y="6525344"/>
+            <a:ext cx="576015" cy="0"/>
+          </a:xfrm>
+          <a:prstGeom prst="straightConnector1">
+            <a:avLst/>
+          </a:prstGeom>
+          <a:ln>
+            <a:tailEnd type="arrow"/>
+          </a:ln>
+        </p:spPr>
+        <p:style>
+          <a:lnRef idx="3">
+            <a:schemeClr val="accent2"/>
+          </a:lnRef>
+          <a:fillRef idx="0">
+            <a:schemeClr val="accent2"/>
+          </a:fillRef>
+          <a:effectRef idx="2">
+            <a:schemeClr val="accent2"/>
+          </a:effectRef>
+          <a:fontRef idx="minor">
+            <a:schemeClr val="tx1"/>
+          </a:fontRef>
+        </p:style>
+      </p:cxnSp>
+      <p:cxnSp>
+        <p:nvCxnSpPr>
+          <p:cNvPr id="91" name="Connecteur droit avec flèche 90"/>
+          <p:cNvCxnSpPr>
+            <a:cxnSpLocks noChangeShapeType="1"/>
+          </p:cNvCxnSpPr>
+          <p:nvPr/>
+        </p:nvCxnSpPr>
+        <p:spPr bwMode="auto">
+          <a:xfrm>
+            <a:off x="5917501" y="6209712"/>
+            <a:ext cx="576064" cy="0"/>
+          </a:xfrm>
+          <a:prstGeom prst="straightConnector1">
+            <a:avLst/>
+          </a:prstGeom>
+          <a:noFill/>
+          <a:ln w="38100" algn="ctr">
+            <a:solidFill>
+              <a:srgbClr val="4BACC6"/>
+            </a:solidFill>
+            <a:round/>
+            <a:headEnd/>
+            <a:tailEnd type="arrow" w="med" len="med"/>
+          </a:ln>
+          <a:effectLst>
+            <a:outerShdw dist="23000" dir="5400000" rotWithShape="0">
+              <a:srgbClr val="000000">
+                <a:alpha val="34999"/>
+              </a:srgbClr>
+            </a:outerShdw>
+          </a:effectLst>
+        </p:spPr>
+      </p:cxnSp>
+      <p:graphicFrame>
+        <p:nvGraphicFramePr>
+          <p:cNvPr id="92" name="Tableau 91"/>
+          <p:cNvGraphicFramePr>
+            <a:graphicFrameLocks noGrp="1"/>
+          </p:cNvGraphicFramePr>
+          <p:nvPr>
+            <p:extLst>
+              <p:ext uri="{D42A27DB-BD31-4B8C-83A1-F6EECF244321}">
+                <p14:modId xmlns:p14="http://schemas.microsoft.com/office/powerpoint/2010/main" val="1023345826"/>
+              </p:ext>
+            </p:extLst>
+          </p:nvPr>
+        </p:nvGraphicFramePr>
+        <p:xfrm>
+          <a:off x="6507800" y="6072552"/>
+          <a:ext cx="2024640" cy="713224"/>
+        </p:xfrm>
+        <a:graphic>
+          <a:graphicData uri="http://schemas.openxmlformats.org/drawingml/2006/table">
+            <a:tbl>
+              <a:tblPr/>
+              <a:tblGrid>
+                <a:gridCol w="2024640"/>
+              </a:tblGrid>
+              <a:tr h="713224">
+                <a:tc>
+                  <a:txBody>
+                    <a:bodyPr/>
+                    <a:lstStyle/>
+                    <a:p>
+                      <a:pPr marL="0" marR="0" lvl="0" indent="0" algn="l" defTabSz="914400" rtl="0" eaLnBrk="1" fontAlgn="base" latinLnBrk="0" hangingPunct="1">
+                        <a:lnSpc>
+                          <a:spcPct val="100000"/>
+                        </a:lnSpc>
+                        <a:spcBef>
+                          <a:spcPct val="0"/>
+                        </a:spcBef>
+                        <a:spcAft>
+                          <a:spcPct val="0"/>
+                        </a:spcAft>
+                        <a:buClrTx/>
+                        <a:buSzTx/>
+                        <a:buFontTx/>
+                        <a:buNone/>
+                        <a:tabLst/>
+                      </a:pPr>
+                      <a:r>
+                        <a:rPr kumimoji="0" lang="fr-FR" sz="1200" b="0" i="0" u="none" strike="noStrike" cap="none" normalizeH="0" baseline="0" dirty="0" smtClean="0">
+                          <a:ln>
+                            <a:noFill/>
+                          </a:ln>
+                          <a:solidFill>
+                            <a:schemeClr val="tx1"/>
+                          </a:solidFill>
+                          <a:effectLst/>
+                          <a:latin typeface="Calibri" pitchFamily="34" charset="0"/>
+                          <a:cs typeface="Arial" charset="0"/>
+                        </a:rPr>
+                        <a:t>Read / </a:t>
+                      </a:r>
+                      <a:r>
+                        <a:rPr kumimoji="0" lang="fr-FR" sz="1200" b="0" i="0" u="none" strike="noStrike" cap="none" normalizeH="0" baseline="0" dirty="0" err="1" smtClean="0">
+                          <a:ln>
+                            <a:noFill/>
+                          </a:ln>
+                          <a:solidFill>
+                            <a:schemeClr val="tx1"/>
+                          </a:solidFill>
+                          <a:effectLst/>
+                          <a:latin typeface="Calibri" pitchFamily="34" charset="0"/>
+                          <a:cs typeface="Arial" charset="0"/>
+                        </a:rPr>
+                        <a:t>Write</a:t>
+                      </a:r>
+                      <a:r>
+                        <a:rPr kumimoji="0" lang="fr-FR" sz="1200" b="0" i="0" u="none" strike="noStrike" cap="none" normalizeH="0" baseline="0" dirty="0" smtClean="0">
+                          <a:ln>
+                            <a:noFill/>
+                          </a:ln>
+                          <a:solidFill>
+                            <a:schemeClr val="tx1"/>
+                          </a:solidFill>
+                          <a:effectLst/>
+                          <a:latin typeface="Calibri" pitchFamily="34" charset="0"/>
+                          <a:cs typeface="Arial" charset="0"/>
+                        </a:rPr>
+                        <a:t> variable</a:t>
+                      </a:r>
+                    </a:p>
+                    <a:p>
+                      <a:pPr marL="0" marR="0" lvl="0" indent="0" algn="l" defTabSz="914400" rtl="0" eaLnBrk="1" fontAlgn="base" latinLnBrk="0" hangingPunct="1">
+                        <a:lnSpc>
+                          <a:spcPct val="100000"/>
+                        </a:lnSpc>
+                        <a:spcBef>
+                          <a:spcPct val="0"/>
+                        </a:spcBef>
+                        <a:spcAft>
+                          <a:spcPct val="0"/>
+                        </a:spcAft>
+                        <a:buClrTx/>
+                        <a:buSzTx/>
+                        <a:buFontTx/>
+                        <a:buNone/>
+                        <a:tabLst/>
+                      </a:pPr>
+                      <a:endParaRPr kumimoji="0" lang="fr-FR" sz="800" b="0" i="0" u="none" strike="noStrike" cap="none" normalizeH="0" baseline="0" dirty="0" smtClean="0">
                         <a:ln>
                           <a:noFill/>
                         </a:ln>
@@ -7724,2997 +9369,73 @@
                         <a:tabLst/>
                       </a:pPr>
                       <a:r>
-                        <a:rPr kumimoji="0" lang="fr-FR" sz="900" b="0" i="0" u="none" strike="noStrike" cap="none" normalizeH="0" baseline="0" dirty="0" smtClean="0">
-                          <a:ln>
-                            <a:noFill/>
-                          </a:ln>
-                          <a:solidFill>
-                            <a:schemeClr val="tx1"/>
-                          </a:solidFill>
-                          <a:effectLst/>
-                          <a:latin typeface="Calibri" pitchFamily="34" charset="0"/>
-                          <a:cs typeface="Arial" charset="0"/>
-                        </a:rPr>
-                        <a:t>0 -</a:t>
-                      </a:r>
-                    </a:p>
-                    <a:p>
-                      <a:pPr marL="0" marR="0" lvl="0" indent="0" algn="l" defTabSz="914400" rtl="0" eaLnBrk="1" fontAlgn="base" latinLnBrk="0" hangingPunct="1">
-                        <a:lnSpc>
-                          <a:spcPct val="100000"/>
-                        </a:lnSpc>
-                        <a:spcBef>
-                          <a:spcPct val="0"/>
-                        </a:spcBef>
-                        <a:spcAft>
-                          <a:spcPct val="0"/>
-                        </a:spcAft>
-                        <a:buClrTx/>
-                        <a:buSzTx/>
-                        <a:buFontTx/>
-                        <a:buNone/>
-                        <a:tabLst/>
-                      </a:pPr>
-                      <a:r>
-                        <a:rPr kumimoji="0" lang="fr-FR" sz="900" b="0" i="0" u="none" strike="noStrike" cap="none" normalizeH="0" baseline="0" dirty="0" smtClean="0">
-                          <a:ln>
-                            <a:noFill/>
-                          </a:ln>
-                          <a:solidFill>
-                            <a:schemeClr val="tx1"/>
-                          </a:solidFill>
-                          <a:effectLst/>
-                          <a:latin typeface="Calibri" pitchFamily="34" charset="0"/>
-                          <a:cs typeface="Arial" charset="0"/>
-                        </a:rPr>
-                        <a:t>1 - </a:t>
-                      </a:r>
-                    </a:p>
-                    <a:p>
-                      <a:pPr marL="0" marR="0" lvl="0" indent="0" algn="l" defTabSz="914400" rtl="0" eaLnBrk="1" fontAlgn="base" latinLnBrk="0" hangingPunct="1">
-                        <a:lnSpc>
-                          <a:spcPct val="100000"/>
-                        </a:lnSpc>
-                        <a:spcBef>
-                          <a:spcPct val="0"/>
-                        </a:spcBef>
-                        <a:spcAft>
-                          <a:spcPct val="0"/>
-                        </a:spcAft>
-                        <a:buClrTx/>
-                        <a:buSzTx/>
-                        <a:buFontTx/>
-                        <a:buNone/>
-                        <a:tabLst/>
-                      </a:pPr>
-                      <a:r>
-                        <a:rPr kumimoji="0" lang="fr-FR" sz="900" b="0" i="0" u="none" strike="noStrike" cap="none" normalizeH="0" baseline="0" dirty="0" smtClean="0">
-                          <a:ln>
-                            <a:noFill/>
-                          </a:ln>
-                          <a:solidFill>
-                            <a:schemeClr val="tx1"/>
-                          </a:solidFill>
-                          <a:effectLst/>
-                          <a:latin typeface="Calibri" pitchFamily="34" charset="0"/>
-                          <a:cs typeface="Arial" charset="0"/>
-                        </a:rPr>
-                        <a:t>2 -</a:t>
-                      </a:r>
-                    </a:p>
-                    <a:p>
-                      <a:pPr marL="0" marR="0" lvl="0" indent="0" algn="l" defTabSz="914400" rtl="0" eaLnBrk="1" fontAlgn="base" latinLnBrk="0" hangingPunct="1">
-                        <a:lnSpc>
-                          <a:spcPct val="100000"/>
-                        </a:lnSpc>
-                        <a:spcBef>
-                          <a:spcPct val="0"/>
-                        </a:spcBef>
-                        <a:spcAft>
-                          <a:spcPct val="0"/>
-                        </a:spcAft>
-                        <a:buClrTx/>
-                        <a:buSzTx/>
-                        <a:buFontTx/>
-                        <a:buNone/>
-                        <a:tabLst/>
-                      </a:pPr>
-                      <a:r>
-                        <a:rPr kumimoji="0" lang="fr-FR" sz="900" b="0" i="0" u="none" strike="noStrike" cap="none" normalizeH="0" baseline="0" dirty="0" smtClean="0">
-                          <a:ln>
-                            <a:noFill/>
-                          </a:ln>
-                          <a:solidFill>
-                            <a:schemeClr val="tx1"/>
-                          </a:solidFill>
-                          <a:effectLst/>
-                          <a:latin typeface="Calibri" pitchFamily="34" charset="0"/>
-                          <a:cs typeface="Arial" charset="0"/>
-                        </a:rPr>
-                        <a:t>3 -</a:t>
-                      </a:r>
-                    </a:p>
-                    <a:p>
-                      <a:pPr marL="0" marR="0" lvl="0" indent="0" algn="l" defTabSz="914400" rtl="0" eaLnBrk="1" fontAlgn="base" latinLnBrk="0" hangingPunct="1">
-                        <a:lnSpc>
-                          <a:spcPct val="100000"/>
-                        </a:lnSpc>
-                        <a:spcBef>
-                          <a:spcPct val="0"/>
-                        </a:spcBef>
-                        <a:spcAft>
-                          <a:spcPct val="0"/>
-                        </a:spcAft>
-                        <a:buClrTx/>
-                        <a:buSzTx/>
-                        <a:buFontTx/>
-                        <a:buNone/>
-                        <a:tabLst/>
-                      </a:pPr>
-                      <a:r>
-                        <a:rPr kumimoji="0" lang="fr-FR" sz="900" b="0" i="0" u="none" strike="noStrike" cap="none" normalizeH="0" baseline="0" dirty="0" smtClean="0">
-                          <a:ln>
-                            <a:noFill/>
-                          </a:ln>
-                          <a:solidFill>
-                            <a:schemeClr val="tx1"/>
-                          </a:solidFill>
-                          <a:effectLst/>
-                          <a:latin typeface="Calibri" pitchFamily="34" charset="0"/>
-                          <a:cs typeface="Arial" charset="0"/>
-                        </a:rPr>
-                        <a:t>4 -</a:t>
-                      </a:r>
-                    </a:p>
-                    <a:p>
-                      <a:pPr marL="0" marR="0" lvl="0" indent="0" algn="l" defTabSz="914400" rtl="0" eaLnBrk="1" fontAlgn="base" latinLnBrk="0" hangingPunct="1">
-                        <a:lnSpc>
-                          <a:spcPct val="100000"/>
-                        </a:lnSpc>
-                        <a:spcBef>
-                          <a:spcPct val="0"/>
-                        </a:spcBef>
-                        <a:spcAft>
-                          <a:spcPct val="0"/>
-                        </a:spcAft>
-                        <a:buClrTx/>
-                        <a:buSzTx/>
-                        <a:buFontTx/>
-                        <a:buNone/>
-                        <a:tabLst/>
-                      </a:pPr>
-                      <a:r>
-                        <a:rPr kumimoji="0" lang="fr-FR" sz="900" b="0" i="0" u="none" strike="noStrike" cap="none" normalizeH="0" baseline="0" dirty="0" smtClean="0">
-                          <a:ln>
-                            <a:noFill/>
-                          </a:ln>
-                          <a:solidFill>
-                            <a:schemeClr val="tx1"/>
-                          </a:solidFill>
-                          <a:effectLst/>
-                          <a:latin typeface="Calibri" pitchFamily="34" charset="0"/>
-                          <a:cs typeface="Arial" charset="0"/>
-                        </a:rPr>
-                        <a:t>5 -</a:t>
-                      </a:r>
-                    </a:p>
-                    <a:p>
-                      <a:pPr marL="0" marR="0" lvl="0" indent="0" algn="l" defTabSz="914400" rtl="0" eaLnBrk="1" fontAlgn="base" latinLnBrk="0" hangingPunct="1">
-                        <a:lnSpc>
-                          <a:spcPct val="100000"/>
-                        </a:lnSpc>
-                        <a:spcBef>
-                          <a:spcPct val="0"/>
-                        </a:spcBef>
-                        <a:spcAft>
-                          <a:spcPct val="0"/>
-                        </a:spcAft>
-                        <a:buClrTx/>
-                        <a:buSzTx/>
-                        <a:buFontTx/>
-                        <a:buNone/>
-                        <a:tabLst/>
-                      </a:pPr>
-                      <a:r>
-                        <a:rPr kumimoji="0" lang="fr-FR" sz="900" b="0" i="0" u="none" strike="noStrike" cap="none" normalizeH="0" baseline="0" dirty="0" smtClean="0">
-                          <a:ln>
-                            <a:noFill/>
-                          </a:ln>
-                          <a:solidFill>
-                            <a:schemeClr val="tx1"/>
-                          </a:solidFill>
-                          <a:effectLst/>
-                          <a:latin typeface="Calibri" pitchFamily="34" charset="0"/>
-                          <a:cs typeface="Arial" charset="0"/>
-                        </a:rPr>
-                        <a:t>6 -</a:t>
-                      </a:r>
-                    </a:p>
-                    <a:p>
-                      <a:pPr marL="0" marR="0" lvl="0" indent="0" algn="l" defTabSz="914400" rtl="0" eaLnBrk="1" fontAlgn="base" latinLnBrk="0" hangingPunct="1">
-                        <a:lnSpc>
-                          <a:spcPct val="100000"/>
-                        </a:lnSpc>
-                        <a:spcBef>
-                          <a:spcPct val="0"/>
-                        </a:spcBef>
-                        <a:spcAft>
-                          <a:spcPct val="0"/>
-                        </a:spcAft>
-                        <a:buClrTx/>
-                        <a:buSzTx/>
-                        <a:buFontTx/>
-                        <a:buNone/>
-                        <a:tabLst/>
-                      </a:pPr>
-                      <a:r>
-                        <a:rPr kumimoji="0" lang="fr-FR" sz="900" b="0" i="0" u="none" strike="noStrike" cap="none" normalizeH="0" baseline="0" dirty="0" smtClean="0">
-                          <a:ln>
-                            <a:noFill/>
-                          </a:ln>
-                          <a:solidFill>
-                            <a:schemeClr val="tx1"/>
-                          </a:solidFill>
-                          <a:effectLst/>
-                          <a:latin typeface="Calibri" pitchFamily="34" charset="0"/>
-                          <a:cs typeface="Arial" charset="0"/>
-                        </a:rPr>
-                        <a:t>7 - </a:t>
+                        <a:rPr kumimoji="0" lang="fr-FR" sz="1200" b="0" i="0" u="none" strike="noStrike" cap="none" normalizeH="0" baseline="0" dirty="0" smtClean="0">
+                          <a:ln>
+                            <a:noFill/>
+                          </a:ln>
+                          <a:solidFill>
+                            <a:schemeClr val="tx1"/>
+                          </a:solidFill>
+                          <a:effectLst/>
+                          <a:latin typeface="Calibri" pitchFamily="34" charset="0"/>
+                          <a:cs typeface="Arial" charset="0"/>
+                        </a:rPr>
+                        <a:t>Set / </a:t>
+                      </a:r>
+                      <a:r>
+                        <a:rPr kumimoji="0" lang="fr-FR" sz="1200" b="0" i="0" u="none" strike="noStrike" cap="none" normalizeH="0" baseline="0" dirty="0" err="1" smtClean="0">
+                          <a:ln>
+                            <a:noFill/>
+                          </a:ln>
+                          <a:solidFill>
+                            <a:schemeClr val="tx1"/>
+                          </a:solidFill>
+                          <a:effectLst/>
+                          <a:latin typeface="Calibri" pitchFamily="34" charset="0"/>
+                          <a:cs typeface="Arial" charset="0"/>
+                        </a:rPr>
+                        <a:t>Clear</a:t>
+                      </a:r>
+                      <a:r>
+                        <a:rPr kumimoji="0" lang="fr-FR" sz="1200" b="0" i="0" u="none" strike="noStrike" cap="none" normalizeH="0" baseline="0" dirty="0" smtClean="0">
+                          <a:ln>
+                            <a:noFill/>
+                          </a:ln>
+                          <a:solidFill>
+                            <a:schemeClr val="tx1"/>
+                          </a:solidFill>
+                          <a:effectLst/>
+                          <a:latin typeface="Calibri" pitchFamily="34" charset="0"/>
+                          <a:cs typeface="Arial" charset="0"/>
+                        </a:rPr>
+                        <a:t> Flags</a:t>
                       </a:r>
                     </a:p>
                   </a:txBody>
                   <a:tcPr horzOverflow="overflow">
                     <a:lnL w="12700" cap="flat" cmpd="sng" algn="ctr">
-                      <a:solidFill>
-                        <a:schemeClr val="tx1"/>
-                      </a:solidFill>
+                      <a:noFill/>
                       <a:prstDash val="solid"/>
                       <a:round/>
                       <a:headEnd type="none" w="med" len="med"/>
                       <a:tailEnd type="none" w="med" len="med"/>
                     </a:lnL>
                     <a:lnR w="12700" cap="flat" cmpd="sng" algn="ctr">
-                      <a:solidFill>
-                        <a:schemeClr val="tx1"/>
-                      </a:solidFill>
+                      <a:noFill/>
                       <a:prstDash val="solid"/>
                       <a:round/>
                       <a:headEnd type="none" w="med" len="med"/>
                       <a:tailEnd type="none" w="med" len="med"/>
                     </a:lnR>
                     <a:lnT w="12700" cap="flat" cmpd="sng" algn="ctr">
-                      <a:solidFill>
-                        <a:schemeClr val="tx1"/>
-                      </a:solidFill>
+                      <a:noFill/>
                       <a:prstDash val="solid"/>
                       <a:round/>
                       <a:headEnd type="none" w="med" len="med"/>
                       <a:tailEnd type="none" w="med" len="med"/>
                     </a:lnT>
                     <a:lnB w="12700" cap="flat" cmpd="sng" algn="ctr">
-                      <a:solidFill>
-                        <a:schemeClr val="tx1"/>
-                      </a:solidFill>
-                      <a:prstDash val="solid"/>
-                      <a:round/>
-                      <a:headEnd type="none" w="med" len="med"/>
-                      <a:tailEnd type="none" w="med" len="med"/>
-                    </a:lnB>
-                    <a:lnTlToBr>
                       <a:noFill/>
-                    </a:lnTlToBr>
-                    <a:lnBlToTr>
-                      <a:noFill/>
-                    </a:lnBlToTr>
-                    <a:noFill/>
-                  </a:tcPr>
-                </a:tc>
-                <a:tc>
-                  <a:txBody>
-                    <a:bodyPr/>
-                    <a:lstStyle/>
-                    <a:p>
-                      <a:pPr marL="0" marR="0" lvl="0" indent="0" algn="ctr" defTabSz="914400" rtl="0" eaLnBrk="1" fontAlgn="base" latinLnBrk="0" hangingPunct="1">
-                        <a:lnSpc>
-                          <a:spcPct val="100000"/>
-                        </a:lnSpc>
-                        <a:spcBef>
-                          <a:spcPct val="0"/>
-                        </a:spcBef>
-                        <a:spcAft>
-                          <a:spcPct val="0"/>
-                        </a:spcAft>
-                        <a:buClrTx/>
-                        <a:buSzTx/>
-                        <a:buFontTx/>
-                        <a:buNone/>
-                        <a:tabLst/>
-                      </a:pPr>
-                      <a:r>
-                        <a:rPr kumimoji="0" lang="fr-FR" sz="1200" b="1" i="0" u="sng" strike="noStrike" cap="none" normalizeH="0" baseline="0" dirty="0" err="1" smtClean="0">
-                          <a:ln>
-                            <a:noFill/>
-                          </a:ln>
-                          <a:solidFill>
-                            <a:schemeClr val="tx1"/>
-                          </a:solidFill>
-                          <a:effectLst/>
-                          <a:latin typeface="Calibri" pitchFamily="34" charset="0"/>
-                          <a:cs typeface="Arial" charset="0"/>
-                        </a:rPr>
-                        <a:t>Forbbiden</a:t>
-                      </a:r>
-                      <a:r>
-                        <a:rPr kumimoji="0" lang="fr-FR" sz="1200" b="1" i="0" u="sng" strike="noStrike" cap="none" normalizeH="0" baseline="0" dirty="0" smtClean="0">
-                          <a:ln>
-                            <a:noFill/>
-                          </a:ln>
-                          <a:solidFill>
-                            <a:schemeClr val="tx1"/>
-                          </a:solidFill>
-                          <a:effectLst/>
-                          <a:latin typeface="Calibri" pitchFamily="34" charset="0"/>
-                          <a:cs typeface="Arial" charset="0"/>
-                        </a:rPr>
-                        <a:t> Zones</a:t>
-                      </a:r>
-                    </a:p>
-                    <a:p>
-                      <a:pPr marL="0" marR="0" lvl="0" indent="0" algn="l" defTabSz="914400" rtl="0" eaLnBrk="1" fontAlgn="base" latinLnBrk="0" hangingPunct="1">
-                        <a:lnSpc>
-                          <a:spcPct val="100000"/>
-                        </a:lnSpc>
-                        <a:spcBef>
-                          <a:spcPct val="0"/>
-                        </a:spcBef>
-                        <a:spcAft>
-                          <a:spcPct val="0"/>
-                        </a:spcAft>
-                        <a:buClrTx/>
-                        <a:buSzTx/>
-                        <a:buFontTx/>
-                        <a:buNone/>
-                        <a:tabLst/>
-                      </a:pPr>
-                      <a:r>
-                        <a:rPr kumimoji="0" lang="fr-FR" sz="900" b="0" i="0" u="none" strike="noStrike" cap="none" normalizeH="0" baseline="0" dirty="0" smtClean="0">
-                          <a:ln>
-                            <a:noFill/>
-                          </a:ln>
-                          <a:solidFill>
-                            <a:srgbClr val="000000"/>
-                          </a:solidFill>
-                          <a:effectLst/>
-                          <a:latin typeface="Calibri" pitchFamily="34" charset="0"/>
-                          <a:cs typeface="Arial" charset="0"/>
-                        </a:rPr>
-                        <a:t>8 -</a:t>
-                      </a:r>
-                    </a:p>
-                    <a:p>
-                      <a:pPr marL="0" marR="0" lvl="0" indent="0" algn="l" defTabSz="914400" rtl="0" eaLnBrk="1" fontAlgn="base" latinLnBrk="0" hangingPunct="1">
-                        <a:lnSpc>
-                          <a:spcPct val="100000"/>
-                        </a:lnSpc>
-                        <a:spcBef>
-                          <a:spcPct val="0"/>
-                        </a:spcBef>
-                        <a:spcAft>
-                          <a:spcPct val="0"/>
-                        </a:spcAft>
-                        <a:buClrTx/>
-                        <a:buSzTx/>
-                        <a:buFontTx/>
-                        <a:buNone/>
-                        <a:tabLst/>
-                      </a:pPr>
-                      <a:r>
-                        <a:rPr kumimoji="0" lang="fr-FR" sz="900" b="0" i="0" u="none" strike="noStrike" cap="none" normalizeH="0" baseline="0" dirty="0" smtClean="0">
-                          <a:ln>
-                            <a:noFill/>
-                          </a:ln>
-                          <a:solidFill>
-                            <a:srgbClr val="000000"/>
-                          </a:solidFill>
-                          <a:effectLst/>
-                          <a:latin typeface="Calibri" pitchFamily="34" charset="0"/>
-                          <a:cs typeface="Arial" charset="0"/>
-                        </a:rPr>
-                        <a:t>9 -</a:t>
-                      </a:r>
-                    </a:p>
-                    <a:p>
-                      <a:pPr marL="0" marR="0" lvl="0" indent="0" algn="l" defTabSz="914400" rtl="0" eaLnBrk="1" fontAlgn="base" latinLnBrk="0" hangingPunct="1">
-                        <a:lnSpc>
-                          <a:spcPct val="100000"/>
-                        </a:lnSpc>
-                        <a:spcBef>
-                          <a:spcPct val="0"/>
-                        </a:spcBef>
-                        <a:spcAft>
-                          <a:spcPct val="0"/>
-                        </a:spcAft>
-                        <a:buClrTx/>
-                        <a:buSzTx/>
-                        <a:buFontTx/>
-                        <a:buNone/>
-                        <a:tabLst/>
-                      </a:pPr>
-                      <a:r>
-                        <a:rPr kumimoji="0" lang="fr-FR" sz="900" b="0" i="0" u="none" strike="noStrike" cap="none" normalizeH="0" baseline="0" dirty="0" smtClean="0">
-                          <a:ln>
-                            <a:noFill/>
-                          </a:ln>
-                          <a:solidFill>
-                            <a:srgbClr val="000000"/>
-                          </a:solidFill>
-                          <a:effectLst/>
-                          <a:latin typeface="Calibri" pitchFamily="34" charset="0"/>
-                          <a:cs typeface="Arial" charset="0"/>
-                        </a:rPr>
-                        <a:t>10 - </a:t>
-                      </a:r>
-                    </a:p>
-                    <a:p>
-                      <a:pPr marL="0" marR="0" lvl="0" indent="0" algn="l" defTabSz="914400" rtl="0" eaLnBrk="1" fontAlgn="base" latinLnBrk="0" hangingPunct="1">
-                        <a:lnSpc>
-                          <a:spcPct val="100000"/>
-                        </a:lnSpc>
-                        <a:spcBef>
-                          <a:spcPct val="0"/>
-                        </a:spcBef>
-                        <a:spcAft>
-                          <a:spcPct val="0"/>
-                        </a:spcAft>
-                        <a:buClrTx/>
-                        <a:buSzTx/>
-                        <a:buFontTx/>
-                        <a:buNone/>
-                        <a:tabLst/>
-                      </a:pPr>
-                      <a:r>
-                        <a:rPr kumimoji="0" lang="fr-FR" sz="900" b="0" i="0" u="none" strike="noStrike" cap="none" normalizeH="0" baseline="0" dirty="0" smtClean="0">
-                          <a:ln>
-                            <a:noFill/>
-                          </a:ln>
-                          <a:solidFill>
-                            <a:srgbClr val="000000"/>
-                          </a:solidFill>
-                          <a:effectLst/>
-                          <a:latin typeface="Calibri" pitchFamily="34" charset="0"/>
-                          <a:cs typeface="Arial" charset="0"/>
-                        </a:rPr>
-                        <a:t>11 -</a:t>
-                      </a:r>
-                    </a:p>
-                    <a:p>
-                      <a:pPr marL="0" marR="0" lvl="0" indent="0" algn="l" defTabSz="914400" rtl="0" eaLnBrk="1" fontAlgn="base" latinLnBrk="0" hangingPunct="1">
-                        <a:lnSpc>
-                          <a:spcPct val="100000"/>
-                        </a:lnSpc>
-                        <a:spcBef>
-                          <a:spcPct val="0"/>
-                        </a:spcBef>
-                        <a:spcAft>
-                          <a:spcPct val="0"/>
-                        </a:spcAft>
-                        <a:buClrTx/>
-                        <a:buSzTx/>
-                        <a:buFontTx/>
-                        <a:buNone/>
-                        <a:tabLst/>
-                      </a:pPr>
-                      <a:r>
-                        <a:rPr kumimoji="0" lang="fr-FR" sz="900" b="0" i="0" u="none" strike="noStrike" cap="none" normalizeH="0" baseline="0" dirty="0" smtClean="0">
-                          <a:ln>
-                            <a:noFill/>
-                          </a:ln>
-                          <a:solidFill>
-                            <a:srgbClr val="000000"/>
-                          </a:solidFill>
-                          <a:effectLst/>
-                          <a:latin typeface="Calibri" pitchFamily="34" charset="0"/>
-                          <a:cs typeface="Arial" charset="0"/>
-                        </a:rPr>
-                        <a:t>12 -</a:t>
-                      </a:r>
-                    </a:p>
-                    <a:p>
-                      <a:pPr marL="0" marR="0" lvl="0" indent="0" algn="l" defTabSz="914400" rtl="0" eaLnBrk="1" fontAlgn="base" latinLnBrk="0" hangingPunct="1">
-                        <a:lnSpc>
-                          <a:spcPct val="100000"/>
-                        </a:lnSpc>
-                        <a:spcBef>
-                          <a:spcPct val="0"/>
-                        </a:spcBef>
-                        <a:spcAft>
-                          <a:spcPct val="0"/>
-                        </a:spcAft>
-                        <a:buClrTx/>
-                        <a:buSzTx/>
-                        <a:buFontTx/>
-                        <a:buNone/>
-                        <a:tabLst/>
-                      </a:pPr>
-                      <a:r>
-                        <a:rPr kumimoji="0" lang="fr-FR" sz="900" b="0" i="0" u="none" strike="noStrike" cap="none" normalizeH="0" baseline="0" dirty="0" smtClean="0">
-                          <a:ln>
-                            <a:noFill/>
-                          </a:ln>
-                          <a:solidFill>
-                            <a:srgbClr val="000000"/>
-                          </a:solidFill>
-                          <a:effectLst/>
-                          <a:latin typeface="Calibri" pitchFamily="34" charset="0"/>
-                          <a:cs typeface="Arial" charset="0"/>
-                        </a:rPr>
-                        <a:t>13 -</a:t>
-                      </a:r>
-                    </a:p>
-                    <a:p>
-                      <a:pPr marL="0" marR="0" lvl="0" indent="0" algn="l" defTabSz="914400" rtl="0" eaLnBrk="1" fontAlgn="base" latinLnBrk="0" hangingPunct="1">
-                        <a:lnSpc>
-                          <a:spcPct val="100000"/>
-                        </a:lnSpc>
-                        <a:spcBef>
-                          <a:spcPct val="0"/>
-                        </a:spcBef>
-                        <a:spcAft>
-                          <a:spcPct val="0"/>
-                        </a:spcAft>
-                        <a:buClrTx/>
-                        <a:buSzTx/>
-                        <a:buFontTx/>
-                        <a:buNone/>
-                        <a:tabLst/>
-                      </a:pPr>
-                      <a:r>
-                        <a:rPr kumimoji="0" lang="fr-FR" sz="900" b="0" i="0" u="none" strike="noStrike" cap="none" normalizeH="0" baseline="0" dirty="0" smtClean="0">
-                          <a:ln>
-                            <a:noFill/>
-                          </a:ln>
-                          <a:solidFill>
-                            <a:srgbClr val="000000"/>
-                          </a:solidFill>
-                          <a:effectLst/>
-                          <a:latin typeface="Calibri" pitchFamily="34" charset="0"/>
-                          <a:cs typeface="Arial" charset="0"/>
-                        </a:rPr>
-                        <a:t>14 -</a:t>
-                      </a:r>
-                    </a:p>
-                    <a:p>
-                      <a:pPr marL="0" marR="0" lvl="0" indent="0" algn="l" defTabSz="914400" rtl="0" eaLnBrk="1" fontAlgn="base" latinLnBrk="0" hangingPunct="1">
-                        <a:lnSpc>
-                          <a:spcPct val="100000"/>
-                        </a:lnSpc>
-                        <a:spcBef>
-                          <a:spcPct val="0"/>
-                        </a:spcBef>
-                        <a:spcAft>
-                          <a:spcPct val="0"/>
-                        </a:spcAft>
-                        <a:buClrTx/>
-                        <a:buSzTx/>
-                        <a:buFontTx/>
-                        <a:buNone/>
-                        <a:tabLst/>
-                      </a:pPr>
-                      <a:r>
-                        <a:rPr kumimoji="0" lang="fr-FR" sz="900" b="0" i="0" u="none" strike="noStrike" cap="none" normalizeH="0" baseline="0" dirty="0" smtClean="0">
-                          <a:ln>
-                            <a:noFill/>
-                          </a:ln>
-                          <a:solidFill>
-                            <a:srgbClr val="000000"/>
-                          </a:solidFill>
-                          <a:effectLst/>
-                          <a:latin typeface="Calibri" pitchFamily="34" charset="0"/>
-                          <a:cs typeface="Arial" charset="0"/>
-                        </a:rPr>
-                        <a:t>15 -</a:t>
-                      </a:r>
-                      <a:endParaRPr kumimoji="0" lang="fr-FR" sz="1200" b="1" i="0" u="sng" strike="noStrike" cap="none" normalizeH="0" baseline="0" dirty="0" smtClean="0">
-                        <a:ln>
-                          <a:noFill/>
-                        </a:ln>
-                        <a:solidFill>
-                          <a:schemeClr val="tx1"/>
-                        </a:solidFill>
-                        <a:effectLst/>
-                        <a:latin typeface="Calibri" pitchFamily="34" charset="0"/>
-                        <a:cs typeface="Arial" charset="0"/>
-                      </a:endParaRPr>
-                    </a:p>
-                  </a:txBody>
-                  <a:tcPr horzOverflow="overflow">
-                    <a:lnL w="12700" cap="flat" cmpd="sng" algn="ctr">
-                      <a:solidFill>
-                        <a:schemeClr val="tx1"/>
-                      </a:solidFill>
-                      <a:prstDash val="solid"/>
-                      <a:round/>
-                      <a:headEnd type="none" w="med" len="med"/>
-                      <a:tailEnd type="none" w="med" len="med"/>
-                    </a:lnL>
-                    <a:lnR w="12700" cap="flat" cmpd="sng" algn="ctr">
-                      <a:solidFill>
-                        <a:schemeClr val="tx1"/>
-                      </a:solidFill>
-                      <a:prstDash val="solid"/>
-                      <a:round/>
-                      <a:headEnd type="none" w="med" len="med"/>
-                      <a:tailEnd type="none" w="med" len="med"/>
-                    </a:lnR>
-                    <a:lnT w="12700" cap="flat" cmpd="sng" algn="ctr">
-                      <a:solidFill>
-                        <a:schemeClr val="tx1"/>
-                      </a:solidFill>
-                      <a:prstDash val="solid"/>
-                      <a:round/>
-                      <a:headEnd type="none" w="med" len="med"/>
-                      <a:tailEnd type="none" w="med" len="med"/>
-                    </a:lnT>
-                    <a:lnB w="12700" cap="flat" cmpd="sng" algn="ctr">
-                      <a:solidFill>
-                        <a:schemeClr val="tx1"/>
-                      </a:solidFill>
-                      <a:prstDash val="solid"/>
-                      <a:round/>
-                      <a:headEnd type="none" w="med" len="med"/>
-                      <a:tailEnd type="none" w="med" len="med"/>
-                    </a:lnB>
-                    <a:lnTlToBr>
-                      <a:noFill/>
-                    </a:lnTlToBr>
-                    <a:lnBlToTr>
-                      <a:noFill/>
-                    </a:lnBlToTr>
-                    <a:noFill/>
-                  </a:tcPr>
-                </a:tc>
-                <a:tc>
-                  <a:txBody>
-                    <a:bodyPr/>
-                    <a:lstStyle/>
-                    <a:p>
-                      <a:pPr marL="0" marR="0" lvl="0" indent="0" algn="ctr" defTabSz="914400" rtl="0" eaLnBrk="1" fontAlgn="base" latinLnBrk="0" hangingPunct="1">
-                        <a:lnSpc>
-                          <a:spcPct val="100000"/>
-                        </a:lnSpc>
-                        <a:spcBef>
-                          <a:spcPct val="0"/>
-                        </a:spcBef>
-                        <a:spcAft>
-                          <a:spcPct val="0"/>
-                        </a:spcAft>
-                        <a:buClrTx/>
-                        <a:buSzTx/>
-                        <a:buFontTx/>
-                        <a:buNone/>
-                        <a:tabLst/>
-                      </a:pPr>
-                      <a:r>
-                        <a:rPr kumimoji="0" lang="fr-FR" sz="1200" b="1" i="0" u="sng" strike="noStrike" cap="none" normalizeH="0" baseline="0" dirty="0" smtClean="0">
-                          <a:ln>
-                            <a:noFill/>
-                          </a:ln>
-                          <a:solidFill>
-                            <a:schemeClr val="tx1"/>
-                          </a:solidFill>
-                          <a:effectLst/>
-                          <a:latin typeface="Calibri" pitchFamily="34" charset="0"/>
-                          <a:cs typeface="Arial" charset="0"/>
-                        </a:rPr>
-                        <a:t>Not </a:t>
-                      </a:r>
-                      <a:r>
-                        <a:rPr kumimoji="0" lang="fr-FR" sz="1200" b="1" i="0" u="sng" strike="noStrike" cap="none" normalizeH="0" baseline="0" dirty="0" err="1" smtClean="0">
-                          <a:ln>
-                            <a:noFill/>
-                          </a:ln>
-                          <a:solidFill>
-                            <a:schemeClr val="tx1"/>
-                          </a:solidFill>
-                          <a:effectLst/>
-                          <a:latin typeface="Calibri" pitchFamily="34" charset="0"/>
-                          <a:cs typeface="Arial" charset="0"/>
-                        </a:rPr>
-                        <a:t>Used</a:t>
-                      </a:r>
-                      <a:endParaRPr kumimoji="0" lang="fr-FR" sz="1200" b="1" i="0" u="sng" strike="noStrike" cap="none" normalizeH="0" baseline="0" dirty="0" smtClean="0">
-                        <a:ln>
-                          <a:noFill/>
-                        </a:ln>
-                        <a:solidFill>
-                          <a:schemeClr val="tx1"/>
-                        </a:solidFill>
-                        <a:effectLst/>
-                        <a:latin typeface="Calibri" pitchFamily="34" charset="0"/>
-                        <a:cs typeface="Arial" charset="0"/>
-                      </a:endParaRPr>
-                    </a:p>
-                    <a:p>
-                      <a:pPr marL="0" marR="0" lvl="0" indent="0" algn="l" defTabSz="914400" rtl="0" eaLnBrk="1" fontAlgn="base" latinLnBrk="0" hangingPunct="1">
-                        <a:lnSpc>
-                          <a:spcPct val="100000"/>
-                        </a:lnSpc>
-                        <a:spcBef>
-                          <a:spcPct val="0"/>
-                        </a:spcBef>
-                        <a:spcAft>
-                          <a:spcPct val="0"/>
-                        </a:spcAft>
-                        <a:buClrTx/>
-                        <a:buSzTx/>
-                        <a:buFontTx/>
-                        <a:buNone/>
-                        <a:tabLst/>
-                      </a:pPr>
-                      <a:r>
-                        <a:rPr kumimoji="0" lang="fr-FR" sz="900" b="0" i="0" u="none" strike="noStrike" cap="none" normalizeH="0" baseline="0" dirty="0" smtClean="0">
-                          <a:ln>
-                            <a:noFill/>
-                          </a:ln>
-                          <a:solidFill>
-                            <a:srgbClr val="000000"/>
-                          </a:solidFill>
-                          <a:effectLst/>
-                          <a:latin typeface="Calibri" pitchFamily="34" charset="0"/>
-                          <a:cs typeface="Arial" charset="0"/>
-                        </a:rPr>
-                        <a:t>16 -</a:t>
-                      </a:r>
-                    </a:p>
-                    <a:p>
-                      <a:pPr marL="0" marR="0" lvl="0" indent="0" algn="l" defTabSz="914400" rtl="0" eaLnBrk="1" fontAlgn="base" latinLnBrk="0" hangingPunct="1">
-                        <a:lnSpc>
-                          <a:spcPct val="100000"/>
-                        </a:lnSpc>
-                        <a:spcBef>
-                          <a:spcPct val="0"/>
-                        </a:spcBef>
-                        <a:spcAft>
-                          <a:spcPct val="0"/>
-                        </a:spcAft>
-                        <a:buClrTx/>
-                        <a:buSzTx/>
-                        <a:buFontTx/>
-                        <a:buNone/>
-                        <a:tabLst/>
-                      </a:pPr>
-                      <a:r>
-                        <a:rPr kumimoji="0" lang="fr-FR" sz="900" b="0" i="0" u="none" strike="noStrike" cap="none" normalizeH="0" baseline="0" dirty="0" smtClean="0">
-                          <a:ln>
-                            <a:noFill/>
-                          </a:ln>
-                          <a:solidFill>
-                            <a:srgbClr val="000000"/>
-                          </a:solidFill>
-                          <a:effectLst/>
-                          <a:latin typeface="Calibri" pitchFamily="34" charset="0"/>
-                          <a:cs typeface="Arial" charset="0"/>
-                        </a:rPr>
-                        <a:t>17 -</a:t>
-                      </a:r>
-                    </a:p>
-                    <a:p>
-                      <a:pPr marL="0" marR="0" lvl="0" indent="0" algn="l" defTabSz="914400" rtl="0" eaLnBrk="1" fontAlgn="base" latinLnBrk="0" hangingPunct="1">
-                        <a:lnSpc>
-                          <a:spcPct val="100000"/>
-                        </a:lnSpc>
-                        <a:spcBef>
-                          <a:spcPct val="0"/>
-                        </a:spcBef>
-                        <a:spcAft>
-                          <a:spcPct val="0"/>
-                        </a:spcAft>
-                        <a:buClrTx/>
-                        <a:buSzTx/>
-                        <a:buFontTx/>
-                        <a:buNone/>
-                        <a:tabLst/>
-                      </a:pPr>
-                      <a:r>
-                        <a:rPr kumimoji="0" lang="fr-FR" sz="900" b="0" i="0" u="none" strike="noStrike" cap="none" normalizeH="0" baseline="0" dirty="0" smtClean="0">
-                          <a:ln>
-                            <a:noFill/>
-                          </a:ln>
-                          <a:solidFill>
-                            <a:srgbClr val="000000"/>
-                          </a:solidFill>
-                          <a:effectLst/>
-                          <a:latin typeface="Calibri" pitchFamily="34" charset="0"/>
-                          <a:cs typeface="Arial" charset="0"/>
-                        </a:rPr>
-                        <a:t>18 -</a:t>
-                      </a:r>
-                    </a:p>
-                    <a:p>
-                      <a:pPr marL="0" marR="0" lvl="0" indent="0" algn="l" defTabSz="914400" rtl="0" eaLnBrk="1" fontAlgn="base" latinLnBrk="0" hangingPunct="1">
-                        <a:lnSpc>
-                          <a:spcPct val="100000"/>
-                        </a:lnSpc>
-                        <a:spcBef>
-                          <a:spcPct val="0"/>
-                        </a:spcBef>
-                        <a:spcAft>
-                          <a:spcPct val="0"/>
-                        </a:spcAft>
-                        <a:buClrTx/>
-                        <a:buSzTx/>
-                        <a:buFontTx/>
-                        <a:buNone/>
-                        <a:tabLst/>
-                      </a:pPr>
-                      <a:r>
-                        <a:rPr kumimoji="0" lang="fr-FR" sz="900" b="0" i="0" u="none" strike="noStrike" cap="none" normalizeH="0" baseline="0" dirty="0" smtClean="0">
-                          <a:ln>
-                            <a:noFill/>
-                          </a:ln>
-                          <a:solidFill>
-                            <a:srgbClr val="000000"/>
-                          </a:solidFill>
-                          <a:effectLst/>
-                          <a:latin typeface="Calibri" pitchFamily="34" charset="0"/>
-                          <a:cs typeface="Arial" charset="0"/>
-                        </a:rPr>
-                        <a:t>19 -</a:t>
-                      </a:r>
-                    </a:p>
-                    <a:p>
-                      <a:pPr marL="0" marR="0" lvl="0" indent="0" algn="l" defTabSz="914400" rtl="0" eaLnBrk="1" fontAlgn="base" latinLnBrk="0" hangingPunct="1">
-                        <a:lnSpc>
-                          <a:spcPct val="100000"/>
-                        </a:lnSpc>
-                        <a:spcBef>
-                          <a:spcPct val="0"/>
-                        </a:spcBef>
-                        <a:spcAft>
-                          <a:spcPct val="0"/>
-                        </a:spcAft>
-                        <a:buClrTx/>
-                        <a:buSzTx/>
-                        <a:buFontTx/>
-                        <a:buNone/>
-                        <a:tabLst/>
-                      </a:pPr>
-                      <a:r>
-                        <a:rPr kumimoji="0" lang="fr-FR" sz="900" b="0" i="0" u="none" strike="noStrike" cap="none" normalizeH="0" baseline="0" dirty="0" smtClean="0">
-                          <a:ln>
-                            <a:noFill/>
-                          </a:ln>
-                          <a:solidFill>
-                            <a:srgbClr val="000000"/>
-                          </a:solidFill>
-                          <a:effectLst/>
-                          <a:latin typeface="Calibri" pitchFamily="34" charset="0"/>
-                          <a:cs typeface="Arial" charset="0"/>
-                        </a:rPr>
-                        <a:t>20 -</a:t>
-                      </a:r>
-                    </a:p>
-                    <a:p>
-                      <a:pPr marL="0" marR="0" lvl="0" indent="0" algn="l" defTabSz="914400" rtl="0" eaLnBrk="1" fontAlgn="base" latinLnBrk="0" hangingPunct="1">
-                        <a:lnSpc>
-                          <a:spcPct val="100000"/>
-                        </a:lnSpc>
-                        <a:spcBef>
-                          <a:spcPct val="0"/>
-                        </a:spcBef>
-                        <a:spcAft>
-                          <a:spcPct val="0"/>
-                        </a:spcAft>
-                        <a:buClrTx/>
-                        <a:buSzTx/>
-                        <a:buFontTx/>
-                        <a:buNone/>
-                        <a:tabLst/>
-                      </a:pPr>
-                      <a:r>
-                        <a:rPr kumimoji="0" lang="fr-FR" sz="900" b="0" i="0" u="none" strike="noStrike" cap="none" normalizeH="0" baseline="0" dirty="0" smtClean="0">
-                          <a:ln>
-                            <a:noFill/>
-                          </a:ln>
-                          <a:solidFill>
-                            <a:srgbClr val="000000"/>
-                          </a:solidFill>
-                          <a:effectLst/>
-                          <a:latin typeface="Calibri" pitchFamily="34" charset="0"/>
-                          <a:cs typeface="Arial" charset="0"/>
-                        </a:rPr>
-                        <a:t>21 -</a:t>
-                      </a:r>
-                    </a:p>
-                    <a:p>
-                      <a:pPr marL="0" marR="0" lvl="0" indent="0" algn="l" defTabSz="914400" rtl="0" eaLnBrk="1" fontAlgn="base" latinLnBrk="0" hangingPunct="1">
-                        <a:lnSpc>
-                          <a:spcPct val="100000"/>
-                        </a:lnSpc>
-                        <a:spcBef>
-                          <a:spcPct val="0"/>
-                        </a:spcBef>
-                        <a:spcAft>
-                          <a:spcPct val="0"/>
-                        </a:spcAft>
-                        <a:buClrTx/>
-                        <a:buSzTx/>
-                        <a:buFontTx/>
-                        <a:buNone/>
-                        <a:tabLst/>
-                      </a:pPr>
-                      <a:r>
-                        <a:rPr kumimoji="0" lang="fr-FR" sz="900" b="0" i="0" u="none" strike="noStrike" cap="none" normalizeH="0" baseline="0" dirty="0" smtClean="0">
-                          <a:ln>
-                            <a:noFill/>
-                          </a:ln>
-                          <a:solidFill>
-                            <a:srgbClr val="000000"/>
-                          </a:solidFill>
-                          <a:effectLst/>
-                          <a:latin typeface="Calibri" pitchFamily="34" charset="0"/>
-                          <a:cs typeface="Arial" charset="0"/>
-                        </a:rPr>
-                        <a:t>22 -</a:t>
-                      </a:r>
-                    </a:p>
-                    <a:p>
-                      <a:pPr marL="0" marR="0" lvl="0" indent="0" algn="l" defTabSz="914400" rtl="0" eaLnBrk="1" fontAlgn="base" latinLnBrk="0" hangingPunct="1">
-                        <a:lnSpc>
-                          <a:spcPct val="100000"/>
-                        </a:lnSpc>
-                        <a:spcBef>
-                          <a:spcPct val="0"/>
-                        </a:spcBef>
-                        <a:spcAft>
-                          <a:spcPct val="0"/>
-                        </a:spcAft>
-                        <a:buClrTx/>
-                        <a:buSzTx/>
-                        <a:buFontTx/>
-                        <a:buNone/>
-                        <a:tabLst/>
-                      </a:pPr>
-                      <a:r>
-                        <a:rPr kumimoji="0" lang="fr-FR" sz="900" b="0" i="0" u="none" strike="noStrike" cap="none" normalizeH="0" baseline="0" dirty="0" smtClean="0">
-                          <a:ln>
-                            <a:noFill/>
-                          </a:ln>
-                          <a:solidFill>
-                            <a:srgbClr val="000000"/>
-                          </a:solidFill>
-                          <a:effectLst/>
-                          <a:latin typeface="Calibri" pitchFamily="34" charset="0"/>
-                          <a:cs typeface="Arial" charset="0"/>
-                        </a:rPr>
-                        <a:t>23 -</a:t>
-                      </a:r>
-                      <a:endParaRPr kumimoji="0" lang="fr-FR" sz="900" b="1" i="0" u="sng" strike="noStrike" cap="none" normalizeH="0" baseline="0" dirty="0" smtClean="0">
-                        <a:ln>
-                          <a:noFill/>
-                        </a:ln>
-                        <a:solidFill>
-                          <a:schemeClr val="tx1"/>
-                        </a:solidFill>
-                        <a:effectLst/>
-                        <a:latin typeface="Calibri" pitchFamily="34" charset="0"/>
-                        <a:cs typeface="Arial" charset="0"/>
-                      </a:endParaRPr>
-                    </a:p>
-                  </a:txBody>
-                  <a:tcPr horzOverflow="overflow">
-                    <a:lnL w="12700" cap="flat" cmpd="sng" algn="ctr">
-                      <a:solidFill>
-                        <a:schemeClr val="tx1"/>
-                      </a:solidFill>
-                      <a:prstDash val="solid"/>
-                      <a:round/>
-                      <a:headEnd type="none" w="med" len="med"/>
-                      <a:tailEnd type="none" w="med" len="med"/>
-                    </a:lnL>
-                    <a:lnR w="12700" cap="flat" cmpd="sng" algn="ctr">
-                      <a:solidFill>
-                        <a:schemeClr val="tx1"/>
-                      </a:solidFill>
-                      <a:prstDash val="solid"/>
-                      <a:round/>
-                      <a:headEnd type="none" w="med" len="med"/>
-                      <a:tailEnd type="none" w="med" len="med"/>
-                    </a:lnR>
-                    <a:lnT w="12700" cap="flat" cmpd="sng" algn="ctr">
-                      <a:solidFill>
-                        <a:schemeClr val="tx1"/>
-                      </a:solidFill>
-                      <a:prstDash val="solid"/>
-                      <a:round/>
-                      <a:headEnd type="none" w="med" len="med"/>
-                      <a:tailEnd type="none" w="med" len="med"/>
-                    </a:lnT>
-                    <a:lnB w="12700" cap="flat" cmpd="sng" algn="ctr">
-                      <a:solidFill>
-                        <a:schemeClr val="tx1"/>
-                      </a:solidFill>
-                      <a:prstDash val="solid"/>
-                      <a:round/>
-                      <a:headEnd type="none" w="med" len="med"/>
-                      <a:tailEnd type="none" w="med" len="med"/>
-                    </a:lnB>
-                    <a:lnTlToBr>
-                      <a:noFill/>
-                    </a:lnTlToBr>
-                    <a:lnBlToTr>
-                      <a:noFill/>
-                    </a:lnBlToTr>
-                    <a:noFill/>
-                  </a:tcPr>
-                </a:tc>
-                <a:tc>
-                  <a:txBody>
-                    <a:bodyPr/>
-                    <a:lstStyle/>
-                    <a:p>
-                      <a:pPr marL="0" marR="0" lvl="0" indent="0" algn="ctr" defTabSz="914400" rtl="0" eaLnBrk="1" fontAlgn="base" latinLnBrk="0" hangingPunct="1">
-                        <a:lnSpc>
-                          <a:spcPct val="100000"/>
-                        </a:lnSpc>
-                        <a:spcBef>
-                          <a:spcPct val="0"/>
-                        </a:spcBef>
-                        <a:spcAft>
-                          <a:spcPct val="0"/>
-                        </a:spcAft>
-                        <a:buClrTx/>
-                        <a:buSzTx/>
-                        <a:buFontTx/>
-                        <a:buNone/>
-                        <a:tabLst/>
-                      </a:pPr>
-                      <a:r>
-                        <a:rPr kumimoji="0" lang="fr-FR" sz="1200" b="1" i="0" u="sng" strike="noStrike" cap="none" normalizeH="0" baseline="0" dirty="0" smtClean="0">
-                          <a:ln>
-                            <a:noFill/>
-                          </a:ln>
-                          <a:solidFill>
-                            <a:schemeClr val="tx1"/>
-                          </a:solidFill>
-                          <a:effectLst/>
-                          <a:latin typeface="Calibri" pitchFamily="34" charset="0"/>
-                          <a:cs typeface="Arial" charset="0"/>
-                        </a:rPr>
-                        <a:t>Not </a:t>
-                      </a:r>
-                      <a:r>
-                        <a:rPr kumimoji="0" lang="fr-FR" sz="1200" b="1" i="0" u="sng" strike="noStrike" cap="none" normalizeH="0" baseline="0" dirty="0" err="1" smtClean="0">
-                          <a:ln>
-                            <a:noFill/>
-                          </a:ln>
-                          <a:solidFill>
-                            <a:schemeClr val="tx1"/>
-                          </a:solidFill>
-                          <a:effectLst/>
-                          <a:latin typeface="Calibri" pitchFamily="34" charset="0"/>
-                          <a:cs typeface="Arial" charset="0"/>
-                        </a:rPr>
-                        <a:t>Used</a:t>
-                      </a:r>
-                      <a:endParaRPr kumimoji="0" lang="fr-FR" sz="1200" b="1" i="0" u="sng" strike="noStrike" cap="none" normalizeH="0" baseline="0" dirty="0" smtClean="0">
-                        <a:ln>
-                          <a:noFill/>
-                        </a:ln>
-                        <a:solidFill>
-                          <a:schemeClr val="tx1"/>
-                        </a:solidFill>
-                        <a:effectLst/>
-                        <a:latin typeface="Calibri" pitchFamily="34" charset="0"/>
-                        <a:cs typeface="Arial" charset="0"/>
-                      </a:endParaRPr>
-                    </a:p>
-                    <a:p>
-                      <a:pPr marL="0" marR="0" lvl="0" indent="0" algn="l" defTabSz="914400" rtl="0" eaLnBrk="1" fontAlgn="base" latinLnBrk="0" hangingPunct="1">
-                        <a:lnSpc>
-                          <a:spcPct val="100000"/>
-                        </a:lnSpc>
-                        <a:spcBef>
-                          <a:spcPct val="0"/>
-                        </a:spcBef>
-                        <a:spcAft>
-                          <a:spcPct val="0"/>
-                        </a:spcAft>
-                        <a:buClrTx/>
-                        <a:buSzTx/>
-                        <a:buFontTx/>
-                        <a:buNone/>
-                        <a:tabLst/>
-                      </a:pPr>
-                      <a:r>
-                        <a:rPr kumimoji="0" lang="fr-FR" sz="900" b="0" i="0" u="none" strike="noStrike" cap="none" normalizeH="0" baseline="0" dirty="0" smtClean="0">
-                          <a:ln>
-                            <a:noFill/>
-                          </a:ln>
-                          <a:solidFill>
-                            <a:srgbClr val="000000"/>
-                          </a:solidFill>
-                          <a:effectLst/>
-                          <a:latin typeface="Calibri" pitchFamily="34" charset="0"/>
-                          <a:cs typeface="Arial" charset="0"/>
-                        </a:rPr>
-                        <a:t>24 -</a:t>
-                      </a:r>
-                    </a:p>
-                    <a:p>
-                      <a:pPr marL="0" marR="0" lvl="0" indent="0" algn="l" defTabSz="914400" rtl="0" eaLnBrk="1" fontAlgn="base" latinLnBrk="0" hangingPunct="1">
-                        <a:lnSpc>
-                          <a:spcPct val="100000"/>
-                        </a:lnSpc>
-                        <a:spcBef>
-                          <a:spcPct val="0"/>
-                        </a:spcBef>
-                        <a:spcAft>
-                          <a:spcPct val="0"/>
-                        </a:spcAft>
-                        <a:buClrTx/>
-                        <a:buSzTx/>
-                        <a:buFontTx/>
-                        <a:buNone/>
-                        <a:tabLst/>
-                      </a:pPr>
-                      <a:r>
-                        <a:rPr kumimoji="0" lang="fr-FR" sz="900" b="0" i="0" u="none" strike="noStrike" cap="none" normalizeH="0" baseline="0" dirty="0" smtClean="0">
-                          <a:ln>
-                            <a:noFill/>
-                          </a:ln>
-                          <a:solidFill>
-                            <a:srgbClr val="000000"/>
-                          </a:solidFill>
-                          <a:effectLst/>
-                          <a:latin typeface="Calibri" pitchFamily="34" charset="0"/>
-                          <a:cs typeface="Arial" charset="0"/>
-                        </a:rPr>
-                        <a:t>25 -</a:t>
-                      </a:r>
-                    </a:p>
-                    <a:p>
-                      <a:pPr marL="0" marR="0" lvl="0" indent="0" algn="l" defTabSz="914400" rtl="0" eaLnBrk="1" fontAlgn="base" latinLnBrk="0" hangingPunct="1">
-                        <a:lnSpc>
-                          <a:spcPct val="100000"/>
-                        </a:lnSpc>
-                        <a:spcBef>
-                          <a:spcPct val="0"/>
-                        </a:spcBef>
-                        <a:spcAft>
-                          <a:spcPct val="0"/>
-                        </a:spcAft>
-                        <a:buClrTx/>
-                        <a:buSzTx/>
-                        <a:buFontTx/>
-                        <a:buNone/>
-                        <a:tabLst/>
-                      </a:pPr>
-                      <a:r>
-                        <a:rPr kumimoji="0" lang="fr-FR" sz="900" b="0" i="0" u="none" strike="noStrike" cap="none" normalizeH="0" baseline="0" dirty="0" smtClean="0">
-                          <a:ln>
-                            <a:noFill/>
-                          </a:ln>
-                          <a:solidFill>
-                            <a:srgbClr val="000000"/>
-                          </a:solidFill>
-                          <a:effectLst/>
-                          <a:latin typeface="Calibri" pitchFamily="34" charset="0"/>
-                          <a:cs typeface="Arial" charset="0"/>
-                        </a:rPr>
-                        <a:t>26 -</a:t>
-                      </a:r>
-                    </a:p>
-                    <a:p>
-                      <a:pPr marL="0" marR="0" lvl="0" indent="0" algn="l" defTabSz="914400" rtl="0" eaLnBrk="1" fontAlgn="base" latinLnBrk="0" hangingPunct="1">
-                        <a:lnSpc>
-                          <a:spcPct val="100000"/>
-                        </a:lnSpc>
-                        <a:spcBef>
-                          <a:spcPct val="0"/>
-                        </a:spcBef>
-                        <a:spcAft>
-                          <a:spcPct val="0"/>
-                        </a:spcAft>
-                        <a:buClrTx/>
-                        <a:buSzTx/>
-                        <a:buFontTx/>
-                        <a:buNone/>
-                        <a:tabLst/>
-                      </a:pPr>
-                      <a:r>
-                        <a:rPr kumimoji="0" lang="fr-FR" sz="900" b="0" i="0" u="none" strike="noStrike" cap="none" normalizeH="0" baseline="0" dirty="0" smtClean="0">
-                          <a:ln>
-                            <a:noFill/>
-                          </a:ln>
-                          <a:solidFill>
-                            <a:srgbClr val="000000"/>
-                          </a:solidFill>
-                          <a:effectLst/>
-                          <a:latin typeface="Calibri" pitchFamily="34" charset="0"/>
-                          <a:cs typeface="Arial" charset="0"/>
-                        </a:rPr>
-                        <a:t>27 -</a:t>
-                      </a:r>
-                    </a:p>
-                    <a:p>
-                      <a:pPr marL="0" marR="0" lvl="0" indent="0" algn="l" defTabSz="914400" rtl="0" eaLnBrk="1" fontAlgn="base" latinLnBrk="0" hangingPunct="1">
-                        <a:lnSpc>
-                          <a:spcPct val="100000"/>
-                        </a:lnSpc>
-                        <a:spcBef>
-                          <a:spcPct val="0"/>
-                        </a:spcBef>
-                        <a:spcAft>
-                          <a:spcPct val="0"/>
-                        </a:spcAft>
-                        <a:buClrTx/>
-                        <a:buSzTx/>
-                        <a:buFontTx/>
-                        <a:buNone/>
-                        <a:tabLst/>
-                      </a:pPr>
-                      <a:r>
-                        <a:rPr kumimoji="0" lang="fr-FR" sz="900" b="0" i="0" u="none" strike="noStrike" cap="none" normalizeH="0" baseline="0" dirty="0" smtClean="0">
-                          <a:ln>
-                            <a:noFill/>
-                          </a:ln>
-                          <a:solidFill>
-                            <a:srgbClr val="000000"/>
-                          </a:solidFill>
-                          <a:effectLst/>
-                          <a:latin typeface="Calibri" pitchFamily="34" charset="0"/>
-                          <a:cs typeface="Arial" charset="0"/>
-                        </a:rPr>
-                        <a:t>28 -</a:t>
-                      </a:r>
-                    </a:p>
-                    <a:p>
-                      <a:pPr marL="0" marR="0" lvl="0" indent="0" algn="l" defTabSz="914400" rtl="0" eaLnBrk="1" fontAlgn="base" latinLnBrk="0" hangingPunct="1">
-                        <a:lnSpc>
-                          <a:spcPct val="100000"/>
-                        </a:lnSpc>
-                        <a:spcBef>
-                          <a:spcPct val="0"/>
-                        </a:spcBef>
-                        <a:spcAft>
-                          <a:spcPct val="0"/>
-                        </a:spcAft>
-                        <a:buClrTx/>
-                        <a:buSzTx/>
-                        <a:buFontTx/>
-                        <a:buNone/>
-                        <a:tabLst/>
-                      </a:pPr>
-                      <a:r>
-                        <a:rPr kumimoji="0" lang="fr-FR" sz="900" b="0" i="0" u="none" strike="noStrike" cap="none" normalizeH="0" baseline="0" dirty="0" smtClean="0">
-                          <a:ln>
-                            <a:noFill/>
-                          </a:ln>
-                          <a:solidFill>
-                            <a:srgbClr val="000000"/>
-                          </a:solidFill>
-                          <a:effectLst/>
-                          <a:latin typeface="Calibri" pitchFamily="34" charset="0"/>
-                          <a:cs typeface="Arial" charset="0"/>
-                        </a:rPr>
-                        <a:t>29 -</a:t>
-                      </a:r>
-                    </a:p>
-                    <a:p>
-                      <a:pPr marL="0" marR="0" lvl="0" indent="0" algn="l" defTabSz="914400" rtl="0" eaLnBrk="1" fontAlgn="base" latinLnBrk="0" hangingPunct="1">
-                        <a:lnSpc>
-                          <a:spcPct val="100000"/>
-                        </a:lnSpc>
-                        <a:spcBef>
-                          <a:spcPct val="0"/>
-                        </a:spcBef>
-                        <a:spcAft>
-                          <a:spcPct val="0"/>
-                        </a:spcAft>
-                        <a:buClrTx/>
-                        <a:buSzTx/>
-                        <a:buFontTx/>
-                        <a:buNone/>
-                        <a:tabLst/>
-                      </a:pPr>
-                      <a:r>
-                        <a:rPr kumimoji="0" lang="fr-FR" sz="900" b="0" i="0" u="none" strike="noStrike" cap="none" normalizeH="0" baseline="0" dirty="0" smtClean="0">
-                          <a:ln>
-                            <a:noFill/>
-                          </a:ln>
-                          <a:solidFill>
-                            <a:srgbClr val="000000"/>
-                          </a:solidFill>
-                          <a:effectLst/>
-                          <a:latin typeface="Calibri" pitchFamily="34" charset="0"/>
-                          <a:cs typeface="Arial" charset="0"/>
-                        </a:rPr>
-                        <a:t>30 -</a:t>
-                      </a:r>
-                    </a:p>
-                    <a:p>
-                      <a:pPr marL="0" marR="0" lvl="0" indent="0" algn="l" defTabSz="914400" rtl="0" eaLnBrk="1" fontAlgn="base" latinLnBrk="0" hangingPunct="1">
-                        <a:lnSpc>
-                          <a:spcPct val="100000"/>
-                        </a:lnSpc>
-                        <a:spcBef>
-                          <a:spcPct val="0"/>
-                        </a:spcBef>
-                        <a:spcAft>
-                          <a:spcPct val="0"/>
-                        </a:spcAft>
-                        <a:buClrTx/>
-                        <a:buSzTx/>
-                        <a:buFontTx/>
-                        <a:buNone/>
-                        <a:tabLst/>
-                      </a:pPr>
-                      <a:r>
-                        <a:rPr kumimoji="0" lang="fr-FR" sz="900" b="0" i="0" u="none" strike="noStrike" cap="none" normalizeH="0" baseline="0" dirty="0" smtClean="0">
-                          <a:ln>
-                            <a:noFill/>
-                          </a:ln>
-                          <a:solidFill>
-                            <a:srgbClr val="000000"/>
-                          </a:solidFill>
-                          <a:effectLst/>
-                          <a:latin typeface="Calibri" pitchFamily="34" charset="0"/>
-                          <a:cs typeface="Arial" charset="0"/>
-                        </a:rPr>
-                        <a:t>31 -</a:t>
-                      </a:r>
-                      <a:endParaRPr kumimoji="0" lang="fr-FR" sz="1200" b="1" i="0" u="sng" strike="noStrike" cap="none" normalizeH="0" baseline="0" dirty="0" smtClean="0">
-                        <a:ln>
-                          <a:noFill/>
-                        </a:ln>
-                        <a:solidFill>
-                          <a:schemeClr val="tx1"/>
-                        </a:solidFill>
-                        <a:effectLst/>
-                        <a:latin typeface="Calibri" pitchFamily="34" charset="0"/>
-                        <a:cs typeface="Arial" charset="0"/>
-                      </a:endParaRPr>
-                    </a:p>
-                  </a:txBody>
-                  <a:tcPr horzOverflow="overflow">
-                    <a:lnL w="12700" cap="flat" cmpd="sng" algn="ctr">
-                      <a:solidFill>
-                        <a:schemeClr val="tx1"/>
-                      </a:solidFill>
-                      <a:prstDash val="solid"/>
-                      <a:round/>
-                      <a:headEnd type="none" w="med" len="med"/>
-                      <a:tailEnd type="none" w="med" len="med"/>
-                    </a:lnL>
-                    <a:lnR w="12700" cap="flat" cmpd="sng" algn="ctr">
-                      <a:solidFill>
-                        <a:schemeClr val="tx1"/>
-                      </a:solidFill>
-                      <a:prstDash val="solid"/>
-                      <a:round/>
-                      <a:headEnd type="none" w="med" len="med"/>
-                      <a:tailEnd type="none" w="med" len="med"/>
-                    </a:lnR>
-                    <a:lnT w="12700" cap="flat" cmpd="sng" algn="ctr">
-                      <a:solidFill>
-                        <a:schemeClr val="tx1"/>
-                      </a:solidFill>
-                      <a:prstDash val="solid"/>
-                      <a:round/>
-                      <a:headEnd type="none" w="med" len="med"/>
-                      <a:tailEnd type="none" w="med" len="med"/>
-                    </a:lnT>
-                    <a:lnB w="12700" cap="flat" cmpd="sng" algn="ctr">
-                      <a:solidFill>
-                        <a:schemeClr val="tx1"/>
-                      </a:solidFill>
-                      <a:prstDash val="solid"/>
-                      <a:round/>
-                      <a:headEnd type="none" w="med" len="med"/>
-                      <a:tailEnd type="none" w="med" len="med"/>
-                    </a:lnB>
-                    <a:lnTlToBr>
-                      <a:noFill/>
-                    </a:lnTlToBr>
-                    <a:lnBlToTr>
-                      <a:noFill/>
-                    </a:lnBlToTr>
-                    <a:noFill/>
-                  </a:tcPr>
-                </a:tc>
-              </a:tr>
-            </a:tbl>
-          </a:graphicData>
-        </a:graphic>
-      </p:graphicFrame>
-      <p:graphicFrame>
-        <p:nvGraphicFramePr>
-          <p:cNvPr id="3" name="Group 96"/>
-          <p:cNvGraphicFramePr>
-            <a:graphicFrameLocks noGrp="1"/>
-          </p:cNvGraphicFramePr>
-          <p:nvPr>
-            <p:extLst>
-              <p:ext uri="{D42A27DB-BD31-4B8C-83A1-F6EECF244321}">
-                <p14:modId xmlns:p14="http://schemas.microsoft.com/office/powerpoint/2010/main" val="16262930"/>
-              </p:ext>
-            </p:extLst>
-          </p:nvPr>
-        </p:nvGraphicFramePr>
-        <p:xfrm>
-          <a:off x="1763688" y="2636912"/>
-          <a:ext cx="5759450" cy="1706880"/>
-        </p:xfrm>
-        <a:graphic>
-          <a:graphicData uri="http://schemas.openxmlformats.org/drawingml/2006/table">
-            <a:tbl>
-              <a:tblPr/>
-              <a:tblGrid>
-                <a:gridCol w="1439862"/>
-                <a:gridCol w="1439863"/>
-                <a:gridCol w="1439862"/>
-                <a:gridCol w="1439863"/>
-              </a:tblGrid>
-              <a:tr h="250825">
-                <a:tc gridSpan="4">
-                  <a:txBody>
-                    <a:bodyPr/>
-                    <a:lstStyle/>
-                    <a:p>
-                      <a:pPr marL="0" marR="0" lvl="0" indent="0" algn="ctr" defTabSz="914400" rtl="0" eaLnBrk="1" fontAlgn="base" latinLnBrk="0" hangingPunct="1">
-                        <a:lnSpc>
-                          <a:spcPct val="100000"/>
-                        </a:lnSpc>
-                        <a:spcBef>
-                          <a:spcPct val="0"/>
-                        </a:spcBef>
-                        <a:spcAft>
-                          <a:spcPct val="0"/>
-                        </a:spcAft>
-                        <a:buClrTx/>
-                        <a:buSzTx/>
-                        <a:buFontTx/>
-                        <a:buNone/>
-                        <a:tabLst/>
-                      </a:pPr>
-                      <a:r>
-                        <a:rPr kumimoji="0" lang="fr-FR" sz="1600" b="1" i="0" u="none" strike="noStrike" cap="none" normalizeH="0" baseline="0" dirty="0" smtClean="0">
-                          <a:ln>
-                            <a:noFill/>
-                          </a:ln>
-                          <a:solidFill>
-                            <a:schemeClr val="tx1"/>
-                          </a:solidFill>
-                          <a:effectLst/>
-                          <a:latin typeface="Calibri" pitchFamily="34" charset="0"/>
-                          <a:cs typeface="Arial" charset="0"/>
-                        </a:rPr>
-                        <a:t>App Flags (32 bits)</a:t>
-                      </a:r>
-                    </a:p>
-                  </a:txBody>
-                  <a:tcPr horzOverflow="overflow">
-                    <a:lnL w="12700" cap="flat" cmpd="sng" algn="ctr">
-                      <a:solidFill>
-                        <a:schemeClr val="tx1"/>
-                      </a:solidFill>
-                      <a:prstDash val="solid"/>
-                      <a:round/>
-                      <a:headEnd type="none" w="med" len="med"/>
-                      <a:tailEnd type="none" w="med" len="med"/>
-                    </a:lnL>
-                    <a:lnR w="12700" cap="flat" cmpd="sng" algn="ctr">
-                      <a:solidFill>
-                        <a:schemeClr val="tx1"/>
-                      </a:solidFill>
-                      <a:prstDash val="solid"/>
-                      <a:round/>
-                      <a:headEnd type="none" w="med" len="med"/>
-                      <a:tailEnd type="none" w="med" len="med"/>
-                    </a:lnR>
-                    <a:lnT w="12700" cap="flat" cmpd="sng" algn="ctr">
-                      <a:solidFill>
-                        <a:schemeClr val="tx1"/>
-                      </a:solidFill>
-                      <a:prstDash val="solid"/>
-                      <a:round/>
-                      <a:headEnd type="none" w="med" len="med"/>
-                      <a:tailEnd type="none" w="med" len="med"/>
-                    </a:lnT>
-                    <a:lnB w="12700" cap="flat" cmpd="sng" algn="ctr">
-                      <a:solidFill>
-                        <a:schemeClr val="tx1"/>
-                      </a:solidFill>
-                      <a:prstDash val="solid"/>
-                      <a:round/>
-                      <a:headEnd type="none" w="med" len="med"/>
-                      <a:tailEnd type="none" w="med" len="med"/>
-                    </a:lnB>
-                    <a:lnTlToBr>
-                      <a:noFill/>
-                    </a:lnTlToBr>
-                    <a:lnBlToTr>
-                      <a:noFill/>
-                    </a:lnBlToTr>
-                    <a:gradFill rotWithShape="1">
-                      <a:gsLst>
-                        <a:gs pos="0">
-                          <a:srgbClr val="FF8080"/>
-                        </a:gs>
-                        <a:gs pos="50000">
-                          <a:srgbClr val="FFB3B3"/>
-                        </a:gs>
-                        <a:gs pos="100000">
-                          <a:srgbClr val="FFDADA"/>
-                        </a:gs>
-                      </a:gsLst>
-                      <a:path path="rect">
-                        <a:fillToRect l="50000" t="50000" r="50000" b="50000"/>
-                      </a:path>
-                    </a:gradFill>
-                  </a:tcPr>
-                </a:tc>
-                <a:tc hMerge="1">
-                  <a:txBody>
-                    <a:bodyPr/>
-                    <a:lstStyle/>
-                    <a:p>
-                      <a:endParaRPr lang="fr-FR"/>
-                    </a:p>
-                  </a:txBody>
-                  <a:tcPr/>
-                </a:tc>
-                <a:tc hMerge="1">
-                  <a:txBody>
-                    <a:bodyPr/>
-                    <a:lstStyle/>
-                    <a:p>
-                      <a:endParaRPr lang="fr-FR"/>
-                    </a:p>
-                  </a:txBody>
-                  <a:tcPr/>
-                </a:tc>
-                <a:tc hMerge="1">
-                  <a:txBody>
-                    <a:bodyPr/>
-                    <a:lstStyle/>
-                    <a:p>
-                      <a:endParaRPr lang="fr-FR"/>
-                    </a:p>
-                  </a:txBody>
-                  <a:tcPr/>
-                </a:tc>
-              </a:tr>
-              <a:tr h="1204913">
-                <a:tc>
-                  <a:txBody>
-                    <a:bodyPr/>
-                    <a:lstStyle/>
-                    <a:p>
-                      <a:pPr marL="0" marR="0" lvl="0" indent="0" algn="ctr" defTabSz="914400" rtl="0" eaLnBrk="1" fontAlgn="base" latinLnBrk="0" hangingPunct="1">
-                        <a:lnSpc>
-                          <a:spcPct val="100000"/>
-                        </a:lnSpc>
-                        <a:spcBef>
-                          <a:spcPct val="0"/>
-                        </a:spcBef>
-                        <a:spcAft>
-                          <a:spcPct val="0"/>
-                        </a:spcAft>
-                        <a:buClrTx/>
-                        <a:buSzTx/>
-                        <a:buFontTx/>
-                        <a:buNone/>
-                        <a:tabLst/>
-                      </a:pPr>
-                      <a:r>
-                        <a:rPr kumimoji="0" lang="fr-FR" sz="1200" b="1" i="0" u="sng" strike="noStrike" cap="none" normalizeH="0" baseline="0" dirty="0" smtClean="0">
-                          <a:ln>
-                            <a:noFill/>
-                          </a:ln>
-                          <a:solidFill>
-                            <a:schemeClr val="tx1"/>
-                          </a:solidFill>
-                          <a:effectLst/>
-                          <a:latin typeface="Calibri" pitchFamily="34" charset="0"/>
-                          <a:cs typeface="Arial" charset="0"/>
-                        </a:rPr>
-                        <a:t>State</a:t>
-                      </a:r>
-                    </a:p>
-                    <a:p>
-                      <a:pPr marL="0" marR="0" lvl="0" indent="0" algn="l" defTabSz="914400" rtl="0" eaLnBrk="1" fontAlgn="base" latinLnBrk="0" hangingPunct="1">
-                        <a:lnSpc>
-                          <a:spcPct val="100000"/>
-                        </a:lnSpc>
-                        <a:spcBef>
-                          <a:spcPct val="0"/>
-                        </a:spcBef>
-                        <a:spcAft>
-                          <a:spcPct val="0"/>
-                        </a:spcAft>
-                        <a:buClrTx/>
-                        <a:buSzTx/>
-                        <a:buFontTx/>
-                        <a:buNone/>
-                        <a:tabLst/>
-                      </a:pPr>
-                      <a:r>
-                        <a:rPr kumimoji="0" lang="fr-FR" sz="900" b="0" i="0" u="none" strike="noStrike" cap="none" normalizeH="0" baseline="0" dirty="0" smtClean="0">
-                          <a:ln>
-                            <a:noFill/>
-                          </a:ln>
-                          <a:solidFill>
-                            <a:schemeClr val="tx1"/>
-                          </a:solidFill>
-                          <a:effectLst/>
-                          <a:latin typeface="Calibri" pitchFamily="34" charset="0"/>
-                          <a:cs typeface="Arial" charset="0"/>
-                        </a:rPr>
-                        <a:t>0 - START_BUTTON</a:t>
-                      </a:r>
-                    </a:p>
-                    <a:p>
-                      <a:pPr marL="0" marR="0" lvl="0" indent="0" algn="l" defTabSz="914400" rtl="0" eaLnBrk="1" fontAlgn="base" latinLnBrk="0" hangingPunct="1">
-                        <a:lnSpc>
-                          <a:spcPct val="100000"/>
-                        </a:lnSpc>
-                        <a:spcBef>
-                          <a:spcPct val="0"/>
-                        </a:spcBef>
-                        <a:spcAft>
-                          <a:spcPct val="0"/>
-                        </a:spcAft>
-                        <a:buClrTx/>
-                        <a:buSzTx/>
-                        <a:buFontTx/>
-                        <a:buNone/>
-                        <a:tabLst/>
-                      </a:pPr>
-                      <a:r>
-                        <a:rPr kumimoji="0" lang="fr-FR" sz="900" b="0" i="0" u="none" strike="noStrike" cap="none" normalizeH="0" baseline="0" dirty="0" smtClean="0">
-                          <a:ln>
-                            <a:noFill/>
-                          </a:ln>
-                          <a:solidFill>
-                            <a:schemeClr val="tx1"/>
-                          </a:solidFill>
-                          <a:effectLst/>
-                          <a:latin typeface="Calibri" pitchFamily="34" charset="0"/>
-                          <a:cs typeface="Arial" charset="0"/>
-                        </a:rPr>
-                        <a:t>1 - </a:t>
-                      </a:r>
-                    </a:p>
-                    <a:p>
-                      <a:pPr marL="0" marR="0" lvl="0" indent="0" algn="l" defTabSz="914400" rtl="0" eaLnBrk="1" fontAlgn="base" latinLnBrk="0" hangingPunct="1">
-                        <a:lnSpc>
-                          <a:spcPct val="100000"/>
-                        </a:lnSpc>
-                        <a:spcBef>
-                          <a:spcPct val="0"/>
-                        </a:spcBef>
-                        <a:spcAft>
-                          <a:spcPct val="0"/>
-                        </a:spcAft>
-                        <a:buClrTx/>
-                        <a:buSzTx/>
-                        <a:buFontTx/>
-                        <a:buNone/>
-                        <a:tabLst/>
-                      </a:pPr>
-                      <a:r>
-                        <a:rPr kumimoji="0" lang="fr-FR" sz="900" b="0" i="0" u="none" strike="noStrike" cap="none" normalizeH="0" baseline="0" dirty="0" smtClean="0">
-                          <a:ln>
-                            <a:noFill/>
-                          </a:ln>
-                          <a:solidFill>
-                            <a:schemeClr val="tx1"/>
-                          </a:solidFill>
-                          <a:effectLst/>
-                          <a:latin typeface="Calibri" pitchFamily="34" charset="0"/>
-                          <a:cs typeface="Arial" charset="0"/>
-                        </a:rPr>
-                        <a:t>2 -</a:t>
-                      </a:r>
-                    </a:p>
-                    <a:p>
-                      <a:pPr marL="0" marR="0" lvl="0" indent="0" algn="l" defTabSz="914400" rtl="0" eaLnBrk="1" fontAlgn="base" latinLnBrk="0" hangingPunct="1">
-                        <a:lnSpc>
-                          <a:spcPct val="100000"/>
-                        </a:lnSpc>
-                        <a:spcBef>
-                          <a:spcPct val="0"/>
-                        </a:spcBef>
-                        <a:spcAft>
-                          <a:spcPct val="0"/>
-                        </a:spcAft>
-                        <a:buClrTx/>
-                        <a:buSzTx/>
-                        <a:buFontTx/>
-                        <a:buNone/>
-                        <a:tabLst/>
-                      </a:pPr>
-                      <a:r>
-                        <a:rPr kumimoji="0" lang="fr-FR" sz="900" b="0" i="0" u="none" strike="noStrike" cap="none" normalizeH="0" baseline="0" dirty="0" smtClean="0">
-                          <a:ln>
-                            <a:noFill/>
-                          </a:ln>
-                          <a:solidFill>
-                            <a:schemeClr val="tx1"/>
-                          </a:solidFill>
-                          <a:effectLst/>
-                          <a:latin typeface="Calibri" pitchFamily="34" charset="0"/>
-                          <a:cs typeface="Arial" charset="0"/>
-                        </a:rPr>
-                        <a:t>3 -</a:t>
-                      </a:r>
-                    </a:p>
-                    <a:p>
-                      <a:pPr marL="0" marR="0" lvl="0" indent="0" algn="l" defTabSz="914400" rtl="0" eaLnBrk="1" fontAlgn="base" latinLnBrk="0" hangingPunct="1">
-                        <a:lnSpc>
-                          <a:spcPct val="100000"/>
-                        </a:lnSpc>
-                        <a:spcBef>
-                          <a:spcPct val="0"/>
-                        </a:spcBef>
-                        <a:spcAft>
-                          <a:spcPct val="0"/>
-                        </a:spcAft>
-                        <a:buClrTx/>
-                        <a:buSzTx/>
-                        <a:buFontTx/>
-                        <a:buNone/>
-                        <a:tabLst/>
-                      </a:pPr>
-                      <a:r>
-                        <a:rPr kumimoji="0" lang="fr-FR" sz="900" b="0" i="0" u="none" strike="noStrike" cap="none" normalizeH="0" baseline="0" dirty="0" smtClean="0">
-                          <a:ln>
-                            <a:noFill/>
-                          </a:ln>
-                          <a:solidFill>
-                            <a:schemeClr val="tx1"/>
-                          </a:solidFill>
-                          <a:effectLst/>
-                          <a:latin typeface="Calibri" pitchFamily="34" charset="0"/>
-                          <a:cs typeface="Arial" charset="0"/>
-                        </a:rPr>
-                        <a:t>4 -</a:t>
-                      </a:r>
-                    </a:p>
-                    <a:p>
-                      <a:pPr marL="0" marR="0" lvl="0" indent="0" algn="l" defTabSz="914400" rtl="0" eaLnBrk="1" fontAlgn="base" latinLnBrk="0" hangingPunct="1">
-                        <a:lnSpc>
-                          <a:spcPct val="100000"/>
-                        </a:lnSpc>
-                        <a:spcBef>
-                          <a:spcPct val="0"/>
-                        </a:spcBef>
-                        <a:spcAft>
-                          <a:spcPct val="0"/>
-                        </a:spcAft>
-                        <a:buClrTx/>
-                        <a:buSzTx/>
-                        <a:buFontTx/>
-                        <a:buNone/>
-                        <a:tabLst/>
-                      </a:pPr>
-                      <a:r>
-                        <a:rPr kumimoji="0" lang="fr-FR" sz="900" b="0" i="0" u="none" strike="noStrike" cap="none" normalizeH="0" baseline="0" dirty="0" smtClean="0">
-                          <a:ln>
-                            <a:noFill/>
-                          </a:ln>
-                          <a:solidFill>
-                            <a:schemeClr val="tx1"/>
-                          </a:solidFill>
-                          <a:effectLst/>
-                          <a:latin typeface="Calibri" pitchFamily="34" charset="0"/>
-                          <a:cs typeface="Arial" charset="0"/>
-                        </a:rPr>
-                        <a:t>5 -</a:t>
-                      </a:r>
-                    </a:p>
-                    <a:p>
-                      <a:pPr marL="0" marR="0" lvl="0" indent="0" algn="l" defTabSz="914400" rtl="0" eaLnBrk="1" fontAlgn="base" latinLnBrk="0" hangingPunct="1">
-                        <a:lnSpc>
-                          <a:spcPct val="100000"/>
-                        </a:lnSpc>
-                        <a:spcBef>
-                          <a:spcPct val="0"/>
-                        </a:spcBef>
-                        <a:spcAft>
-                          <a:spcPct val="0"/>
-                        </a:spcAft>
-                        <a:buClrTx/>
-                        <a:buSzTx/>
-                        <a:buFontTx/>
-                        <a:buNone/>
-                        <a:tabLst/>
-                      </a:pPr>
-                      <a:r>
-                        <a:rPr kumimoji="0" lang="fr-FR" sz="900" b="0" i="0" u="none" strike="noStrike" cap="none" normalizeH="0" baseline="0" dirty="0" smtClean="0">
-                          <a:ln>
-                            <a:noFill/>
-                          </a:ln>
-                          <a:solidFill>
-                            <a:schemeClr val="tx1"/>
-                          </a:solidFill>
-                          <a:effectLst/>
-                          <a:latin typeface="Calibri" pitchFamily="34" charset="0"/>
-                          <a:cs typeface="Arial" charset="0"/>
-                        </a:rPr>
-                        <a:t>6 – ACTION_STATUS</a:t>
-                      </a:r>
-                    </a:p>
-                    <a:p>
-                      <a:pPr marL="0" marR="0" lvl="0" indent="0" algn="l" defTabSz="914400" rtl="0" eaLnBrk="1" fontAlgn="base" latinLnBrk="0" hangingPunct="1">
-                        <a:lnSpc>
-                          <a:spcPct val="100000"/>
-                        </a:lnSpc>
-                        <a:spcBef>
-                          <a:spcPct val="0"/>
-                        </a:spcBef>
-                        <a:spcAft>
-                          <a:spcPct val="0"/>
-                        </a:spcAft>
-                        <a:buClrTx/>
-                        <a:buSzTx/>
-                        <a:buFontTx/>
-                        <a:buNone/>
-                        <a:tabLst/>
-                      </a:pPr>
-                      <a:r>
-                        <a:rPr kumimoji="0" lang="fr-FR" sz="900" b="0" i="0" u="none" strike="noStrike" cap="none" normalizeH="0" baseline="0" dirty="0" smtClean="0">
-                          <a:ln>
-                            <a:noFill/>
-                          </a:ln>
-                          <a:solidFill>
-                            <a:schemeClr val="tx1"/>
-                          </a:solidFill>
-                          <a:effectLst/>
-                          <a:latin typeface="Calibri" pitchFamily="34" charset="0"/>
-                          <a:cs typeface="Arial" charset="0"/>
-                        </a:rPr>
-                        <a:t>7 – TIMER_STATUS</a:t>
-                      </a:r>
-                    </a:p>
-                  </a:txBody>
-                  <a:tcPr horzOverflow="overflow">
-                    <a:lnL w="12700" cap="flat" cmpd="sng" algn="ctr">
-                      <a:solidFill>
-                        <a:schemeClr val="tx1"/>
-                      </a:solidFill>
-                      <a:prstDash val="solid"/>
-                      <a:round/>
-                      <a:headEnd type="none" w="med" len="med"/>
-                      <a:tailEnd type="none" w="med" len="med"/>
-                    </a:lnL>
-                    <a:lnR w="12700" cap="flat" cmpd="sng" algn="ctr">
-                      <a:solidFill>
-                        <a:schemeClr val="tx1"/>
-                      </a:solidFill>
-                      <a:prstDash val="solid"/>
-                      <a:round/>
-                      <a:headEnd type="none" w="med" len="med"/>
-                      <a:tailEnd type="none" w="med" len="med"/>
-                    </a:lnR>
-                    <a:lnT w="12700" cap="flat" cmpd="sng" algn="ctr">
-                      <a:solidFill>
-                        <a:schemeClr val="tx1"/>
-                      </a:solidFill>
-                      <a:prstDash val="solid"/>
-                      <a:round/>
-                      <a:headEnd type="none" w="med" len="med"/>
-                      <a:tailEnd type="none" w="med" len="med"/>
-                    </a:lnT>
-                    <a:lnB w="12700" cap="flat" cmpd="sng" algn="ctr">
-                      <a:solidFill>
-                        <a:schemeClr val="tx1"/>
-                      </a:solidFill>
-                      <a:prstDash val="solid"/>
-                      <a:round/>
-                      <a:headEnd type="none" w="med" len="med"/>
-                      <a:tailEnd type="none" w="med" len="med"/>
-                    </a:lnB>
-                    <a:lnTlToBr>
-                      <a:noFill/>
-                    </a:lnTlToBr>
-                    <a:lnBlToTr>
-                      <a:noFill/>
-                    </a:lnBlToTr>
-                    <a:noFill/>
-                  </a:tcPr>
-                </a:tc>
-                <a:tc>
-                  <a:txBody>
-                    <a:bodyPr/>
-                    <a:lstStyle/>
-                    <a:p>
-                      <a:pPr marL="0" marR="0" lvl="0" indent="0" algn="ctr" defTabSz="914400" rtl="0" eaLnBrk="1" fontAlgn="base" latinLnBrk="0" hangingPunct="1">
-                        <a:lnSpc>
-                          <a:spcPct val="100000"/>
-                        </a:lnSpc>
-                        <a:spcBef>
-                          <a:spcPct val="0"/>
-                        </a:spcBef>
-                        <a:spcAft>
-                          <a:spcPct val="0"/>
-                        </a:spcAft>
-                        <a:buClrTx/>
-                        <a:buSzTx/>
-                        <a:buFontTx/>
-                        <a:buNone/>
-                        <a:tabLst/>
-                      </a:pPr>
-                      <a:r>
-                        <a:rPr kumimoji="0" lang="fr-FR" sz="1200" b="1" i="0" u="sng" strike="noStrike" cap="none" normalizeH="0" baseline="0" dirty="0" err="1" smtClean="0">
-                          <a:ln>
-                            <a:noFill/>
-                          </a:ln>
-                          <a:solidFill>
-                            <a:schemeClr val="tx1"/>
-                          </a:solidFill>
-                          <a:effectLst/>
-                          <a:latin typeface="Calibri" pitchFamily="34" charset="0"/>
-                          <a:cs typeface="Arial" charset="0"/>
-                        </a:rPr>
-                        <a:t>Bumpers</a:t>
-                      </a:r>
-                      <a:r>
-                        <a:rPr kumimoji="0" lang="fr-FR" sz="1200" b="1" i="0" u="sng" strike="noStrike" cap="none" normalizeH="0" baseline="0" dirty="0" smtClean="0">
-                          <a:ln>
-                            <a:noFill/>
-                          </a:ln>
-                          <a:solidFill>
-                            <a:schemeClr val="tx1"/>
-                          </a:solidFill>
-                          <a:effectLst/>
-                          <a:latin typeface="Calibri" pitchFamily="34" charset="0"/>
-                          <a:cs typeface="Arial" charset="0"/>
-                        </a:rPr>
-                        <a:t> (GP2)</a:t>
-                      </a:r>
-                    </a:p>
-                    <a:p>
-                      <a:pPr marL="0" marR="0" lvl="0" indent="0" algn="l" defTabSz="914400" rtl="0" eaLnBrk="1" fontAlgn="base" latinLnBrk="0" hangingPunct="1">
-                        <a:lnSpc>
-                          <a:spcPct val="100000"/>
-                        </a:lnSpc>
-                        <a:spcBef>
-                          <a:spcPct val="0"/>
-                        </a:spcBef>
-                        <a:spcAft>
-                          <a:spcPct val="0"/>
-                        </a:spcAft>
-                        <a:buClrTx/>
-                        <a:buSzTx/>
-                        <a:buFontTx/>
-                        <a:buNone/>
-                        <a:tabLst/>
-                      </a:pPr>
-                      <a:r>
-                        <a:rPr kumimoji="0" lang="fr-FR" sz="900" b="0" i="0" u="none" strike="noStrike" cap="none" normalizeH="0" baseline="0" dirty="0" smtClean="0">
-                          <a:ln>
-                            <a:noFill/>
-                          </a:ln>
-                          <a:solidFill>
-                            <a:srgbClr val="000000"/>
-                          </a:solidFill>
-                          <a:effectLst/>
-                          <a:latin typeface="Calibri" pitchFamily="34" charset="0"/>
-                          <a:cs typeface="Arial" charset="0"/>
-                        </a:rPr>
-                        <a:t>8 - GP2_FRONT </a:t>
-                      </a:r>
-                    </a:p>
-                    <a:p>
-                      <a:pPr marL="0" marR="0" lvl="0" indent="0" algn="l" defTabSz="914400" rtl="0" eaLnBrk="1" fontAlgn="base" latinLnBrk="0" hangingPunct="1">
-                        <a:lnSpc>
-                          <a:spcPct val="100000"/>
-                        </a:lnSpc>
-                        <a:spcBef>
-                          <a:spcPct val="0"/>
-                        </a:spcBef>
-                        <a:spcAft>
-                          <a:spcPct val="0"/>
-                        </a:spcAft>
-                        <a:buClrTx/>
-                        <a:buSzTx/>
-                        <a:buFontTx/>
-                        <a:buNone/>
-                        <a:tabLst/>
-                      </a:pPr>
-                      <a:r>
-                        <a:rPr kumimoji="0" lang="fr-FR" sz="900" b="0" i="0" u="none" strike="noStrike" cap="none" normalizeH="0" baseline="0" dirty="0" smtClean="0">
-                          <a:ln>
-                            <a:noFill/>
-                          </a:ln>
-                          <a:solidFill>
-                            <a:srgbClr val="000000"/>
-                          </a:solidFill>
-                          <a:effectLst/>
-                          <a:latin typeface="Calibri" pitchFamily="34" charset="0"/>
-                          <a:cs typeface="Arial" charset="0"/>
-                        </a:rPr>
-                        <a:t>9 – GP2_BACK </a:t>
-                      </a:r>
-                    </a:p>
-                    <a:p>
-                      <a:pPr marL="0" marR="0" lvl="0" indent="0" algn="l" defTabSz="914400" rtl="0" eaLnBrk="1" fontAlgn="base" latinLnBrk="0" hangingPunct="1">
-                        <a:lnSpc>
-                          <a:spcPct val="100000"/>
-                        </a:lnSpc>
-                        <a:spcBef>
-                          <a:spcPct val="0"/>
-                        </a:spcBef>
-                        <a:spcAft>
-                          <a:spcPct val="0"/>
-                        </a:spcAft>
-                        <a:buClrTx/>
-                        <a:buSzTx/>
-                        <a:buFontTx/>
-                        <a:buNone/>
-                        <a:tabLst/>
-                      </a:pPr>
-                      <a:r>
-                        <a:rPr kumimoji="0" lang="fr-FR" sz="900" b="0" i="0" u="none" strike="noStrike" cap="none" normalizeH="0" baseline="0" dirty="0" smtClean="0">
-                          <a:ln>
-                            <a:noFill/>
-                          </a:ln>
-                          <a:solidFill>
-                            <a:srgbClr val="000000"/>
-                          </a:solidFill>
-                          <a:effectLst/>
-                          <a:latin typeface="Calibri" pitchFamily="34" charset="0"/>
-                          <a:cs typeface="Arial" charset="0"/>
-                        </a:rPr>
-                        <a:t>10 – GP2_HOLDER</a:t>
-                      </a:r>
-                    </a:p>
-                    <a:p>
-                      <a:pPr marL="0" marR="0" lvl="0" indent="0" algn="l" defTabSz="914400" rtl="0" eaLnBrk="1" fontAlgn="base" latinLnBrk="0" hangingPunct="1">
-                        <a:lnSpc>
-                          <a:spcPct val="100000"/>
-                        </a:lnSpc>
-                        <a:spcBef>
-                          <a:spcPct val="0"/>
-                        </a:spcBef>
-                        <a:spcAft>
-                          <a:spcPct val="0"/>
-                        </a:spcAft>
-                        <a:buClrTx/>
-                        <a:buSzTx/>
-                        <a:buFontTx/>
-                        <a:buNone/>
-                        <a:tabLst/>
-                      </a:pPr>
-                      <a:r>
-                        <a:rPr kumimoji="0" lang="fr-FR" sz="900" b="0" i="0" u="none" strike="noStrike" cap="none" normalizeH="0" baseline="0" dirty="0" smtClean="0">
-                          <a:ln>
-                            <a:noFill/>
-                          </a:ln>
-                          <a:solidFill>
-                            <a:srgbClr val="000000"/>
-                          </a:solidFill>
-                          <a:effectLst/>
-                          <a:latin typeface="Calibri" pitchFamily="34" charset="0"/>
-                          <a:cs typeface="Arial" charset="0"/>
-                        </a:rPr>
-                        <a:t>11 -</a:t>
-                      </a:r>
-                    </a:p>
-                    <a:p>
-                      <a:pPr marL="0" marR="0" lvl="0" indent="0" algn="l" defTabSz="914400" rtl="0" eaLnBrk="1" fontAlgn="base" latinLnBrk="0" hangingPunct="1">
-                        <a:lnSpc>
-                          <a:spcPct val="100000"/>
-                        </a:lnSpc>
-                        <a:spcBef>
-                          <a:spcPct val="0"/>
-                        </a:spcBef>
-                        <a:spcAft>
-                          <a:spcPct val="0"/>
-                        </a:spcAft>
-                        <a:buClrTx/>
-                        <a:buSzTx/>
-                        <a:buFontTx/>
-                        <a:buNone/>
-                        <a:tabLst/>
-                      </a:pPr>
-                      <a:r>
-                        <a:rPr kumimoji="0" lang="fr-FR" sz="900" b="0" i="0" u="none" strike="noStrike" cap="none" normalizeH="0" baseline="0" dirty="0" smtClean="0">
-                          <a:ln>
-                            <a:noFill/>
-                          </a:ln>
-                          <a:solidFill>
-                            <a:srgbClr val="000000"/>
-                          </a:solidFill>
-                          <a:effectLst/>
-                          <a:latin typeface="Calibri" pitchFamily="34" charset="0"/>
-                          <a:cs typeface="Arial" charset="0"/>
-                        </a:rPr>
-                        <a:t>12 -</a:t>
-                      </a:r>
-                    </a:p>
-                    <a:p>
-                      <a:pPr marL="0" marR="0" lvl="0" indent="0" algn="l" defTabSz="914400" rtl="0" eaLnBrk="1" fontAlgn="base" latinLnBrk="0" hangingPunct="1">
-                        <a:lnSpc>
-                          <a:spcPct val="100000"/>
-                        </a:lnSpc>
-                        <a:spcBef>
-                          <a:spcPct val="0"/>
-                        </a:spcBef>
-                        <a:spcAft>
-                          <a:spcPct val="0"/>
-                        </a:spcAft>
-                        <a:buClrTx/>
-                        <a:buSzTx/>
-                        <a:buFontTx/>
-                        <a:buNone/>
-                        <a:tabLst/>
-                      </a:pPr>
-                      <a:r>
-                        <a:rPr kumimoji="0" lang="fr-FR" sz="900" b="0" i="0" u="none" strike="noStrike" cap="none" normalizeH="0" baseline="0" dirty="0" smtClean="0">
-                          <a:ln>
-                            <a:noFill/>
-                          </a:ln>
-                          <a:solidFill>
-                            <a:srgbClr val="000000"/>
-                          </a:solidFill>
-                          <a:effectLst/>
-                          <a:latin typeface="Calibri" pitchFamily="34" charset="0"/>
-                          <a:cs typeface="Arial" charset="0"/>
-                        </a:rPr>
-                        <a:t>13 -</a:t>
-                      </a:r>
-                    </a:p>
-                    <a:p>
-                      <a:pPr marL="0" marR="0" lvl="0" indent="0" algn="l" defTabSz="914400" rtl="0" eaLnBrk="1" fontAlgn="base" latinLnBrk="0" hangingPunct="1">
-                        <a:lnSpc>
-                          <a:spcPct val="100000"/>
-                        </a:lnSpc>
-                        <a:spcBef>
-                          <a:spcPct val="0"/>
-                        </a:spcBef>
-                        <a:spcAft>
-                          <a:spcPct val="0"/>
-                        </a:spcAft>
-                        <a:buClrTx/>
-                        <a:buSzTx/>
-                        <a:buFontTx/>
-                        <a:buNone/>
-                        <a:tabLst/>
-                      </a:pPr>
-                      <a:r>
-                        <a:rPr kumimoji="0" lang="fr-FR" sz="900" b="0" i="0" u="none" strike="noStrike" cap="none" normalizeH="0" baseline="0" dirty="0" smtClean="0">
-                          <a:ln>
-                            <a:noFill/>
-                          </a:ln>
-                          <a:solidFill>
-                            <a:srgbClr val="000000"/>
-                          </a:solidFill>
-                          <a:effectLst/>
-                          <a:latin typeface="Calibri" pitchFamily="34" charset="0"/>
-                          <a:cs typeface="Arial" charset="0"/>
-                        </a:rPr>
-                        <a:t>14 -</a:t>
-                      </a:r>
-                    </a:p>
-                    <a:p>
-                      <a:pPr marL="0" marR="0" lvl="0" indent="0" algn="l" defTabSz="914400" rtl="0" eaLnBrk="1" fontAlgn="base" latinLnBrk="0" hangingPunct="1">
-                        <a:lnSpc>
-                          <a:spcPct val="100000"/>
-                        </a:lnSpc>
-                        <a:spcBef>
-                          <a:spcPct val="0"/>
-                        </a:spcBef>
-                        <a:spcAft>
-                          <a:spcPct val="0"/>
-                        </a:spcAft>
-                        <a:buClrTx/>
-                        <a:buSzTx/>
-                        <a:buFontTx/>
-                        <a:buNone/>
-                        <a:tabLst/>
-                      </a:pPr>
-                      <a:r>
-                        <a:rPr kumimoji="0" lang="fr-FR" sz="900" b="0" i="0" u="none" strike="noStrike" cap="none" normalizeH="0" baseline="0" dirty="0" smtClean="0">
-                          <a:ln>
-                            <a:noFill/>
-                          </a:ln>
-                          <a:solidFill>
-                            <a:srgbClr val="000000"/>
-                          </a:solidFill>
-                          <a:effectLst/>
-                          <a:latin typeface="Calibri" pitchFamily="34" charset="0"/>
-                          <a:cs typeface="Arial" charset="0"/>
-                        </a:rPr>
-                        <a:t>15 -</a:t>
-                      </a:r>
-                      <a:endParaRPr kumimoji="0" lang="fr-FR" sz="1200" b="1" i="0" u="sng" strike="noStrike" cap="none" normalizeH="0" baseline="0" dirty="0" smtClean="0">
-                        <a:ln>
-                          <a:noFill/>
-                        </a:ln>
-                        <a:solidFill>
-                          <a:schemeClr val="tx1"/>
-                        </a:solidFill>
-                        <a:effectLst/>
-                        <a:latin typeface="Calibri" pitchFamily="34" charset="0"/>
-                        <a:cs typeface="Arial" charset="0"/>
-                      </a:endParaRPr>
-                    </a:p>
-                  </a:txBody>
-                  <a:tcPr horzOverflow="overflow">
-                    <a:lnL w="12700" cap="flat" cmpd="sng" algn="ctr">
-                      <a:solidFill>
-                        <a:schemeClr val="tx1"/>
-                      </a:solidFill>
-                      <a:prstDash val="solid"/>
-                      <a:round/>
-                      <a:headEnd type="none" w="med" len="med"/>
-                      <a:tailEnd type="none" w="med" len="med"/>
-                    </a:lnL>
-                    <a:lnR w="12700" cap="flat" cmpd="sng" algn="ctr">
-                      <a:solidFill>
-                        <a:schemeClr val="tx1"/>
-                      </a:solidFill>
-                      <a:prstDash val="solid"/>
-                      <a:round/>
-                      <a:headEnd type="none" w="med" len="med"/>
-                      <a:tailEnd type="none" w="med" len="med"/>
-                    </a:lnR>
-                    <a:lnT w="12700" cap="flat" cmpd="sng" algn="ctr">
-                      <a:solidFill>
-                        <a:schemeClr val="tx1"/>
-                      </a:solidFill>
-                      <a:prstDash val="solid"/>
-                      <a:round/>
-                      <a:headEnd type="none" w="med" len="med"/>
-                      <a:tailEnd type="none" w="med" len="med"/>
-                    </a:lnT>
-                    <a:lnB w="12700" cap="flat" cmpd="sng" algn="ctr">
-                      <a:solidFill>
-                        <a:schemeClr val="tx1"/>
-                      </a:solidFill>
-                      <a:prstDash val="solid"/>
-                      <a:round/>
-                      <a:headEnd type="none" w="med" len="med"/>
-                      <a:tailEnd type="none" w="med" len="med"/>
-                    </a:lnB>
-                    <a:lnTlToBr>
-                      <a:noFill/>
-                    </a:lnTlToBr>
-                    <a:lnBlToTr>
-                      <a:noFill/>
-                    </a:lnBlToTr>
-                    <a:noFill/>
-                  </a:tcPr>
-                </a:tc>
-                <a:tc>
-                  <a:txBody>
-                    <a:bodyPr/>
-                    <a:lstStyle/>
-                    <a:p>
-                      <a:pPr marL="0" marR="0" lvl="0" indent="0" algn="ctr" defTabSz="914400" rtl="0" eaLnBrk="1" fontAlgn="base" latinLnBrk="0" hangingPunct="1">
-                        <a:lnSpc>
-                          <a:spcPct val="100000"/>
-                        </a:lnSpc>
-                        <a:spcBef>
-                          <a:spcPct val="0"/>
-                        </a:spcBef>
-                        <a:spcAft>
-                          <a:spcPct val="0"/>
-                        </a:spcAft>
-                        <a:buClrTx/>
-                        <a:buSzTx/>
-                        <a:buFontTx/>
-                        <a:buNone/>
-                        <a:tabLst/>
-                      </a:pPr>
-                      <a:r>
-                        <a:rPr kumimoji="0" lang="fr-FR" sz="1200" b="1" i="0" u="sng" strike="noStrike" cap="none" normalizeH="0" baseline="0" dirty="0" err="1" smtClean="0">
-                          <a:ln>
-                            <a:noFill/>
-                          </a:ln>
-                          <a:solidFill>
-                            <a:schemeClr val="tx1"/>
-                          </a:solidFill>
-                          <a:effectLst/>
-                          <a:latin typeface="Calibri" pitchFamily="34" charset="0"/>
-                          <a:cs typeface="Arial" charset="0"/>
-                        </a:rPr>
-                        <a:t>Bumpers</a:t>
-                      </a:r>
-                      <a:r>
-                        <a:rPr kumimoji="0" lang="fr-FR" sz="1200" b="1" i="0" u="sng" strike="noStrike" cap="none" normalizeH="0" baseline="0" dirty="0" smtClean="0">
-                          <a:ln>
-                            <a:noFill/>
-                          </a:ln>
-                          <a:solidFill>
-                            <a:schemeClr val="tx1"/>
-                          </a:solidFill>
-                          <a:effectLst/>
-                          <a:latin typeface="Calibri" pitchFamily="34" charset="0"/>
-                          <a:cs typeface="Arial" charset="0"/>
-                        </a:rPr>
-                        <a:t> (SW)</a:t>
-                      </a:r>
-                    </a:p>
-                    <a:p>
-                      <a:pPr marL="0" marR="0" lvl="0" indent="0" algn="l" defTabSz="914400" rtl="0" eaLnBrk="1" fontAlgn="base" latinLnBrk="0" hangingPunct="1">
-                        <a:lnSpc>
-                          <a:spcPct val="100000"/>
-                        </a:lnSpc>
-                        <a:spcBef>
-                          <a:spcPct val="0"/>
-                        </a:spcBef>
-                        <a:spcAft>
-                          <a:spcPct val="0"/>
-                        </a:spcAft>
-                        <a:buClrTx/>
-                        <a:buSzTx/>
-                        <a:buFontTx/>
-                        <a:buNone/>
-                        <a:tabLst/>
-                      </a:pPr>
-                      <a:r>
-                        <a:rPr kumimoji="0" lang="fr-FR" sz="900" b="0" i="0" u="none" strike="noStrike" cap="none" normalizeH="0" baseline="0" dirty="0" smtClean="0">
-                          <a:ln>
-                            <a:noFill/>
-                          </a:ln>
-                          <a:solidFill>
-                            <a:srgbClr val="000000"/>
-                          </a:solidFill>
-                          <a:effectLst/>
-                          <a:latin typeface="Calibri" pitchFamily="34" charset="0"/>
-                          <a:cs typeface="Arial" charset="0"/>
-                        </a:rPr>
-                        <a:t>16 -</a:t>
-                      </a:r>
-                    </a:p>
-                    <a:p>
-                      <a:pPr marL="0" marR="0" lvl="0" indent="0" algn="l" defTabSz="914400" rtl="0" eaLnBrk="1" fontAlgn="base" latinLnBrk="0" hangingPunct="1">
-                        <a:lnSpc>
-                          <a:spcPct val="100000"/>
-                        </a:lnSpc>
-                        <a:spcBef>
-                          <a:spcPct val="0"/>
-                        </a:spcBef>
-                        <a:spcAft>
-                          <a:spcPct val="0"/>
-                        </a:spcAft>
-                        <a:buClrTx/>
-                        <a:buSzTx/>
-                        <a:buFontTx/>
-                        <a:buNone/>
-                        <a:tabLst/>
-                      </a:pPr>
-                      <a:r>
-                        <a:rPr kumimoji="0" lang="fr-FR" sz="900" b="0" i="0" u="none" strike="noStrike" cap="none" normalizeH="0" baseline="0" dirty="0" smtClean="0">
-                          <a:ln>
-                            <a:noFill/>
-                          </a:ln>
-                          <a:solidFill>
-                            <a:srgbClr val="000000"/>
-                          </a:solidFill>
-                          <a:effectLst/>
-                          <a:latin typeface="Calibri" pitchFamily="34" charset="0"/>
-                          <a:cs typeface="Arial" charset="0"/>
-                        </a:rPr>
-                        <a:t>17 -</a:t>
-                      </a:r>
-                    </a:p>
-                    <a:p>
-                      <a:pPr marL="0" marR="0" lvl="0" indent="0" algn="l" defTabSz="914400" rtl="0" eaLnBrk="1" fontAlgn="base" latinLnBrk="0" hangingPunct="1">
-                        <a:lnSpc>
-                          <a:spcPct val="100000"/>
-                        </a:lnSpc>
-                        <a:spcBef>
-                          <a:spcPct val="0"/>
-                        </a:spcBef>
-                        <a:spcAft>
-                          <a:spcPct val="0"/>
-                        </a:spcAft>
-                        <a:buClrTx/>
-                        <a:buSzTx/>
-                        <a:buFontTx/>
-                        <a:buNone/>
-                        <a:tabLst/>
-                      </a:pPr>
-                      <a:r>
-                        <a:rPr kumimoji="0" lang="fr-FR" sz="900" b="0" i="0" u="none" strike="noStrike" cap="none" normalizeH="0" baseline="0" dirty="0" smtClean="0">
-                          <a:ln>
-                            <a:noFill/>
-                          </a:ln>
-                          <a:solidFill>
-                            <a:srgbClr val="000000"/>
-                          </a:solidFill>
-                          <a:effectLst/>
-                          <a:latin typeface="Calibri" pitchFamily="34" charset="0"/>
-                          <a:cs typeface="Arial" charset="0"/>
-                        </a:rPr>
-                        <a:t>18 -</a:t>
-                      </a:r>
-                    </a:p>
-                    <a:p>
-                      <a:pPr marL="0" marR="0" lvl="0" indent="0" algn="l" defTabSz="914400" rtl="0" eaLnBrk="1" fontAlgn="base" latinLnBrk="0" hangingPunct="1">
-                        <a:lnSpc>
-                          <a:spcPct val="100000"/>
-                        </a:lnSpc>
-                        <a:spcBef>
-                          <a:spcPct val="0"/>
-                        </a:spcBef>
-                        <a:spcAft>
-                          <a:spcPct val="0"/>
-                        </a:spcAft>
-                        <a:buClrTx/>
-                        <a:buSzTx/>
-                        <a:buFontTx/>
-                        <a:buNone/>
-                        <a:tabLst/>
-                      </a:pPr>
-                      <a:r>
-                        <a:rPr kumimoji="0" lang="fr-FR" sz="900" b="0" i="0" u="none" strike="noStrike" cap="none" normalizeH="0" baseline="0" dirty="0" smtClean="0">
-                          <a:ln>
-                            <a:noFill/>
-                          </a:ln>
-                          <a:solidFill>
-                            <a:srgbClr val="000000"/>
-                          </a:solidFill>
-                          <a:effectLst/>
-                          <a:latin typeface="Calibri" pitchFamily="34" charset="0"/>
-                          <a:cs typeface="Arial" charset="0"/>
-                        </a:rPr>
-                        <a:t>19 -</a:t>
-                      </a:r>
-                    </a:p>
-                    <a:p>
-                      <a:pPr marL="0" marR="0" lvl="0" indent="0" algn="l" defTabSz="914400" rtl="0" eaLnBrk="1" fontAlgn="base" latinLnBrk="0" hangingPunct="1">
-                        <a:lnSpc>
-                          <a:spcPct val="100000"/>
-                        </a:lnSpc>
-                        <a:spcBef>
-                          <a:spcPct val="0"/>
-                        </a:spcBef>
-                        <a:spcAft>
-                          <a:spcPct val="0"/>
-                        </a:spcAft>
-                        <a:buClrTx/>
-                        <a:buSzTx/>
-                        <a:buFontTx/>
-                        <a:buNone/>
-                        <a:tabLst/>
-                      </a:pPr>
-                      <a:r>
-                        <a:rPr kumimoji="0" lang="fr-FR" sz="900" b="0" i="0" u="none" strike="noStrike" cap="none" normalizeH="0" baseline="0" dirty="0" smtClean="0">
-                          <a:ln>
-                            <a:noFill/>
-                          </a:ln>
-                          <a:solidFill>
-                            <a:srgbClr val="000000"/>
-                          </a:solidFill>
-                          <a:effectLst/>
-                          <a:latin typeface="Calibri" pitchFamily="34" charset="0"/>
-                          <a:cs typeface="Arial" charset="0"/>
-                        </a:rPr>
-                        <a:t>20 -</a:t>
-                      </a:r>
-                    </a:p>
-                    <a:p>
-                      <a:pPr marL="0" marR="0" lvl="0" indent="0" algn="l" defTabSz="914400" rtl="0" eaLnBrk="1" fontAlgn="base" latinLnBrk="0" hangingPunct="1">
-                        <a:lnSpc>
-                          <a:spcPct val="100000"/>
-                        </a:lnSpc>
-                        <a:spcBef>
-                          <a:spcPct val="0"/>
-                        </a:spcBef>
-                        <a:spcAft>
-                          <a:spcPct val="0"/>
-                        </a:spcAft>
-                        <a:buClrTx/>
-                        <a:buSzTx/>
-                        <a:buFontTx/>
-                        <a:buNone/>
-                        <a:tabLst/>
-                      </a:pPr>
-                      <a:r>
-                        <a:rPr kumimoji="0" lang="fr-FR" sz="900" b="0" i="0" u="none" strike="noStrike" cap="none" normalizeH="0" baseline="0" smtClean="0">
-                          <a:ln>
-                            <a:noFill/>
-                          </a:ln>
-                          <a:solidFill>
-                            <a:srgbClr val="000000"/>
-                          </a:solidFill>
-                          <a:effectLst/>
-                          <a:latin typeface="Calibri" pitchFamily="34" charset="0"/>
-                          <a:cs typeface="Arial" charset="0"/>
-                        </a:rPr>
-                        <a:t>21 -</a:t>
-                      </a:r>
-                    </a:p>
-                    <a:p>
-                      <a:pPr marL="0" marR="0" lvl="0" indent="0" algn="l" defTabSz="914400" rtl="0" eaLnBrk="1" fontAlgn="base" latinLnBrk="0" hangingPunct="1">
-                        <a:lnSpc>
-                          <a:spcPct val="100000"/>
-                        </a:lnSpc>
-                        <a:spcBef>
-                          <a:spcPct val="0"/>
-                        </a:spcBef>
-                        <a:spcAft>
-                          <a:spcPct val="0"/>
-                        </a:spcAft>
-                        <a:buClrTx/>
-                        <a:buSzTx/>
-                        <a:buFontTx/>
-                        <a:buNone/>
-                        <a:tabLst/>
-                      </a:pPr>
-                      <a:r>
-                        <a:rPr kumimoji="0" lang="fr-FR" sz="900" b="0" i="0" u="none" strike="noStrike" cap="none" normalizeH="0" baseline="0" dirty="0" smtClean="0">
-                          <a:ln>
-                            <a:noFill/>
-                          </a:ln>
-                          <a:solidFill>
-                            <a:srgbClr val="000000"/>
-                          </a:solidFill>
-                          <a:effectLst/>
-                          <a:latin typeface="Calibri" pitchFamily="34" charset="0"/>
-                          <a:cs typeface="Arial" charset="0"/>
-                        </a:rPr>
-                        <a:t>22 -</a:t>
-                      </a:r>
-                    </a:p>
-                    <a:p>
-                      <a:pPr marL="0" marR="0" lvl="0" indent="0" algn="l" defTabSz="914400" rtl="0" eaLnBrk="1" fontAlgn="base" latinLnBrk="0" hangingPunct="1">
-                        <a:lnSpc>
-                          <a:spcPct val="100000"/>
-                        </a:lnSpc>
-                        <a:spcBef>
-                          <a:spcPct val="0"/>
-                        </a:spcBef>
-                        <a:spcAft>
-                          <a:spcPct val="0"/>
-                        </a:spcAft>
-                        <a:buClrTx/>
-                        <a:buSzTx/>
-                        <a:buFontTx/>
-                        <a:buNone/>
-                        <a:tabLst/>
-                      </a:pPr>
-                      <a:r>
-                        <a:rPr kumimoji="0" lang="fr-FR" sz="900" b="0" i="0" u="none" strike="noStrike" cap="none" normalizeH="0" baseline="0" dirty="0" smtClean="0">
-                          <a:ln>
-                            <a:noFill/>
-                          </a:ln>
-                          <a:solidFill>
-                            <a:srgbClr val="000000"/>
-                          </a:solidFill>
-                          <a:effectLst/>
-                          <a:latin typeface="Calibri" pitchFamily="34" charset="0"/>
-                          <a:cs typeface="Arial" charset="0"/>
-                        </a:rPr>
-                        <a:t>23 -</a:t>
-                      </a:r>
-                      <a:endParaRPr kumimoji="0" lang="fr-FR" sz="900" b="1" i="0" u="sng" strike="noStrike" cap="none" normalizeH="0" baseline="0" dirty="0" smtClean="0">
-                        <a:ln>
-                          <a:noFill/>
-                        </a:ln>
-                        <a:solidFill>
-                          <a:schemeClr val="tx1"/>
-                        </a:solidFill>
-                        <a:effectLst/>
-                        <a:latin typeface="Calibri" pitchFamily="34" charset="0"/>
-                        <a:cs typeface="Arial" charset="0"/>
-                      </a:endParaRPr>
-                    </a:p>
-                  </a:txBody>
-                  <a:tcPr horzOverflow="overflow">
-                    <a:lnL w="12700" cap="flat" cmpd="sng" algn="ctr">
-                      <a:solidFill>
-                        <a:schemeClr val="tx1"/>
-                      </a:solidFill>
-                      <a:prstDash val="solid"/>
-                      <a:round/>
-                      <a:headEnd type="none" w="med" len="med"/>
-                      <a:tailEnd type="none" w="med" len="med"/>
-                    </a:lnL>
-                    <a:lnR w="12700" cap="flat" cmpd="sng" algn="ctr">
-                      <a:solidFill>
-                        <a:schemeClr val="tx1"/>
-                      </a:solidFill>
-                      <a:prstDash val="solid"/>
-                      <a:round/>
-                      <a:headEnd type="none" w="med" len="med"/>
-                      <a:tailEnd type="none" w="med" len="med"/>
-                    </a:lnR>
-                    <a:lnT w="12700" cap="flat" cmpd="sng" algn="ctr">
-                      <a:solidFill>
-                        <a:schemeClr val="tx1"/>
-                      </a:solidFill>
-                      <a:prstDash val="solid"/>
-                      <a:round/>
-                      <a:headEnd type="none" w="med" len="med"/>
-                      <a:tailEnd type="none" w="med" len="med"/>
-                    </a:lnT>
-                    <a:lnB w="12700" cap="flat" cmpd="sng" algn="ctr">
-                      <a:solidFill>
-                        <a:schemeClr val="tx1"/>
-                      </a:solidFill>
-                      <a:prstDash val="solid"/>
-                      <a:round/>
-                      <a:headEnd type="none" w="med" len="med"/>
-                      <a:tailEnd type="none" w="med" len="med"/>
-                    </a:lnB>
-                    <a:lnTlToBr>
-                      <a:noFill/>
-                    </a:lnTlToBr>
-                    <a:lnBlToTr>
-                      <a:noFill/>
-                    </a:lnBlToTr>
-                    <a:noFill/>
-                  </a:tcPr>
-                </a:tc>
-                <a:tc>
-                  <a:txBody>
-                    <a:bodyPr/>
-                    <a:lstStyle/>
-                    <a:p>
-                      <a:pPr marL="0" marR="0" lvl="0" indent="0" algn="ctr" defTabSz="914400" rtl="0" eaLnBrk="1" fontAlgn="base" latinLnBrk="0" hangingPunct="1">
-                        <a:lnSpc>
-                          <a:spcPct val="100000"/>
-                        </a:lnSpc>
-                        <a:spcBef>
-                          <a:spcPct val="0"/>
-                        </a:spcBef>
-                        <a:spcAft>
-                          <a:spcPct val="0"/>
-                        </a:spcAft>
-                        <a:buClrTx/>
-                        <a:buSzTx/>
-                        <a:buFontTx/>
-                        <a:buNone/>
-                        <a:tabLst/>
-                      </a:pPr>
-                      <a:r>
-                        <a:rPr kumimoji="0" lang="fr-FR" sz="1200" b="1" i="0" u="sng" strike="noStrike" cap="none" normalizeH="0" baseline="0" dirty="0" smtClean="0">
-                          <a:ln>
-                            <a:noFill/>
-                          </a:ln>
-                          <a:solidFill>
-                            <a:schemeClr val="tx1"/>
-                          </a:solidFill>
-                          <a:effectLst/>
-                          <a:latin typeface="Calibri" pitchFamily="34" charset="0"/>
-                          <a:cs typeface="Arial" charset="0"/>
-                        </a:rPr>
-                        <a:t>Not </a:t>
-                      </a:r>
-                      <a:r>
-                        <a:rPr kumimoji="0" lang="fr-FR" sz="1200" b="1" i="0" u="sng" strike="noStrike" cap="none" normalizeH="0" baseline="0" dirty="0" err="1" smtClean="0">
-                          <a:ln>
-                            <a:noFill/>
-                          </a:ln>
-                          <a:solidFill>
-                            <a:schemeClr val="tx1"/>
-                          </a:solidFill>
-                          <a:effectLst/>
-                          <a:latin typeface="Calibri" pitchFamily="34" charset="0"/>
-                          <a:cs typeface="Arial" charset="0"/>
-                        </a:rPr>
-                        <a:t>Used</a:t>
-                      </a:r>
-                      <a:endParaRPr kumimoji="0" lang="fr-FR" sz="1200" b="1" i="0" u="sng" strike="noStrike" cap="none" normalizeH="0" baseline="0" dirty="0" smtClean="0">
-                        <a:ln>
-                          <a:noFill/>
-                        </a:ln>
-                        <a:solidFill>
-                          <a:schemeClr val="tx1"/>
-                        </a:solidFill>
-                        <a:effectLst/>
-                        <a:latin typeface="Calibri" pitchFamily="34" charset="0"/>
-                        <a:cs typeface="Arial" charset="0"/>
-                      </a:endParaRPr>
-                    </a:p>
-                    <a:p>
-                      <a:pPr marL="0" marR="0" lvl="0" indent="0" algn="l" defTabSz="914400" rtl="0" eaLnBrk="1" fontAlgn="base" latinLnBrk="0" hangingPunct="1">
-                        <a:lnSpc>
-                          <a:spcPct val="100000"/>
-                        </a:lnSpc>
-                        <a:spcBef>
-                          <a:spcPct val="0"/>
-                        </a:spcBef>
-                        <a:spcAft>
-                          <a:spcPct val="0"/>
-                        </a:spcAft>
-                        <a:buClrTx/>
-                        <a:buSzTx/>
-                        <a:buFontTx/>
-                        <a:buNone/>
-                        <a:tabLst/>
-                      </a:pPr>
-                      <a:r>
-                        <a:rPr kumimoji="0" lang="fr-FR" sz="900" b="0" i="0" u="none" strike="noStrike" cap="none" normalizeH="0" baseline="0" dirty="0" smtClean="0">
-                          <a:ln>
-                            <a:noFill/>
-                          </a:ln>
-                          <a:solidFill>
-                            <a:srgbClr val="000000"/>
-                          </a:solidFill>
-                          <a:effectLst/>
-                          <a:latin typeface="Calibri" pitchFamily="34" charset="0"/>
-                          <a:cs typeface="Arial" charset="0"/>
-                        </a:rPr>
-                        <a:t>24 –</a:t>
-                      </a:r>
-                    </a:p>
-                    <a:p>
-                      <a:pPr marL="0" marR="0" lvl="0" indent="0" algn="l" defTabSz="914400" rtl="0" eaLnBrk="1" fontAlgn="base" latinLnBrk="0" hangingPunct="1">
-                        <a:lnSpc>
-                          <a:spcPct val="100000"/>
-                        </a:lnSpc>
-                        <a:spcBef>
-                          <a:spcPct val="0"/>
-                        </a:spcBef>
-                        <a:spcAft>
-                          <a:spcPct val="0"/>
-                        </a:spcAft>
-                        <a:buClrTx/>
-                        <a:buSzTx/>
-                        <a:buFontTx/>
-                        <a:buNone/>
-                        <a:tabLst/>
-                      </a:pPr>
-                      <a:r>
-                        <a:rPr kumimoji="0" lang="fr-FR" sz="900" b="0" i="0" u="none" strike="noStrike" cap="none" normalizeH="0" baseline="0" dirty="0" smtClean="0">
-                          <a:ln>
-                            <a:noFill/>
-                          </a:ln>
-                          <a:solidFill>
-                            <a:srgbClr val="000000"/>
-                          </a:solidFill>
-                          <a:effectLst/>
-                          <a:latin typeface="Calibri" pitchFamily="34" charset="0"/>
-                          <a:cs typeface="Arial" charset="0"/>
-                        </a:rPr>
-                        <a:t>25 –</a:t>
-                      </a:r>
-                    </a:p>
-                    <a:p>
-                      <a:pPr marL="0" marR="0" lvl="0" indent="0" algn="l" defTabSz="914400" rtl="0" eaLnBrk="1" fontAlgn="base" latinLnBrk="0" hangingPunct="1">
-                        <a:lnSpc>
-                          <a:spcPct val="100000"/>
-                        </a:lnSpc>
-                        <a:spcBef>
-                          <a:spcPct val="0"/>
-                        </a:spcBef>
-                        <a:spcAft>
-                          <a:spcPct val="0"/>
-                        </a:spcAft>
-                        <a:buClrTx/>
-                        <a:buSzTx/>
-                        <a:buFontTx/>
-                        <a:buNone/>
-                        <a:tabLst/>
-                      </a:pPr>
-                      <a:r>
-                        <a:rPr kumimoji="0" lang="fr-FR" sz="900" b="0" i="0" u="none" strike="noStrike" cap="none" normalizeH="0" baseline="0" dirty="0" smtClean="0">
-                          <a:ln>
-                            <a:noFill/>
-                          </a:ln>
-                          <a:solidFill>
-                            <a:srgbClr val="000000"/>
-                          </a:solidFill>
-                          <a:effectLst/>
-                          <a:latin typeface="Calibri" pitchFamily="34" charset="0"/>
-                          <a:cs typeface="Arial" charset="0"/>
-                        </a:rPr>
-                        <a:t>26 –</a:t>
-                      </a:r>
-                    </a:p>
-                    <a:p>
-                      <a:pPr marL="0" marR="0" lvl="0" indent="0" algn="l" defTabSz="914400" rtl="0" eaLnBrk="1" fontAlgn="base" latinLnBrk="0" hangingPunct="1">
-                        <a:lnSpc>
-                          <a:spcPct val="100000"/>
-                        </a:lnSpc>
-                        <a:spcBef>
-                          <a:spcPct val="0"/>
-                        </a:spcBef>
-                        <a:spcAft>
-                          <a:spcPct val="0"/>
-                        </a:spcAft>
-                        <a:buClrTx/>
-                        <a:buSzTx/>
-                        <a:buFontTx/>
-                        <a:buNone/>
-                        <a:tabLst/>
-                      </a:pPr>
-                      <a:r>
-                        <a:rPr kumimoji="0" lang="fr-FR" sz="900" b="0" i="0" u="none" strike="noStrike" cap="none" normalizeH="0" baseline="0" dirty="0" smtClean="0">
-                          <a:ln>
-                            <a:noFill/>
-                          </a:ln>
-                          <a:solidFill>
-                            <a:srgbClr val="000000"/>
-                          </a:solidFill>
-                          <a:effectLst/>
-                          <a:latin typeface="Calibri" pitchFamily="34" charset="0"/>
-                          <a:cs typeface="Arial" charset="0"/>
-                        </a:rPr>
-                        <a:t>27 –</a:t>
-                      </a:r>
-                    </a:p>
-                    <a:p>
-                      <a:pPr marL="0" marR="0" lvl="0" indent="0" algn="l" defTabSz="914400" rtl="0" eaLnBrk="1" fontAlgn="base" latinLnBrk="0" hangingPunct="1">
-                        <a:lnSpc>
-                          <a:spcPct val="100000"/>
-                        </a:lnSpc>
-                        <a:spcBef>
-                          <a:spcPct val="0"/>
-                        </a:spcBef>
-                        <a:spcAft>
-                          <a:spcPct val="0"/>
-                        </a:spcAft>
-                        <a:buClrTx/>
-                        <a:buSzTx/>
-                        <a:buFontTx/>
-                        <a:buNone/>
-                        <a:tabLst/>
-                      </a:pPr>
-                      <a:r>
-                        <a:rPr kumimoji="0" lang="fr-FR" sz="900" b="0" i="0" u="none" strike="noStrike" cap="none" normalizeH="0" baseline="0" dirty="0" smtClean="0">
-                          <a:ln>
-                            <a:noFill/>
-                          </a:ln>
-                          <a:solidFill>
-                            <a:srgbClr val="000000"/>
-                          </a:solidFill>
-                          <a:effectLst/>
-                          <a:latin typeface="Calibri" pitchFamily="34" charset="0"/>
-                          <a:cs typeface="Arial" charset="0"/>
-                        </a:rPr>
-                        <a:t>28 –</a:t>
-                      </a:r>
-                    </a:p>
-                    <a:p>
-                      <a:pPr marL="0" marR="0" lvl="0" indent="0" algn="l" defTabSz="914400" rtl="0" eaLnBrk="1" fontAlgn="base" latinLnBrk="0" hangingPunct="1">
-                        <a:lnSpc>
-                          <a:spcPct val="100000"/>
-                        </a:lnSpc>
-                        <a:spcBef>
-                          <a:spcPct val="0"/>
-                        </a:spcBef>
-                        <a:spcAft>
-                          <a:spcPct val="0"/>
-                        </a:spcAft>
-                        <a:buClrTx/>
-                        <a:buSzTx/>
-                        <a:buFontTx/>
-                        <a:buNone/>
-                        <a:tabLst/>
-                      </a:pPr>
-                      <a:r>
-                        <a:rPr kumimoji="0" lang="fr-FR" sz="900" b="0" i="0" u="none" strike="noStrike" cap="none" normalizeH="0" baseline="0" dirty="0" smtClean="0">
-                          <a:ln>
-                            <a:noFill/>
-                          </a:ln>
-                          <a:solidFill>
-                            <a:srgbClr val="000000"/>
-                          </a:solidFill>
-                          <a:effectLst/>
-                          <a:latin typeface="Calibri" pitchFamily="34" charset="0"/>
-                          <a:cs typeface="Arial" charset="0"/>
-                        </a:rPr>
-                        <a:t>29 –</a:t>
-                      </a:r>
-                    </a:p>
-                    <a:p>
-                      <a:pPr marL="0" marR="0" lvl="0" indent="0" algn="l" defTabSz="914400" rtl="0" eaLnBrk="1" fontAlgn="base" latinLnBrk="0" hangingPunct="1">
-                        <a:lnSpc>
-                          <a:spcPct val="100000"/>
-                        </a:lnSpc>
-                        <a:spcBef>
-                          <a:spcPct val="0"/>
-                        </a:spcBef>
-                        <a:spcAft>
-                          <a:spcPct val="0"/>
-                        </a:spcAft>
-                        <a:buClrTx/>
-                        <a:buSzTx/>
-                        <a:buFontTx/>
-                        <a:buNone/>
-                        <a:tabLst/>
-                      </a:pPr>
-                      <a:r>
-                        <a:rPr kumimoji="0" lang="fr-FR" sz="900" b="0" i="0" u="none" strike="noStrike" cap="none" normalizeH="0" baseline="0" dirty="0" smtClean="0">
-                          <a:ln>
-                            <a:noFill/>
-                          </a:ln>
-                          <a:solidFill>
-                            <a:srgbClr val="000000"/>
-                          </a:solidFill>
-                          <a:effectLst/>
-                          <a:latin typeface="Calibri" pitchFamily="34" charset="0"/>
-                          <a:cs typeface="Arial" charset="0"/>
-                        </a:rPr>
-                        <a:t>30 –</a:t>
-                      </a:r>
-                    </a:p>
-                    <a:p>
-                      <a:pPr marL="0" marR="0" lvl="0" indent="0" algn="l" defTabSz="914400" rtl="0" eaLnBrk="1" fontAlgn="base" latinLnBrk="0" hangingPunct="1">
-                        <a:lnSpc>
-                          <a:spcPct val="100000"/>
-                        </a:lnSpc>
-                        <a:spcBef>
-                          <a:spcPct val="0"/>
-                        </a:spcBef>
-                        <a:spcAft>
-                          <a:spcPct val="0"/>
-                        </a:spcAft>
-                        <a:buClrTx/>
-                        <a:buSzTx/>
-                        <a:buFontTx/>
-                        <a:buNone/>
-                        <a:tabLst/>
-                      </a:pPr>
-                      <a:r>
-                        <a:rPr kumimoji="0" lang="fr-FR" sz="900" b="0" i="0" u="none" strike="noStrike" cap="none" normalizeH="0" baseline="0" dirty="0" smtClean="0">
-                          <a:ln>
-                            <a:noFill/>
-                          </a:ln>
-                          <a:solidFill>
-                            <a:srgbClr val="000000"/>
-                          </a:solidFill>
-                          <a:effectLst/>
-                          <a:latin typeface="Calibri" pitchFamily="34" charset="0"/>
-                          <a:cs typeface="Arial" charset="0"/>
-                        </a:rPr>
-                        <a:t>31 -</a:t>
-                      </a:r>
-                      <a:endParaRPr kumimoji="0" lang="fr-FR" sz="1200" b="1" i="0" u="sng" strike="noStrike" cap="none" normalizeH="0" baseline="0" dirty="0" smtClean="0">
-                        <a:ln>
-                          <a:noFill/>
-                        </a:ln>
-                        <a:solidFill>
-                          <a:schemeClr val="tx1"/>
-                        </a:solidFill>
-                        <a:effectLst/>
-                        <a:latin typeface="Calibri" pitchFamily="34" charset="0"/>
-                        <a:cs typeface="Arial" charset="0"/>
-                      </a:endParaRPr>
-                    </a:p>
-                  </a:txBody>
-                  <a:tcPr horzOverflow="overflow">
-                    <a:lnL w="12700" cap="flat" cmpd="sng" algn="ctr">
-                      <a:solidFill>
-                        <a:schemeClr val="tx1"/>
-                      </a:solidFill>
-                      <a:prstDash val="solid"/>
-                      <a:round/>
-                      <a:headEnd type="none" w="med" len="med"/>
-                      <a:tailEnd type="none" w="med" len="med"/>
-                    </a:lnL>
-                    <a:lnR w="12700" cap="flat" cmpd="sng" algn="ctr">
-                      <a:solidFill>
-                        <a:schemeClr val="tx1"/>
-                      </a:solidFill>
-                      <a:prstDash val="solid"/>
-                      <a:round/>
-                      <a:headEnd type="none" w="med" len="med"/>
-                      <a:tailEnd type="none" w="med" len="med"/>
-                    </a:lnR>
-                    <a:lnT w="12700" cap="flat" cmpd="sng" algn="ctr">
-                      <a:solidFill>
-                        <a:schemeClr val="tx1"/>
-                      </a:solidFill>
-                      <a:prstDash val="solid"/>
-                      <a:round/>
-                      <a:headEnd type="none" w="med" len="med"/>
-                      <a:tailEnd type="none" w="med" len="med"/>
-                    </a:lnT>
-                    <a:lnB w="12700" cap="flat" cmpd="sng" algn="ctr">
-                      <a:solidFill>
-                        <a:schemeClr val="tx1"/>
-                      </a:solidFill>
                       <a:prstDash val="solid"/>
                       <a:round/>
                       <a:headEnd type="none" w="med" len="med"/>
@@ -10735,11 +9456,6 @@
         </a:graphic>
       </p:graphicFrame>
     </p:spTree>
-    <p:extLst>
-      <p:ext uri="{BB962C8B-B14F-4D97-AF65-F5344CB8AC3E}">
-        <p14:creationId xmlns:p14="http://schemas.microsoft.com/office/powerpoint/2010/main" val="3497095390"/>
-      </p:ext>
-    </p:extLst>
   </p:cSld>
   <p:clrMapOvr>
     <a:masterClrMapping/>
